--- a/Portfolio_Diversifer.pptx
+++ b/Portfolio_Diversifer.pptx
@@ -2,7 +2,7 @@
 <file path=ppt/presentation.xml><?xml version="1.0" encoding="utf-8"?>
 <p:presentation xmlns:a="http://schemas.openxmlformats.org/drawingml/2006/main" xmlns:r="http://schemas.openxmlformats.org/officeDocument/2006/relationships" xmlns:p="http://schemas.openxmlformats.org/presentationml/2006/main" saveSubsetFonts="1">
   <p:sldMasterIdLst>
-    <p:sldMasterId id="2147483648" r:id="rId1"/>
+    <p:sldMasterId id="2147483660" r:id="rId1"/>
   </p:sldMasterIdLst>
   <p:sldIdLst>
     <p:sldId id="256" r:id="rId2"/>
@@ -30,7 +30,7 @@
     <a:defPPr>
       <a:defRPr lang="en-US"/>
     </a:defPPr>
-    <a:lvl1pPr marL="0" algn="l" defTabSz="914400" rtl="0" eaLnBrk="1" latinLnBrk="0" hangingPunct="1">
+    <a:lvl1pPr marL="0" algn="l" defTabSz="457200" rtl="0" eaLnBrk="1" latinLnBrk="0" hangingPunct="1">
       <a:defRPr sz="1800" kern="1200">
         <a:solidFill>
           <a:schemeClr val="tx1"/>
@@ -40,7 +40,7 @@
         <a:cs typeface="+mn-cs"/>
       </a:defRPr>
     </a:lvl1pPr>
-    <a:lvl2pPr marL="457200" algn="l" defTabSz="914400" rtl="0" eaLnBrk="1" latinLnBrk="0" hangingPunct="1">
+    <a:lvl2pPr marL="457200" algn="l" defTabSz="457200" rtl="0" eaLnBrk="1" latinLnBrk="0" hangingPunct="1">
       <a:defRPr sz="1800" kern="1200">
         <a:solidFill>
           <a:schemeClr val="tx1"/>
@@ -50,7 +50,7 @@
         <a:cs typeface="+mn-cs"/>
       </a:defRPr>
     </a:lvl2pPr>
-    <a:lvl3pPr marL="914400" algn="l" defTabSz="914400" rtl="0" eaLnBrk="1" latinLnBrk="0" hangingPunct="1">
+    <a:lvl3pPr marL="914400" algn="l" defTabSz="457200" rtl="0" eaLnBrk="1" latinLnBrk="0" hangingPunct="1">
       <a:defRPr sz="1800" kern="1200">
         <a:solidFill>
           <a:schemeClr val="tx1"/>
@@ -60,7 +60,7 @@
         <a:cs typeface="+mn-cs"/>
       </a:defRPr>
     </a:lvl3pPr>
-    <a:lvl4pPr marL="1371600" algn="l" defTabSz="914400" rtl="0" eaLnBrk="1" latinLnBrk="0" hangingPunct="1">
+    <a:lvl4pPr marL="1371600" algn="l" defTabSz="457200" rtl="0" eaLnBrk="1" latinLnBrk="0" hangingPunct="1">
       <a:defRPr sz="1800" kern="1200">
         <a:solidFill>
           <a:schemeClr val="tx1"/>
@@ -70,7 +70,7 @@
         <a:cs typeface="+mn-cs"/>
       </a:defRPr>
     </a:lvl4pPr>
-    <a:lvl5pPr marL="1828800" algn="l" defTabSz="914400" rtl="0" eaLnBrk="1" latinLnBrk="0" hangingPunct="1">
+    <a:lvl5pPr marL="1828800" algn="l" defTabSz="457200" rtl="0" eaLnBrk="1" latinLnBrk="0" hangingPunct="1">
       <a:defRPr sz="1800" kern="1200">
         <a:solidFill>
           <a:schemeClr val="tx1"/>
@@ -80,7 +80,7 @@
         <a:cs typeface="+mn-cs"/>
       </a:defRPr>
     </a:lvl5pPr>
-    <a:lvl6pPr marL="2286000" algn="l" defTabSz="914400" rtl="0" eaLnBrk="1" latinLnBrk="0" hangingPunct="1">
+    <a:lvl6pPr marL="2286000" algn="l" defTabSz="457200" rtl="0" eaLnBrk="1" latinLnBrk="0" hangingPunct="1">
       <a:defRPr sz="1800" kern="1200">
         <a:solidFill>
           <a:schemeClr val="tx1"/>
@@ -90,7 +90,7 @@
         <a:cs typeface="+mn-cs"/>
       </a:defRPr>
     </a:lvl6pPr>
-    <a:lvl7pPr marL="2743200" algn="l" defTabSz="914400" rtl="0" eaLnBrk="1" latinLnBrk="0" hangingPunct="1">
+    <a:lvl7pPr marL="2743200" algn="l" defTabSz="457200" rtl="0" eaLnBrk="1" latinLnBrk="0" hangingPunct="1">
       <a:defRPr sz="1800" kern="1200">
         <a:solidFill>
           <a:schemeClr val="tx1"/>
@@ -100,7 +100,7 @@
         <a:cs typeface="+mn-cs"/>
       </a:defRPr>
     </a:lvl7pPr>
-    <a:lvl8pPr marL="3200400" algn="l" defTabSz="914400" rtl="0" eaLnBrk="1" latinLnBrk="0" hangingPunct="1">
+    <a:lvl8pPr marL="3200400" algn="l" defTabSz="457200" rtl="0" eaLnBrk="1" latinLnBrk="0" hangingPunct="1">
       <a:defRPr sz="1800" kern="1200">
         <a:solidFill>
           <a:schemeClr val="tx1"/>
@@ -110,7 +110,7 @@
         <a:cs typeface="+mn-cs"/>
       </a:defRPr>
     </a:lvl8pPr>
-    <a:lvl9pPr marL="3657600" algn="l" defTabSz="914400" rtl="0" eaLnBrk="1" latinLnBrk="0" hangingPunct="1">
+    <a:lvl9pPr marL="3657600" algn="l" defTabSz="457200" rtl="0" eaLnBrk="1" latinLnBrk="0" hangingPunct="1">
       <a:defRPr sz="1800" kern="1200">
         <a:solidFill>
           <a:schemeClr val="tx1"/>
@@ -121,11 +121,16 @@
       </a:defRPr>
     </a:lvl9pPr>
   </p:defaultTextStyle>
+  <p:extLst>
+    <p:ext uri="{EFAFB233-063F-42B5-8137-9DF3F51BA10A}">
+      <p15:sldGuideLst xmlns:p15="http://schemas.microsoft.com/office/powerpoint/2012/main"/>
+    </p:ext>
+  </p:extLst>
 </p:presentation>
 </file>
 
 <file path=ppt/slideLayouts/slideLayout1.xml><?xml version="1.0" encoding="utf-8"?>
-<p:sldLayout xmlns:a="http://schemas.openxmlformats.org/drawingml/2006/main" xmlns:r="http://schemas.openxmlformats.org/officeDocument/2006/relationships" xmlns:p="http://schemas.openxmlformats.org/presentationml/2006/main" type="title" preserve="1">
+<p:sldLayout xmlns:a="http://schemas.openxmlformats.org/drawingml/2006/main" xmlns:r="http://schemas.openxmlformats.org/officeDocument/2006/relationships" xmlns:p="http://schemas.openxmlformats.org/presentationml/2006/main" showMasterSp="0" type="title" preserve="1">
   <p:cSld name="Title Slide">
     <p:spTree>
       <p:nvGrpSpPr>
@@ -143,13 +148,7 @@
       </p:grpSpPr>
       <p:sp>
         <p:nvSpPr>
-          <p:cNvPr id="2" name="Title 1">
-            <a:extLst>
-              <a:ext uri="{FF2B5EF4-FFF2-40B4-BE49-F238E27FC236}">
-                <a16:creationId xmlns:a16="http://schemas.microsoft.com/office/drawing/2014/main" id="{538B420E-8F6A-4176-9AA8-D60D03061928}"/>
-              </a:ext>
-            </a:extLst>
-          </p:cNvPr>
+          <p:cNvPr id="2" name="Title 1"/>
           <p:cNvSpPr>
             <a:spLocks noGrp="1"/>
           </p:cNvSpPr>
@@ -159,15 +158,19 @@
         </p:nvSpPr>
         <p:spPr>
           <a:xfrm>
-            <a:off x="1524000" y="1122363"/>
-            <a:ext cx="9144000" cy="2387600"/>
-          </a:xfrm>
-        </p:spPr>
-        <p:txBody>
-          <a:bodyPr anchor="b"/>
+            <a:off x="684212" y="685799"/>
+            <a:ext cx="8001000" cy="2971801"/>
+          </a:xfrm>
+        </p:spPr>
+        <p:txBody>
+          <a:bodyPr anchor="b">
+            <a:normAutofit/>
+          </a:bodyPr>
           <a:lstStyle>
-            <a:lvl1pPr algn="ctr">
-              <a:defRPr sz="6000"/>
+            <a:lvl1pPr algn="l">
+              <a:defRPr sz="4800">
+                <a:effectLst/>
+              </a:defRPr>
             </a:lvl1pPr>
           </a:lstStyle>
           <a:p>
@@ -175,18 +178,13 @@
               <a:rPr lang="en-US"/>
               <a:t>Click to edit Master title style</a:t>
             </a:r>
-          </a:p>
-        </p:txBody>
-      </p:sp>
-      <p:sp>
-        <p:nvSpPr>
-          <p:cNvPr id="3" name="Subtitle 2">
-            <a:extLst>
-              <a:ext uri="{FF2B5EF4-FFF2-40B4-BE49-F238E27FC236}">
-                <a16:creationId xmlns:a16="http://schemas.microsoft.com/office/drawing/2014/main" id="{350DFBB9-C668-47C4-B43C-2D66F29A7B56}"/>
-              </a:ext>
-            </a:extLst>
-          </p:cNvPr>
+            <a:endParaRPr lang="en-US" dirty="0"/>
+          </a:p>
+        </p:txBody>
+      </p:sp>
+      <p:sp>
+        <p:nvSpPr>
+          <p:cNvPr id="3" name="Subtitle 2"/>
           <p:cNvSpPr>
             <a:spLocks noGrp="1"/>
           </p:cNvSpPr>
@@ -196,48 +194,104 @@
         </p:nvSpPr>
         <p:spPr>
           <a:xfrm>
-            <a:off x="1524000" y="3602038"/>
-            <a:ext cx="9144000" cy="1655762"/>
-          </a:xfrm>
-        </p:spPr>
-        <p:txBody>
-          <a:bodyPr/>
+            <a:off x="684212" y="3843867"/>
+            <a:ext cx="6400800" cy="1947333"/>
+          </a:xfrm>
+        </p:spPr>
+        <p:txBody>
+          <a:bodyPr anchor="t">
+            <a:normAutofit/>
+          </a:bodyPr>
           <a:lstStyle>
-            <a:lvl1pPr marL="0" indent="0" algn="ctr">
-              <a:buNone/>
-              <a:defRPr sz="2400"/>
+            <a:lvl1pPr marL="0" indent="0" algn="l">
+              <a:buNone/>
+              <a:defRPr sz="2100">
+                <a:solidFill>
+                  <a:schemeClr val="bg2">
+                    <a:lumMod val="75000"/>
+                  </a:schemeClr>
+                </a:solidFill>
+              </a:defRPr>
             </a:lvl1pPr>
             <a:lvl2pPr marL="457200" indent="0" algn="ctr">
               <a:buNone/>
-              <a:defRPr sz="2000"/>
+              <a:defRPr>
+                <a:solidFill>
+                  <a:schemeClr val="tx1">
+                    <a:tint val="75000"/>
+                  </a:schemeClr>
+                </a:solidFill>
+              </a:defRPr>
             </a:lvl2pPr>
             <a:lvl3pPr marL="914400" indent="0" algn="ctr">
               <a:buNone/>
-              <a:defRPr sz="1800"/>
+              <a:defRPr>
+                <a:solidFill>
+                  <a:schemeClr val="tx1">
+                    <a:tint val="75000"/>
+                  </a:schemeClr>
+                </a:solidFill>
+              </a:defRPr>
             </a:lvl3pPr>
             <a:lvl4pPr marL="1371600" indent="0" algn="ctr">
               <a:buNone/>
-              <a:defRPr sz="1600"/>
+              <a:defRPr>
+                <a:solidFill>
+                  <a:schemeClr val="tx1">
+                    <a:tint val="75000"/>
+                  </a:schemeClr>
+                </a:solidFill>
+              </a:defRPr>
             </a:lvl4pPr>
             <a:lvl5pPr marL="1828800" indent="0" algn="ctr">
               <a:buNone/>
-              <a:defRPr sz="1600"/>
+              <a:defRPr>
+                <a:solidFill>
+                  <a:schemeClr val="tx1">
+                    <a:tint val="75000"/>
+                  </a:schemeClr>
+                </a:solidFill>
+              </a:defRPr>
             </a:lvl5pPr>
             <a:lvl6pPr marL="2286000" indent="0" algn="ctr">
               <a:buNone/>
-              <a:defRPr sz="1600"/>
+              <a:defRPr>
+                <a:solidFill>
+                  <a:schemeClr val="tx1">
+                    <a:tint val="75000"/>
+                  </a:schemeClr>
+                </a:solidFill>
+              </a:defRPr>
             </a:lvl6pPr>
             <a:lvl7pPr marL="2743200" indent="0" algn="ctr">
               <a:buNone/>
-              <a:defRPr sz="1600"/>
+              <a:defRPr>
+                <a:solidFill>
+                  <a:schemeClr val="tx1">
+                    <a:tint val="75000"/>
+                  </a:schemeClr>
+                </a:solidFill>
+              </a:defRPr>
             </a:lvl7pPr>
             <a:lvl8pPr marL="3200400" indent="0" algn="ctr">
               <a:buNone/>
-              <a:defRPr sz="1600"/>
+              <a:defRPr>
+                <a:solidFill>
+                  <a:schemeClr val="tx1">
+                    <a:tint val="75000"/>
+                  </a:schemeClr>
+                </a:solidFill>
+              </a:defRPr>
             </a:lvl8pPr>
             <a:lvl9pPr marL="3657600" indent="0" algn="ctr">
               <a:buNone/>
-              <a:defRPr sz="1600"/>
+              <a:defRPr>
+                <a:solidFill>
+                  <a:schemeClr val="tx1">
+                    <a:tint val="75000"/>
+                  </a:schemeClr>
+                </a:solidFill>
+              </a:defRPr>
             </a:lvl9pPr>
           </a:lstStyle>
           <a:p>
@@ -245,18 +299,13 @@
               <a:rPr lang="en-US"/>
               <a:t>Click to edit Master subtitle style</a:t>
             </a:r>
-          </a:p>
-        </p:txBody>
-      </p:sp>
-      <p:sp>
-        <p:nvSpPr>
-          <p:cNvPr id="4" name="Date Placeholder 3">
-            <a:extLst>
-              <a:ext uri="{FF2B5EF4-FFF2-40B4-BE49-F238E27FC236}">
-                <a16:creationId xmlns:a16="http://schemas.microsoft.com/office/drawing/2014/main" id="{41E0C1DF-1EF8-4007-B3EC-4D0EA3D43754}"/>
-              </a:ext>
-            </a:extLst>
-          </p:cNvPr>
+            <a:endParaRPr lang="en-US" dirty="0"/>
+          </a:p>
+        </p:txBody>
+      </p:sp>
+      <p:sp>
+        <p:nvSpPr>
+          <p:cNvPr id="4" name="Date Placeholder 3"/>
           <p:cNvSpPr>
             <a:spLocks noGrp="1"/>
           </p:cNvSpPr>
@@ -271,7 +320,7 @@
           <a:p>
             <a:fld id="{D5631127-A76B-4A35-A5FD-59E27004ABB4}" type="datetimeFigureOut">
               <a:rPr lang="en-US" smtClean="0"/>
-              <a:t>8/16/2021</a:t>
+              <a:t>8/20/2021</a:t>
             </a:fld>
             <a:endParaRPr lang="en-US"/>
           </a:p>
@@ -279,13 +328,7 @@
       </p:sp>
       <p:sp>
         <p:nvSpPr>
-          <p:cNvPr id="5" name="Footer Placeholder 4">
-            <a:extLst>
-              <a:ext uri="{FF2B5EF4-FFF2-40B4-BE49-F238E27FC236}">
-                <a16:creationId xmlns:a16="http://schemas.microsoft.com/office/drawing/2014/main" id="{B798101D-5454-4FF8-B991-AE8AC4DD11AE}"/>
-              </a:ext>
-            </a:extLst>
-          </p:cNvPr>
+          <p:cNvPr id="5" name="Footer Placeholder 4"/>
           <p:cNvSpPr>
             <a:spLocks noGrp="1"/>
           </p:cNvSpPr>
@@ -304,13 +347,7 @@
       </p:sp>
       <p:sp>
         <p:nvSpPr>
-          <p:cNvPr id="6" name="Slide Number Placeholder 5">
-            <a:extLst>
-              <a:ext uri="{FF2B5EF4-FFF2-40B4-BE49-F238E27FC236}">
-                <a16:creationId xmlns:a16="http://schemas.microsoft.com/office/drawing/2014/main" id="{6742377E-FB41-467D-A4C9-B96F349C6FE7}"/>
-              </a:ext>
-            </a:extLst>
-          </p:cNvPr>
+          <p:cNvPr id="6" name="Slide Number Placeholder 5"/>
           <p:cNvSpPr>
             <a:spLocks noGrp="1"/>
           </p:cNvSpPr>
@@ -331,10 +368,185 @@
           </a:p>
         </p:txBody>
       </p:sp>
+      <p:cxnSp>
+        <p:nvCxnSpPr>
+          <p:cNvPr id="16" name="Straight Connector 15"/>
+          <p:cNvCxnSpPr/>
+          <p:nvPr/>
+        </p:nvCxnSpPr>
+        <p:spPr>
+          <a:xfrm flipH="1">
+            <a:off x="8228012" y="8467"/>
+            <a:ext cx="3810000" cy="3810000"/>
+          </a:xfrm>
+          <a:prstGeom prst="line">
+            <a:avLst/>
+          </a:prstGeom>
+          <a:ln w="12700">
+            <a:solidFill>
+              <a:schemeClr val="tx1"/>
+            </a:solidFill>
+          </a:ln>
+        </p:spPr>
+        <p:style>
+          <a:lnRef idx="2">
+            <a:schemeClr val="accent1"/>
+          </a:lnRef>
+          <a:fillRef idx="0">
+            <a:schemeClr val="accent1"/>
+          </a:fillRef>
+          <a:effectRef idx="1">
+            <a:schemeClr val="accent1"/>
+          </a:effectRef>
+          <a:fontRef idx="minor">
+            <a:schemeClr val="tx1"/>
+          </a:fontRef>
+        </p:style>
+      </p:cxnSp>
+      <p:cxnSp>
+        <p:nvCxnSpPr>
+          <p:cNvPr id="17" name="Straight Connector 16"/>
+          <p:cNvCxnSpPr/>
+          <p:nvPr/>
+        </p:nvCxnSpPr>
+        <p:spPr>
+          <a:xfrm flipH="1">
+            <a:off x="6108170" y="91545"/>
+            <a:ext cx="6080655" cy="6080655"/>
+          </a:xfrm>
+          <a:prstGeom prst="line">
+            <a:avLst/>
+          </a:prstGeom>
+          <a:ln w="12700">
+            <a:solidFill>
+              <a:schemeClr val="tx1"/>
+            </a:solidFill>
+          </a:ln>
+        </p:spPr>
+        <p:style>
+          <a:lnRef idx="2">
+            <a:schemeClr val="accent1"/>
+          </a:lnRef>
+          <a:fillRef idx="0">
+            <a:schemeClr val="accent1"/>
+          </a:fillRef>
+          <a:effectRef idx="1">
+            <a:schemeClr val="accent1"/>
+          </a:effectRef>
+          <a:fontRef idx="minor">
+            <a:schemeClr val="tx1"/>
+          </a:fontRef>
+        </p:style>
+      </p:cxnSp>
+      <p:cxnSp>
+        <p:nvCxnSpPr>
+          <p:cNvPr id="19" name="Straight Connector 18"/>
+          <p:cNvCxnSpPr/>
+          <p:nvPr/>
+        </p:nvCxnSpPr>
+        <p:spPr>
+          <a:xfrm flipH="1">
+            <a:off x="7235825" y="228600"/>
+            <a:ext cx="4953000" cy="4953000"/>
+          </a:xfrm>
+          <a:prstGeom prst="line">
+            <a:avLst/>
+          </a:prstGeom>
+          <a:ln w="12700">
+            <a:solidFill>
+              <a:schemeClr val="tx1"/>
+            </a:solidFill>
+          </a:ln>
+        </p:spPr>
+        <p:style>
+          <a:lnRef idx="2">
+            <a:schemeClr val="accent1"/>
+          </a:lnRef>
+          <a:fillRef idx="0">
+            <a:schemeClr val="accent1"/>
+          </a:fillRef>
+          <a:effectRef idx="1">
+            <a:schemeClr val="accent1"/>
+          </a:effectRef>
+          <a:fontRef idx="minor">
+            <a:schemeClr val="tx1"/>
+          </a:fontRef>
+        </p:style>
+      </p:cxnSp>
+      <p:cxnSp>
+        <p:nvCxnSpPr>
+          <p:cNvPr id="21" name="Straight Connector 20"/>
+          <p:cNvCxnSpPr/>
+          <p:nvPr/>
+        </p:nvCxnSpPr>
+        <p:spPr>
+          <a:xfrm flipH="1">
+            <a:off x="7335837" y="32278"/>
+            <a:ext cx="4852989" cy="4852989"/>
+          </a:xfrm>
+          <a:prstGeom prst="line">
+            <a:avLst/>
+          </a:prstGeom>
+          <a:ln w="31750">
+            <a:solidFill>
+              <a:schemeClr val="tx1"/>
+            </a:solidFill>
+          </a:ln>
+        </p:spPr>
+        <p:style>
+          <a:lnRef idx="2">
+            <a:schemeClr val="accent1"/>
+          </a:lnRef>
+          <a:fillRef idx="0">
+            <a:schemeClr val="accent1"/>
+          </a:fillRef>
+          <a:effectRef idx="1">
+            <a:schemeClr val="accent1"/>
+          </a:effectRef>
+          <a:fontRef idx="minor">
+            <a:schemeClr val="tx1"/>
+          </a:fontRef>
+        </p:style>
+      </p:cxnSp>
+      <p:cxnSp>
+        <p:nvCxnSpPr>
+          <p:cNvPr id="23" name="Straight Connector 22"/>
+          <p:cNvCxnSpPr/>
+          <p:nvPr/>
+        </p:nvCxnSpPr>
+        <p:spPr>
+          <a:xfrm flipH="1">
+            <a:off x="7845426" y="609601"/>
+            <a:ext cx="4343399" cy="4343399"/>
+          </a:xfrm>
+          <a:prstGeom prst="line">
+            <a:avLst/>
+          </a:prstGeom>
+          <a:ln w="31750">
+            <a:solidFill>
+              <a:schemeClr val="tx1"/>
+            </a:solidFill>
+          </a:ln>
+        </p:spPr>
+        <p:style>
+          <a:lnRef idx="2">
+            <a:schemeClr val="accent1"/>
+          </a:lnRef>
+          <a:fillRef idx="0">
+            <a:schemeClr val="accent1"/>
+          </a:fillRef>
+          <a:effectRef idx="1">
+            <a:schemeClr val="accent1"/>
+          </a:effectRef>
+          <a:fontRef idx="minor">
+            <a:schemeClr val="tx1"/>
+          </a:fontRef>
+        </p:style>
+      </p:cxnSp>
     </p:spTree>
     <p:extLst>
       <p:ext uri="{BB962C8B-B14F-4D97-AF65-F5344CB8AC3E}">
-        <p14:creationId xmlns:p14="http://schemas.microsoft.com/office/powerpoint/2010/main" val="1951177010"/>
+        <p14:creationId xmlns:p14="http://schemas.microsoft.com/office/powerpoint/2010/main" val="4266704995"/>
       </p:ext>
     </p:extLst>
   </p:cSld>
@@ -345,6 +557,1812 @@
 </file>
 
 <file path=ppt/slideLayouts/slideLayout10.xml><?xml version="1.0" encoding="utf-8"?>
+<p:sldLayout xmlns:a="http://schemas.openxmlformats.org/drawingml/2006/main" xmlns:r="http://schemas.openxmlformats.org/officeDocument/2006/relationships" xmlns:p="http://schemas.openxmlformats.org/presentationml/2006/main" preserve="1">
+  <p:cSld name="Panoramic Picture with Caption">
+    <p:spTree>
+      <p:nvGrpSpPr>
+        <p:cNvPr id="1" name=""/>
+        <p:cNvGrpSpPr/>
+        <p:nvPr/>
+      </p:nvGrpSpPr>
+      <p:grpSpPr>
+        <a:xfrm>
+          <a:off x="0" y="0"/>
+          <a:ext cx="0" cy="0"/>
+          <a:chOff x="0" y="0"/>
+          <a:chExt cx="0" cy="0"/>
+        </a:xfrm>
+      </p:grpSpPr>
+      <p:sp>
+        <p:nvSpPr>
+          <p:cNvPr id="2" name="Title 1"/>
+          <p:cNvSpPr>
+            <a:spLocks noGrp="1"/>
+          </p:cNvSpPr>
+          <p:nvPr>
+            <p:ph type="title"/>
+          </p:nvPr>
+        </p:nvSpPr>
+        <p:spPr/>
+        <p:txBody>
+          <a:bodyPr/>
+          <a:lstStyle/>
+          <a:p>
+            <a:r>
+              <a:rPr lang="en-US"/>
+              <a:t>Click to edit Master title style</a:t>
+            </a:r>
+            <a:endParaRPr lang="en-US" dirty="0"/>
+          </a:p>
+        </p:txBody>
+      </p:sp>
+      <p:sp>
+        <p:nvSpPr>
+          <p:cNvPr id="17" name="Picture Placeholder 2"/>
+          <p:cNvSpPr>
+            <a:spLocks noGrp="1" noChangeAspect="1"/>
+          </p:cNvSpPr>
+          <p:nvPr>
+            <p:ph type="pic" idx="13"/>
+          </p:nvPr>
+        </p:nvSpPr>
+        <p:spPr>
+          <a:xfrm>
+            <a:off x="685800" y="533400"/>
+            <a:ext cx="10818812" cy="3124200"/>
+          </a:xfrm>
+          <a:prstGeom prst="snip2DiagRect">
+            <a:avLst>
+              <a:gd name="adj1" fmla="val 10815"/>
+              <a:gd name="adj2" fmla="val 0"/>
+            </a:avLst>
+          </a:prstGeom>
+          <a:ln w="15875">
+            <a:solidFill>
+              <a:schemeClr val="tx1">
+                <a:alpha val="40000"/>
+              </a:schemeClr>
+            </a:solidFill>
+          </a:ln>
+          <a:effectLst>
+            <a:innerShdw blurRad="57150" dist="38100" dir="14460000">
+              <a:srgbClr val="000000">
+                <a:alpha val="70000"/>
+              </a:srgbClr>
+            </a:innerShdw>
+          </a:effectLst>
+        </p:spPr>
+        <p:txBody>
+          <a:bodyPr anchor="t">
+            <a:normAutofit/>
+          </a:bodyPr>
+          <a:lstStyle>
+            <a:lvl1pPr marL="0" indent="0" algn="ctr">
+              <a:buNone/>
+              <a:defRPr sz="1600"/>
+            </a:lvl1pPr>
+            <a:lvl2pPr marL="457200" indent="0">
+              <a:buNone/>
+              <a:defRPr sz="1600"/>
+            </a:lvl2pPr>
+            <a:lvl3pPr marL="914400" indent="0">
+              <a:buNone/>
+              <a:defRPr sz="1600"/>
+            </a:lvl3pPr>
+            <a:lvl4pPr marL="1371600" indent="0">
+              <a:buNone/>
+              <a:defRPr sz="1600"/>
+            </a:lvl4pPr>
+            <a:lvl5pPr marL="1828800" indent="0">
+              <a:buNone/>
+              <a:defRPr sz="1600"/>
+            </a:lvl5pPr>
+            <a:lvl6pPr marL="2286000" indent="0">
+              <a:buNone/>
+              <a:defRPr sz="1600"/>
+            </a:lvl6pPr>
+            <a:lvl7pPr marL="2743200" indent="0">
+              <a:buNone/>
+              <a:defRPr sz="1600"/>
+            </a:lvl7pPr>
+            <a:lvl8pPr marL="3200400" indent="0">
+              <a:buNone/>
+              <a:defRPr sz="1600"/>
+            </a:lvl8pPr>
+            <a:lvl9pPr marL="3657600" indent="0">
+              <a:buNone/>
+              <a:defRPr sz="1600"/>
+            </a:lvl9pPr>
+          </a:lstStyle>
+          <a:p>
+            <a:r>
+              <a:rPr lang="en-US"/>
+              <a:t>Click icon to add picture</a:t>
+            </a:r>
+            <a:endParaRPr lang="en-US" dirty="0"/>
+          </a:p>
+        </p:txBody>
+      </p:sp>
+      <p:sp>
+        <p:nvSpPr>
+          <p:cNvPr id="16" name="Text Placeholder 9"/>
+          <p:cNvSpPr>
+            <a:spLocks noGrp="1"/>
+          </p:cNvSpPr>
+          <p:nvPr>
+            <p:ph type="body" sz="quarter" idx="14"/>
+          </p:nvPr>
+        </p:nvSpPr>
+        <p:spPr>
+          <a:xfrm>
+            <a:off x="914402" y="3843867"/>
+            <a:ext cx="8304210" cy="457200"/>
+          </a:xfrm>
+        </p:spPr>
+        <p:txBody>
+          <a:bodyPr anchor="t">
+            <a:normAutofit/>
+          </a:bodyPr>
+          <a:lstStyle>
+            <a:lvl1pPr marL="0" indent="0">
+              <a:buFontTx/>
+              <a:buNone/>
+              <a:defRPr sz="1600"/>
+            </a:lvl1pPr>
+            <a:lvl2pPr marL="457200" indent="0">
+              <a:buFontTx/>
+              <a:buNone/>
+              <a:defRPr/>
+            </a:lvl2pPr>
+            <a:lvl3pPr marL="914400" indent="0">
+              <a:buFontTx/>
+              <a:buNone/>
+              <a:defRPr/>
+            </a:lvl3pPr>
+            <a:lvl4pPr marL="1371600" indent="0">
+              <a:buFontTx/>
+              <a:buNone/>
+              <a:defRPr/>
+            </a:lvl4pPr>
+            <a:lvl5pPr marL="1828800" indent="0">
+              <a:buFontTx/>
+              <a:buNone/>
+              <a:defRPr/>
+            </a:lvl5pPr>
+          </a:lstStyle>
+          <a:p>
+            <a:pPr lvl="0"/>
+            <a:r>
+              <a:rPr lang="en-US"/>
+              <a:t>Click to edit Master text styles</a:t>
+            </a:r>
+          </a:p>
+        </p:txBody>
+      </p:sp>
+      <p:sp>
+        <p:nvSpPr>
+          <p:cNvPr id="3" name="Date Placeholder 2"/>
+          <p:cNvSpPr>
+            <a:spLocks noGrp="1"/>
+          </p:cNvSpPr>
+          <p:nvPr>
+            <p:ph type="dt" sz="half" idx="10"/>
+          </p:nvPr>
+        </p:nvSpPr>
+        <p:spPr/>
+        <p:txBody>
+          <a:bodyPr/>
+          <a:lstStyle/>
+          <a:p>
+            <a:fld id="{D5631127-A76B-4A35-A5FD-59E27004ABB4}" type="datetimeFigureOut">
+              <a:rPr lang="en-US" smtClean="0"/>
+              <a:t>8/20/2021</a:t>
+            </a:fld>
+            <a:endParaRPr lang="en-US"/>
+          </a:p>
+        </p:txBody>
+      </p:sp>
+      <p:sp>
+        <p:nvSpPr>
+          <p:cNvPr id="4" name="Footer Placeholder 3"/>
+          <p:cNvSpPr>
+            <a:spLocks noGrp="1"/>
+          </p:cNvSpPr>
+          <p:nvPr>
+            <p:ph type="ftr" sz="quarter" idx="11"/>
+          </p:nvPr>
+        </p:nvSpPr>
+        <p:spPr/>
+        <p:txBody>
+          <a:bodyPr/>
+          <a:lstStyle/>
+          <a:p>
+            <a:endParaRPr lang="en-US"/>
+          </a:p>
+        </p:txBody>
+      </p:sp>
+      <p:sp>
+        <p:nvSpPr>
+          <p:cNvPr id="5" name="Slide Number Placeholder 4"/>
+          <p:cNvSpPr>
+            <a:spLocks noGrp="1"/>
+          </p:cNvSpPr>
+          <p:nvPr>
+            <p:ph type="sldNum" sz="quarter" idx="12"/>
+          </p:nvPr>
+        </p:nvSpPr>
+        <p:spPr/>
+        <p:txBody>
+          <a:bodyPr/>
+          <a:lstStyle/>
+          <a:p>
+            <a:fld id="{D415CBC7-8500-4621-9F3E-DEAEBF82B2F5}" type="slidenum">
+              <a:rPr lang="en-US" smtClean="0"/>
+              <a:t>‹#›</a:t>
+            </a:fld>
+            <a:endParaRPr lang="en-US"/>
+          </a:p>
+        </p:txBody>
+      </p:sp>
+    </p:spTree>
+    <p:extLst>
+      <p:ext uri="{BB962C8B-B14F-4D97-AF65-F5344CB8AC3E}">
+        <p14:creationId xmlns:p14="http://schemas.microsoft.com/office/powerpoint/2010/main" val="1108584867"/>
+      </p:ext>
+    </p:extLst>
+  </p:cSld>
+  <p:clrMapOvr>
+    <a:masterClrMapping/>
+  </p:clrMapOvr>
+</p:sldLayout>
+</file>
+
+<file path=ppt/slideLayouts/slideLayout11.xml><?xml version="1.0" encoding="utf-8"?>
+<p:sldLayout xmlns:a="http://schemas.openxmlformats.org/drawingml/2006/main" xmlns:r="http://schemas.openxmlformats.org/officeDocument/2006/relationships" xmlns:p="http://schemas.openxmlformats.org/presentationml/2006/main" preserve="1">
+  <p:cSld name="Title and Caption">
+    <p:spTree>
+      <p:nvGrpSpPr>
+        <p:cNvPr id="1" name=""/>
+        <p:cNvGrpSpPr/>
+        <p:nvPr/>
+      </p:nvGrpSpPr>
+      <p:grpSpPr>
+        <a:xfrm>
+          <a:off x="0" y="0"/>
+          <a:ext cx="0" cy="0"/>
+          <a:chOff x="0" y="0"/>
+          <a:chExt cx="0" cy="0"/>
+        </a:xfrm>
+      </p:grpSpPr>
+      <p:sp>
+        <p:nvSpPr>
+          <p:cNvPr id="2" name="Title 1"/>
+          <p:cNvSpPr>
+            <a:spLocks noGrp="1"/>
+          </p:cNvSpPr>
+          <p:nvPr>
+            <p:ph type="title"/>
+          </p:nvPr>
+        </p:nvSpPr>
+        <p:spPr>
+          <a:xfrm>
+            <a:off x="684213" y="685800"/>
+            <a:ext cx="10058400" cy="2743200"/>
+          </a:xfrm>
+        </p:spPr>
+        <p:txBody>
+          <a:bodyPr anchor="ctr">
+            <a:normAutofit/>
+          </a:bodyPr>
+          <a:lstStyle>
+            <a:lvl1pPr algn="l">
+              <a:defRPr sz="3200" b="0" cap="all"/>
+            </a:lvl1pPr>
+          </a:lstStyle>
+          <a:p>
+            <a:r>
+              <a:rPr lang="en-US"/>
+              <a:t>Click to edit Master title style</a:t>
+            </a:r>
+            <a:endParaRPr lang="en-US" dirty="0"/>
+          </a:p>
+        </p:txBody>
+      </p:sp>
+      <p:sp>
+        <p:nvSpPr>
+          <p:cNvPr id="3" name="Text Placeholder 2"/>
+          <p:cNvSpPr>
+            <a:spLocks noGrp="1"/>
+          </p:cNvSpPr>
+          <p:nvPr>
+            <p:ph type="body" idx="1"/>
+          </p:nvPr>
+        </p:nvSpPr>
+        <p:spPr>
+          <a:xfrm>
+            <a:off x="684212" y="4114800"/>
+            <a:ext cx="8535988" cy="1879600"/>
+          </a:xfrm>
+        </p:spPr>
+        <p:txBody>
+          <a:bodyPr anchor="ctr">
+            <a:normAutofit/>
+          </a:bodyPr>
+          <a:lstStyle>
+            <a:lvl1pPr marL="0" indent="0" algn="l">
+              <a:buNone/>
+              <a:defRPr sz="2000">
+                <a:solidFill>
+                  <a:schemeClr val="bg2">
+                    <a:lumMod val="75000"/>
+                  </a:schemeClr>
+                </a:solidFill>
+              </a:defRPr>
+            </a:lvl1pPr>
+            <a:lvl2pPr marL="457200" indent="0">
+              <a:buNone/>
+              <a:defRPr sz="1800">
+                <a:solidFill>
+                  <a:schemeClr val="tx1">
+                    <a:tint val="75000"/>
+                  </a:schemeClr>
+                </a:solidFill>
+              </a:defRPr>
+            </a:lvl2pPr>
+            <a:lvl3pPr marL="914400" indent="0">
+              <a:buNone/>
+              <a:defRPr sz="1600">
+                <a:solidFill>
+                  <a:schemeClr val="tx1">
+                    <a:tint val="75000"/>
+                  </a:schemeClr>
+                </a:solidFill>
+              </a:defRPr>
+            </a:lvl3pPr>
+            <a:lvl4pPr marL="1371600" indent="0">
+              <a:buNone/>
+              <a:defRPr sz="1400">
+                <a:solidFill>
+                  <a:schemeClr val="tx1">
+                    <a:tint val="75000"/>
+                  </a:schemeClr>
+                </a:solidFill>
+              </a:defRPr>
+            </a:lvl4pPr>
+            <a:lvl5pPr marL="1828800" indent="0">
+              <a:buNone/>
+              <a:defRPr sz="1400">
+                <a:solidFill>
+                  <a:schemeClr val="tx1">
+                    <a:tint val="75000"/>
+                  </a:schemeClr>
+                </a:solidFill>
+              </a:defRPr>
+            </a:lvl5pPr>
+            <a:lvl6pPr marL="2286000" indent="0">
+              <a:buNone/>
+              <a:defRPr sz="1400">
+                <a:solidFill>
+                  <a:schemeClr val="tx1">
+                    <a:tint val="75000"/>
+                  </a:schemeClr>
+                </a:solidFill>
+              </a:defRPr>
+            </a:lvl6pPr>
+            <a:lvl7pPr marL="2743200" indent="0">
+              <a:buNone/>
+              <a:defRPr sz="1400">
+                <a:solidFill>
+                  <a:schemeClr val="tx1">
+                    <a:tint val="75000"/>
+                  </a:schemeClr>
+                </a:solidFill>
+              </a:defRPr>
+            </a:lvl7pPr>
+            <a:lvl8pPr marL="3200400" indent="0">
+              <a:buNone/>
+              <a:defRPr sz="1400">
+                <a:solidFill>
+                  <a:schemeClr val="tx1">
+                    <a:tint val="75000"/>
+                  </a:schemeClr>
+                </a:solidFill>
+              </a:defRPr>
+            </a:lvl8pPr>
+            <a:lvl9pPr marL="3657600" indent="0">
+              <a:buNone/>
+              <a:defRPr sz="1400">
+                <a:solidFill>
+                  <a:schemeClr val="tx1">
+                    <a:tint val="75000"/>
+                  </a:schemeClr>
+                </a:solidFill>
+              </a:defRPr>
+            </a:lvl9pPr>
+          </a:lstStyle>
+          <a:p>
+            <a:pPr lvl="0"/>
+            <a:r>
+              <a:rPr lang="en-US"/>
+              <a:t>Click to edit Master text styles</a:t>
+            </a:r>
+          </a:p>
+        </p:txBody>
+      </p:sp>
+      <p:sp>
+        <p:nvSpPr>
+          <p:cNvPr id="4" name="Date Placeholder 3"/>
+          <p:cNvSpPr>
+            <a:spLocks noGrp="1"/>
+          </p:cNvSpPr>
+          <p:nvPr>
+            <p:ph type="dt" sz="half" idx="10"/>
+          </p:nvPr>
+        </p:nvSpPr>
+        <p:spPr/>
+        <p:txBody>
+          <a:bodyPr/>
+          <a:lstStyle/>
+          <a:p>
+            <a:fld id="{D5631127-A76B-4A35-A5FD-59E27004ABB4}" type="datetimeFigureOut">
+              <a:rPr lang="en-US" smtClean="0"/>
+              <a:t>8/20/2021</a:t>
+            </a:fld>
+            <a:endParaRPr lang="en-US"/>
+          </a:p>
+        </p:txBody>
+      </p:sp>
+      <p:sp>
+        <p:nvSpPr>
+          <p:cNvPr id="5" name="Footer Placeholder 4"/>
+          <p:cNvSpPr>
+            <a:spLocks noGrp="1"/>
+          </p:cNvSpPr>
+          <p:nvPr>
+            <p:ph type="ftr" sz="quarter" idx="11"/>
+          </p:nvPr>
+        </p:nvSpPr>
+        <p:spPr/>
+        <p:txBody>
+          <a:bodyPr/>
+          <a:lstStyle/>
+          <a:p>
+            <a:endParaRPr lang="en-US"/>
+          </a:p>
+        </p:txBody>
+      </p:sp>
+      <p:sp>
+        <p:nvSpPr>
+          <p:cNvPr id="6" name="Slide Number Placeholder 5"/>
+          <p:cNvSpPr>
+            <a:spLocks noGrp="1"/>
+          </p:cNvSpPr>
+          <p:nvPr>
+            <p:ph type="sldNum" sz="quarter" idx="12"/>
+          </p:nvPr>
+        </p:nvSpPr>
+        <p:spPr/>
+        <p:txBody>
+          <a:bodyPr/>
+          <a:lstStyle/>
+          <a:p>
+            <a:fld id="{D415CBC7-8500-4621-9F3E-DEAEBF82B2F5}" type="slidenum">
+              <a:rPr lang="en-US" smtClean="0"/>
+              <a:t>‹#›</a:t>
+            </a:fld>
+            <a:endParaRPr lang="en-US"/>
+          </a:p>
+        </p:txBody>
+      </p:sp>
+    </p:spTree>
+    <p:extLst>
+      <p:ext uri="{BB962C8B-B14F-4D97-AF65-F5344CB8AC3E}">
+        <p14:creationId xmlns:p14="http://schemas.microsoft.com/office/powerpoint/2010/main" val="2874350952"/>
+      </p:ext>
+    </p:extLst>
+  </p:cSld>
+  <p:clrMapOvr>
+    <a:masterClrMapping/>
+  </p:clrMapOvr>
+</p:sldLayout>
+</file>
+
+<file path=ppt/slideLayouts/slideLayout12.xml><?xml version="1.0" encoding="utf-8"?>
+<p:sldLayout xmlns:a="http://schemas.openxmlformats.org/drawingml/2006/main" xmlns:r="http://schemas.openxmlformats.org/officeDocument/2006/relationships" xmlns:p="http://schemas.openxmlformats.org/presentationml/2006/main" preserve="1">
+  <p:cSld name="Quote with Caption">
+    <p:spTree>
+      <p:nvGrpSpPr>
+        <p:cNvPr id="1" name=""/>
+        <p:cNvGrpSpPr/>
+        <p:nvPr/>
+      </p:nvGrpSpPr>
+      <p:grpSpPr>
+        <a:xfrm>
+          <a:off x="0" y="0"/>
+          <a:ext cx="0" cy="0"/>
+          <a:chOff x="0" y="0"/>
+          <a:chExt cx="0" cy="0"/>
+        </a:xfrm>
+      </p:grpSpPr>
+      <p:sp>
+        <p:nvSpPr>
+          <p:cNvPr id="2" name="Title 1"/>
+          <p:cNvSpPr>
+            <a:spLocks noGrp="1"/>
+          </p:cNvSpPr>
+          <p:nvPr>
+            <p:ph type="title"/>
+          </p:nvPr>
+        </p:nvSpPr>
+        <p:spPr>
+          <a:xfrm>
+            <a:off x="1141411" y="685800"/>
+            <a:ext cx="9144001" cy="2743200"/>
+          </a:xfrm>
+        </p:spPr>
+        <p:txBody>
+          <a:bodyPr anchor="ctr">
+            <a:normAutofit/>
+          </a:bodyPr>
+          <a:lstStyle>
+            <a:lvl1pPr algn="l">
+              <a:defRPr sz="3200" b="0" cap="all">
+                <a:solidFill>
+                  <a:schemeClr val="tx1"/>
+                </a:solidFill>
+              </a:defRPr>
+            </a:lvl1pPr>
+          </a:lstStyle>
+          <a:p>
+            <a:r>
+              <a:rPr lang="en-US"/>
+              <a:t>Click to edit Master title style</a:t>
+            </a:r>
+            <a:endParaRPr lang="en-US" dirty="0"/>
+          </a:p>
+        </p:txBody>
+      </p:sp>
+      <p:sp>
+        <p:nvSpPr>
+          <p:cNvPr id="10" name="Text Placeholder 9"/>
+          <p:cNvSpPr>
+            <a:spLocks noGrp="1"/>
+          </p:cNvSpPr>
+          <p:nvPr>
+            <p:ph type="body" sz="quarter" idx="13"/>
+          </p:nvPr>
+        </p:nvSpPr>
+        <p:spPr>
+          <a:xfrm>
+            <a:off x="1446212" y="3429000"/>
+            <a:ext cx="8534400" cy="381000"/>
+          </a:xfrm>
+        </p:spPr>
+        <p:txBody>
+          <a:bodyPr anchor="ctr"/>
+          <a:lstStyle>
+            <a:lvl1pPr marL="0" indent="0">
+              <a:buFontTx/>
+              <a:buNone/>
+              <a:defRPr/>
+            </a:lvl1pPr>
+            <a:lvl2pPr marL="457200" indent="0">
+              <a:buFontTx/>
+              <a:buNone/>
+              <a:defRPr/>
+            </a:lvl2pPr>
+            <a:lvl3pPr marL="914400" indent="0">
+              <a:buFontTx/>
+              <a:buNone/>
+              <a:defRPr/>
+            </a:lvl3pPr>
+            <a:lvl4pPr marL="1371600" indent="0">
+              <a:buFontTx/>
+              <a:buNone/>
+              <a:defRPr/>
+            </a:lvl4pPr>
+            <a:lvl5pPr marL="1828800" indent="0">
+              <a:buFontTx/>
+              <a:buNone/>
+              <a:defRPr/>
+            </a:lvl5pPr>
+          </a:lstStyle>
+          <a:p>
+            <a:pPr lvl="0"/>
+            <a:r>
+              <a:rPr lang="en-US"/>
+              <a:t>Click to edit Master text styles</a:t>
+            </a:r>
+          </a:p>
+        </p:txBody>
+      </p:sp>
+      <p:sp>
+        <p:nvSpPr>
+          <p:cNvPr id="3" name="Text Placeholder 2"/>
+          <p:cNvSpPr>
+            <a:spLocks noGrp="1"/>
+          </p:cNvSpPr>
+          <p:nvPr>
+            <p:ph type="body" idx="1"/>
+          </p:nvPr>
+        </p:nvSpPr>
+        <p:spPr>
+          <a:xfrm>
+            <a:off x="684213" y="4301067"/>
+            <a:ext cx="8534400" cy="1684865"/>
+          </a:xfrm>
+        </p:spPr>
+        <p:txBody>
+          <a:bodyPr anchor="ctr">
+            <a:normAutofit/>
+          </a:bodyPr>
+          <a:lstStyle>
+            <a:lvl1pPr marL="0" indent="0" algn="l">
+              <a:buNone/>
+              <a:defRPr sz="2000">
+                <a:solidFill>
+                  <a:schemeClr val="bg2">
+                    <a:lumMod val="75000"/>
+                  </a:schemeClr>
+                </a:solidFill>
+              </a:defRPr>
+            </a:lvl1pPr>
+            <a:lvl2pPr marL="457200" indent="0">
+              <a:buNone/>
+              <a:defRPr sz="1800">
+                <a:solidFill>
+                  <a:schemeClr val="tx1">
+                    <a:tint val="75000"/>
+                  </a:schemeClr>
+                </a:solidFill>
+              </a:defRPr>
+            </a:lvl2pPr>
+            <a:lvl3pPr marL="914400" indent="0">
+              <a:buNone/>
+              <a:defRPr sz="1600">
+                <a:solidFill>
+                  <a:schemeClr val="tx1">
+                    <a:tint val="75000"/>
+                  </a:schemeClr>
+                </a:solidFill>
+              </a:defRPr>
+            </a:lvl3pPr>
+            <a:lvl4pPr marL="1371600" indent="0">
+              <a:buNone/>
+              <a:defRPr sz="1400">
+                <a:solidFill>
+                  <a:schemeClr val="tx1">
+                    <a:tint val="75000"/>
+                  </a:schemeClr>
+                </a:solidFill>
+              </a:defRPr>
+            </a:lvl4pPr>
+            <a:lvl5pPr marL="1828800" indent="0">
+              <a:buNone/>
+              <a:defRPr sz="1400">
+                <a:solidFill>
+                  <a:schemeClr val="tx1">
+                    <a:tint val="75000"/>
+                  </a:schemeClr>
+                </a:solidFill>
+              </a:defRPr>
+            </a:lvl5pPr>
+            <a:lvl6pPr marL="2286000" indent="0">
+              <a:buNone/>
+              <a:defRPr sz="1400">
+                <a:solidFill>
+                  <a:schemeClr val="tx1">
+                    <a:tint val="75000"/>
+                  </a:schemeClr>
+                </a:solidFill>
+              </a:defRPr>
+            </a:lvl6pPr>
+            <a:lvl7pPr marL="2743200" indent="0">
+              <a:buNone/>
+              <a:defRPr sz="1400">
+                <a:solidFill>
+                  <a:schemeClr val="tx1">
+                    <a:tint val="75000"/>
+                  </a:schemeClr>
+                </a:solidFill>
+              </a:defRPr>
+            </a:lvl7pPr>
+            <a:lvl8pPr marL="3200400" indent="0">
+              <a:buNone/>
+              <a:defRPr sz="1400">
+                <a:solidFill>
+                  <a:schemeClr val="tx1">
+                    <a:tint val="75000"/>
+                  </a:schemeClr>
+                </a:solidFill>
+              </a:defRPr>
+            </a:lvl8pPr>
+            <a:lvl9pPr marL="3657600" indent="0">
+              <a:buNone/>
+              <a:defRPr sz="1400">
+                <a:solidFill>
+                  <a:schemeClr val="tx1">
+                    <a:tint val="75000"/>
+                  </a:schemeClr>
+                </a:solidFill>
+              </a:defRPr>
+            </a:lvl9pPr>
+          </a:lstStyle>
+          <a:p>
+            <a:pPr lvl="0"/>
+            <a:r>
+              <a:rPr lang="en-US"/>
+              <a:t>Click to edit Master text styles</a:t>
+            </a:r>
+          </a:p>
+        </p:txBody>
+      </p:sp>
+      <p:sp>
+        <p:nvSpPr>
+          <p:cNvPr id="4" name="Date Placeholder 3"/>
+          <p:cNvSpPr>
+            <a:spLocks noGrp="1"/>
+          </p:cNvSpPr>
+          <p:nvPr>
+            <p:ph type="dt" sz="half" idx="10"/>
+          </p:nvPr>
+        </p:nvSpPr>
+        <p:spPr/>
+        <p:txBody>
+          <a:bodyPr/>
+          <a:lstStyle/>
+          <a:p>
+            <a:fld id="{D5631127-A76B-4A35-A5FD-59E27004ABB4}" type="datetimeFigureOut">
+              <a:rPr lang="en-US" smtClean="0"/>
+              <a:t>8/20/2021</a:t>
+            </a:fld>
+            <a:endParaRPr lang="en-US"/>
+          </a:p>
+        </p:txBody>
+      </p:sp>
+      <p:sp>
+        <p:nvSpPr>
+          <p:cNvPr id="5" name="Footer Placeholder 4"/>
+          <p:cNvSpPr>
+            <a:spLocks noGrp="1"/>
+          </p:cNvSpPr>
+          <p:nvPr>
+            <p:ph type="ftr" sz="quarter" idx="11"/>
+          </p:nvPr>
+        </p:nvSpPr>
+        <p:spPr/>
+        <p:txBody>
+          <a:bodyPr/>
+          <a:lstStyle/>
+          <a:p>
+            <a:endParaRPr lang="en-US"/>
+          </a:p>
+        </p:txBody>
+      </p:sp>
+      <p:sp>
+        <p:nvSpPr>
+          <p:cNvPr id="6" name="Slide Number Placeholder 5"/>
+          <p:cNvSpPr>
+            <a:spLocks noGrp="1"/>
+          </p:cNvSpPr>
+          <p:nvPr>
+            <p:ph type="sldNum" sz="quarter" idx="12"/>
+          </p:nvPr>
+        </p:nvSpPr>
+        <p:spPr/>
+        <p:txBody>
+          <a:bodyPr/>
+          <a:lstStyle/>
+          <a:p>
+            <a:fld id="{D415CBC7-8500-4621-9F3E-DEAEBF82B2F5}" type="slidenum">
+              <a:rPr lang="en-US" smtClean="0"/>
+              <a:t>‹#›</a:t>
+            </a:fld>
+            <a:endParaRPr lang="en-US"/>
+          </a:p>
+        </p:txBody>
+      </p:sp>
+      <p:sp>
+        <p:nvSpPr>
+          <p:cNvPr id="14" name="TextBox 13"/>
+          <p:cNvSpPr txBox="1"/>
+          <p:nvPr/>
+        </p:nvSpPr>
+        <p:spPr>
+          <a:xfrm>
+            <a:off x="531812" y="812222"/>
+            <a:ext cx="609600" cy="584776"/>
+          </a:xfrm>
+          <a:prstGeom prst="rect">
+            <a:avLst/>
+          </a:prstGeom>
+        </p:spPr>
+        <p:txBody>
+          <a:bodyPr vert="horz" lIns="91440" tIns="45720" rIns="91440" bIns="45720" rtlCol="0" anchor="ctr">
+            <a:noAutofit/>
+          </a:bodyPr>
+          <a:lstStyle/>
+          <a:p>
+            <a:pPr lvl="0"/>
+            <a:r>
+              <a:rPr lang="en-US" sz="8000" dirty="0">
+                <a:solidFill>
+                  <a:schemeClr val="tx1"/>
+                </a:solidFill>
+                <a:effectLst/>
+              </a:rPr>
+              <a:t>“</a:t>
+            </a:r>
+          </a:p>
+        </p:txBody>
+      </p:sp>
+      <p:sp>
+        <p:nvSpPr>
+          <p:cNvPr id="15" name="TextBox 14"/>
+          <p:cNvSpPr txBox="1"/>
+          <p:nvPr/>
+        </p:nvSpPr>
+        <p:spPr>
+          <a:xfrm>
+            <a:off x="10285412" y="2768601"/>
+            <a:ext cx="609600" cy="584776"/>
+          </a:xfrm>
+          <a:prstGeom prst="rect">
+            <a:avLst/>
+          </a:prstGeom>
+        </p:spPr>
+        <p:txBody>
+          <a:bodyPr vert="horz" lIns="91440" tIns="45720" rIns="91440" bIns="45720" rtlCol="0" anchor="ctr">
+            <a:noAutofit/>
+          </a:bodyPr>
+          <a:lstStyle/>
+          <a:p>
+            <a:pPr lvl="0" algn="r"/>
+            <a:r>
+              <a:rPr lang="en-US" sz="8000" dirty="0">
+                <a:solidFill>
+                  <a:schemeClr val="tx1"/>
+                </a:solidFill>
+                <a:effectLst/>
+              </a:rPr>
+              <a:t>”</a:t>
+            </a:r>
+          </a:p>
+        </p:txBody>
+      </p:sp>
+    </p:spTree>
+    <p:extLst>
+      <p:ext uri="{BB962C8B-B14F-4D97-AF65-F5344CB8AC3E}">
+        <p14:creationId xmlns:p14="http://schemas.microsoft.com/office/powerpoint/2010/main" val="3715184935"/>
+      </p:ext>
+    </p:extLst>
+  </p:cSld>
+  <p:clrMapOvr>
+    <a:masterClrMapping/>
+  </p:clrMapOvr>
+</p:sldLayout>
+</file>
+
+<file path=ppt/slideLayouts/slideLayout13.xml><?xml version="1.0" encoding="utf-8"?>
+<p:sldLayout xmlns:a="http://schemas.openxmlformats.org/drawingml/2006/main" xmlns:r="http://schemas.openxmlformats.org/officeDocument/2006/relationships" xmlns:p="http://schemas.openxmlformats.org/presentationml/2006/main" preserve="1">
+  <p:cSld name="Name Card">
+    <p:spTree>
+      <p:nvGrpSpPr>
+        <p:cNvPr id="1" name=""/>
+        <p:cNvGrpSpPr/>
+        <p:nvPr/>
+      </p:nvGrpSpPr>
+      <p:grpSpPr>
+        <a:xfrm>
+          <a:off x="0" y="0"/>
+          <a:ext cx="0" cy="0"/>
+          <a:chOff x="0" y="0"/>
+          <a:chExt cx="0" cy="0"/>
+        </a:xfrm>
+      </p:grpSpPr>
+      <p:sp>
+        <p:nvSpPr>
+          <p:cNvPr id="2" name="Title 1"/>
+          <p:cNvSpPr>
+            <a:spLocks noGrp="1"/>
+          </p:cNvSpPr>
+          <p:nvPr>
+            <p:ph type="title"/>
+          </p:nvPr>
+        </p:nvSpPr>
+        <p:spPr>
+          <a:xfrm>
+            <a:off x="684212" y="3429000"/>
+            <a:ext cx="8534400" cy="1697400"/>
+          </a:xfrm>
+        </p:spPr>
+        <p:txBody>
+          <a:bodyPr anchor="b">
+            <a:normAutofit/>
+          </a:bodyPr>
+          <a:lstStyle>
+            <a:lvl1pPr algn="l">
+              <a:defRPr sz="3200" b="0" cap="all"/>
+            </a:lvl1pPr>
+          </a:lstStyle>
+          <a:p>
+            <a:r>
+              <a:rPr lang="en-US"/>
+              <a:t>Click to edit Master title style</a:t>
+            </a:r>
+            <a:endParaRPr lang="en-US" dirty="0"/>
+          </a:p>
+        </p:txBody>
+      </p:sp>
+      <p:sp>
+        <p:nvSpPr>
+          <p:cNvPr id="3" name="Text Placeholder 2"/>
+          <p:cNvSpPr>
+            <a:spLocks noGrp="1"/>
+          </p:cNvSpPr>
+          <p:nvPr>
+            <p:ph type="body" idx="1"/>
+          </p:nvPr>
+        </p:nvSpPr>
+        <p:spPr>
+          <a:xfrm>
+            <a:off x="684211" y="5132981"/>
+            <a:ext cx="8535990" cy="860400"/>
+          </a:xfrm>
+        </p:spPr>
+        <p:txBody>
+          <a:bodyPr anchor="t">
+            <a:normAutofit/>
+          </a:bodyPr>
+          <a:lstStyle>
+            <a:lvl1pPr marL="0" indent="0" algn="l">
+              <a:buNone/>
+              <a:defRPr sz="2000">
+                <a:solidFill>
+                  <a:schemeClr val="bg2">
+                    <a:lumMod val="75000"/>
+                  </a:schemeClr>
+                </a:solidFill>
+              </a:defRPr>
+            </a:lvl1pPr>
+            <a:lvl2pPr marL="457200" indent="0">
+              <a:buNone/>
+              <a:defRPr sz="1800">
+                <a:solidFill>
+                  <a:schemeClr val="tx1">
+                    <a:tint val="75000"/>
+                  </a:schemeClr>
+                </a:solidFill>
+              </a:defRPr>
+            </a:lvl2pPr>
+            <a:lvl3pPr marL="914400" indent="0">
+              <a:buNone/>
+              <a:defRPr sz="1600">
+                <a:solidFill>
+                  <a:schemeClr val="tx1">
+                    <a:tint val="75000"/>
+                  </a:schemeClr>
+                </a:solidFill>
+              </a:defRPr>
+            </a:lvl3pPr>
+            <a:lvl4pPr marL="1371600" indent="0">
+              <a:buNone/>
+              <a:defRPr sz="1400">
+                <a:solidFill>
+                  <a:schemeClr val="tx1">
+                    <a:tint val="75000"/>
+                  </a:schemeClr>
+                </a:solidFill>
+              </a:defRPr>
+            </a:lvl4pPr>
+            <a:lvl5pPr marL="1828800" indent="0">
+              <a:buNone/>
+              <a:defRPr sz="1400">
+                <a:solidFill>
+                  <a:schemeClr val="tx1">
+                    <a:tint val="75000"/>
+                  </a:schemeClr>
+                </a:solidFill>
+              </a:defRPr>
+            </a:lvl5pPr>
+            <a:lvl6pPr marL="2286000" indent="0">
+              <a:buNone/>
+              <a:defRPr sz="1400">
+                <a:solidFill>
+                  <a:schemeClr val="tx1">
+                    <a:tint val="75000"/>
+                  </a:schemeClr>
+                </a:solidFill>
+              </a:defRPr>
+            </a:lvl6pPr>
+            <a:lvl7pPr marL="2743200" indent="0">
+              <a:buNone/>
+              <a:defRPr sz="1400">
+                <a:solidFill>
+                  <a:schemeClr val="tx1">
+                    <a:tint val="75000"/>
+                  </a:schemeClr>
+                </a:solidFill>
+              </a:defRPr>
+            </a:lvl7pPr>
+            <a:lvl8pPr marL="3200400" indent="0">
+              <a:buNone/>
+              <a:defRPr sz="1400">
+                <a:solidFill>
+                  <a:schemeClr val="tx1">
+                    <a:tint val="75000"/>
+                  </a:schemeClr>
+                </a:solidFill>
+              </a:defRPr>
+            </a:lvl8pPr>
+            <a:lvl9pPr marL="3657600" indent="0">
+              <a:buNone/>
+              <a:defRPr sz="1400">
+                <a:solidFill>
+                  <a:schemeClr val="tx1">
+                    <a:tint val="75000"/>
+                  </a:schemeClr>
+                </a:solidFill>
+              </a:defRPr>
+            </a:lvl9pPr>
+          </a:lstStyle>
+          <a:p>
+            <a:pPr lvl="0"/>
+            <a:r>
+              <a:rPr lang="en-US"/>
+              <a:t>Click to edit Master text styles</a:t>
+            </a:r>
+          </a:p>
+        </p:txBody>
+      </p:sp>
+      <p:sp>
+        <p:nvSpPr>
+          <p:cNvPr id="4" name="Date Placeholder 3"/>
+          <p:cNvSpPr>
+            <a:spLocks noGrp="1"/>
+          </p:cNvSpPr>
+          <p:nvPr>
+            <p:ph type="dt" sz="half" idx="10"/>
+          </p:nvPr>
+        </p:nvSpPr>
+        <p:spPr/>
+        <p:txBody>
+          <a:bodyPr/>
+          <a:lstStyle/>
+          <a:p>
+            <a:fld id="{D5631127-A76B-4A35-A5FD-59E27004ABB4}" type="datetimeFigureOut">
+              <a:rPr lang="en-US" smtClean="0"/>
+              <a:t>8/20/2021</a:t>
+            </a:fld>
+            <a:endParaRPr lang="en-US"/>
+          </a:p>
+        </p:txBody>
+      </p:sp>
+      <p:sp>
+        <p:nvSpPr>
+          <p:cNvPr id="5" name="Footer Placeholder 4"/>
+          <p:cNvSpPr>
+            <a:spLocks noGrp="1"/>
+          </p:cNvSpPr>
+          <p:nvPr>
+            <p:ph type="ftr" sz="quarter" idx="11"/>
+          </p:nvPr>
+        </p:nvSpPr>
+        <p:spPr/>
+        <p:txBody>
+          <a:bodyPr/>
+          <a:lstStyle/>
+          <a:p>
+            <a:endParaRPr lang="en-US"/>
+          </a:p>
+        </p:txBody>
+      </p:sp>
+      <p:sp>
+        <p:nvSpPr>
+          <p:cNvPr id="6" name="Slide Number Placeholder 5"/>
+          <p:cNvSpPr>
+            <a:spLocks noGrp="1"/>
+          </p:cNvSpPr>
+          <p:nvPr>
+            <p:ph type="sldNum" sz="quarter" idx="12"/>
+          </p:nvPr>
+        </p:nvSpPr>
+        <p:spPr/>
+        <p:txBody>
+          <a:bodyPr/>
+          <a:lstStyle/>
+          <a:p>
+            <a:fld id="{D415CBC7-8500-4621-9F3E-DEAEBF82B2F5}" type="slidenum">
+              <a:rPr lang="en-US" smtClean="0"/>
+              <a:t>‹#›</a:t>
+            </a:fld>
+            <a:endParaRPr lang="en-US"/>
+          </a:p>
+        </p:txBody>
+      </p:sp>
+    </p:spTree>
+    <p:extLst>
+      <p:ext uri="{BB962C8B-B14F-4D97-AF65-F5344CB8AC3E}">
+        <p14:creationId xmlns:p14="http://schemas.microsoft.com/office/powerpoint/2010/main" val="1946190519"/>
+      </p:ext>
+    </p:extLst>
+  </p:cSld>
+  <p:clrMapOvr>
+    <a:masterClrMapping/>
+  </p:clrMapOvr>
+</p:sldLayout>
+</file>
+
+<file path=ppt/slideLayouts/slideLayout14.xml><?xml version="1.0" encoding="utf-8"?>
+<p:sldLayout xmlns:a="http://schemas.openxmlformats.org/drawingml/2006/main" xmlns:r="http://schemas.openxmlformats.org/officeDocument/2006/relationships" xmlns:p="http://schemas.openxmlformats.org/presentationml/2006/main" preserve="1">
+  <p:cSld name="Quote Name Card">
+    <p:spTree>
+      <p:nvGrpSpPr>
+        <p:cNvPr id="1" name=""/>
+        <p:cNvGrpSpPr/>
+        <p:nvPr/>
+      </p:nvGrpSpPr>
+      <p:grpSpPr>
+        <a:xfrm>
+          <a:off x="0" y="0"/>
+          <a:ext cx="0" cy="0"/>
+          <a:chOff x="0" y="0"/>
+          <a:chExt cx="0" cy="0"/>
+        </a:xfrm>
+      </p:grpSpPr>
+      <p:sp>
+        <p:nvSpPr>
+          <p:cNvPr id="2" name="Title 1"/>
+          <p:cNvSpPr>
+            <a:spLocks noGrp="1"/>
+          </p:cNvSpPr>
+          <p:nvPr>
+            <p:ph type="title"/>
+          </p:nvPr>
+        </p:nvSpPr>
+        <p:spPr>
+          <a:xfrm>
+            <a:off x="1141413" y="685800"/>
+            <a:ext cx="9144000" cy="2743200"/>
+          </a:xfrm>
+        </p:spPr>
+        <p:txBody>
+          <a:bodyPr anchor="ctr">
+            <a:normAutofit/>
+          </a:bodyPr>
+          <a:lstStyle>
+            <a:lvl1pPr algn="l">
+              <a:defRPr sz="3200" b="0" cap="all">
+                <a:solidFill>
+                  <a:schemeClr val="tx1"/>
+                </a:solidFill>
+              </a:defRPr>
+            </a:lvl1pPr>
+          </a:lstStyle>
+          <a:p>
+            <a:r>
+              <a:rPr lang="en-US"/>
+              <a:t>Click to edit Master title style</a:t>
+            </a:r>
+            <a:endParaRPr lang="en-US" dirty="0"/>
+          </a:p>
+        </p:txBody>
+      </p:sp>
+      <p:sp>
+        <p:nvSpPr>
+          <p:cNvPr id="10" name="Text Placeholder 9"/>
+          <p:cNvSpPr>
+            <a:spLocks noGrp="1"/>
+          </p:cNvSpPr>
+          <p:nvPr>
+            <p:ph type="body" sz="quarter" idx="13"/>
+          </p:nvPr>
+        </p:nvSpPr>
+        <p:spPr>
+          <a:xfrm>
+            <a:off x="684212" y="3928534"/>
+            <a:ext cx="8534401" cy="1049866"/>
+          </a:xfrm>
+        </p:spPr>
+        <p:txBody>
+          <a:bodyPr vert="horz" lIns="91440" tIns="45720" rIns="91440" bIns="45720" rtlCol="0" anchor="b">
+            <a:normAutofit/>
+          </a:bodyPr>
+          <a:lstStyle>
+            <a:lvl1pPr>
+              <a:buNone/>
+              <a:defRPr lang="en-US" sz="2400" b="0" cap="all" dirty="0">
+                <a:ln w="3175" cmpd="sng">
+                  <a:noFill/>
+                </a:ln>
+                <a:solidFill>
+                  <a:schemeClr val="tx1"/>
+                </a:solidFill>
+                <a:effectLst/>
+              </a:defRPr>
+            </a:lvl1pPr>
+          </a:lstStyle>
+          <a:p>
+            <a:pPr marL="0" lvl="0">
+              <a:spcBef>
+                <a:spcPct val="0"/>
+              </a:spcBef>
+              <a:buNone/>
+            </a:pPr>
+            <a:r>
+              <a:rPr lang="en-US"/>
+              <a:t>Click to edit Master text styles</a:t>
+            </a:r>
+          </a:p>
+        </p:txBody>
+      </p:sp>
+      <p:sp>
+        <p:nvSpPr>
+          <p:cNvPr id="3" name="Text Placeholder 2"/>
+          <p:cNvSpPr>
+            <a:spLocks noGrp="1"/>
+          </p:cNvSpPr>
+          <p:nvPr>
+            <p:ph type="body" idx="1"/>
+          </p:nvPr>
+        </p:nvSpPr>
+        <p:spPr>
+          <a:xfrm>
+            <a:off x="684211" y="4978400"/>
+            <a:ext cx="8534401" cy="1016000"/>
+          </a:xfrm>
+        </p:spPr>
+        <p:txBody>
+          <a:bodyPr anchor="t">
+            <a:normAutofit/>
+          </a:bodyPr>
+          <a:lstStyle>
+            <a:lvl1pPr marL="0" indent="0" algn="l">
+              <a:buNone/>
+              <a:defRPr sz="1800">
+                <a:solidFill>
+                  <a:schemeClr val="bg2">
+                    <a:lumMod val="75000"/>
+                  </a:schemeClr>
+                </a:solidFill>
+              </a:defRPr>
+            </a:lvl1pPr>
+            <a:lvl2pPr marL="457200" indent="0">
+              <a:buNone/>
+              <a:defRPr sz="1800">
+                <a:solidFill>
+                  <a:schemeClr val="tx1">
+                    <a:tint val="75000"/>
+                  </a:schemeClr>
+                </a:solidFill>
+              </a:defRPr>
+            </a:lvl2pPr>
+            <a:lvl3pPr marL="914400" indent="0">
+              <a:buNone/>
+              <a:defRPr sz="1600">
+                <a:solidFill>
+                  <a:schemeClr val="tx1">
+                    <a:tint val="75000"/>
+                  </a:schemeClr>
+                </a:solidFill>
+              </a:defRPr>
+            </a:lvl3pPr>
+            <a:lvl4pPr marL="1371600" indent="0">
+              <a:buNone/>
+              <a:defRPr sz="1400">
+                <a:solidFill>
+                  <a:schemeClr val="tx1">
+                    <a:tint val="75000"/>
+                  </a:schemeClr>
+                </a:solidFill>
+              </a:defRPr>
+            </a:lvl4pPr>
+            <a:lvl5pPr marL="1828800" indent="0">
+              <a:buNone/>
+              <a:defRPr sz="1400">
+                <a:solidFill>
+                  <a:schemeClr val="tx1">
+                    <a:tint val="75000"/>
+                  </a:schemeClr>
+                </a:solidFill>
+              </a:defRPr>
+            </a:lvl5pPr>
+            <a:lvl6pPr marL="2286000" indent="0">
+              <a:buNone/>
+              <a:defRPr sz="1400">
+                <a:solidFill>
+                  <a:schemeClr val="tx1">
+                    <a:tint val="75000"/>
+                  </a:schemeClr>
+                </a:solidFill>
+              </a:defRPr>
+            </a:lvl6pPr>
+            <a:lvl7pPr marL="2743200" indent="0">
+              <a:buNone/>
+              <a:defRPr sz="1400">
+                <a:solidFill>
+                  <a:schemeClr val="tx1">
+                    <a:tint val="75000"/>
+                  </a:schemeClr>
+                </a:solidFill>
+              </a:defRPr>
+            </a:lvl7pPr>
+            <a:lvl8pPr marL="3200400" indent="0">
+              <a:buNone/>
+              <a:defRPr sz="1400">
+                <a:solidFill>
+                  <a:schemeClr val="tx1">
+                    <a:tint val="75000"/>
+                  </a:schemeClr>
+                </a:solidFill>
+              </a:defRPr>
+            </a:lvl8pPr>
+            <a:lvl9pPr marL="3657600" indent="0">
+              <a:buNone/>
+              <a:defRPr sz="1400">
+                <a:solidFill>
+                  <a:schemeClr val="tx1">
+                    <a:tint val="75000"/>
+                  </a:schemeClr>
+                </a:solidFill>
+              </a:defRPr>
+            </a:lvl9pPr>
+          </a:lstStyle>
+          <a:p>
+            <a:pPr lvl="0"/>
+            <a:r>
+              <a:rPr lang="en-US"/>
+              <a:t>Click to edit Master text styles</a:t>
+            </a:r>
+          </a:p>
+        </p:txBody>
+      </p:sp>
+      <p:sp>
+        <p:nvSpPr>
+          <p:cNvPr id="4" name="Date Placeholder 3"/>
+          <p:cNvSpPr>
+            <a:spLocks noGrp="1"/>
+          </p:cNvSpPr>
+          <p:nvPr>
+            <p:ph type="dt" sz="half" idx="10"/>
+          </p:nvPr>
+        </p:nvSpPr>
+        <p:spPr/>
+        <p:txBody>
+          <a:bodyPr/>
+          <a:lstStyle/>
+          <a:p>
+            <a:fld id="{D5631127-A76B-4A35-A5FD-59E27004ABB4}" type="datetimeFigureOut">
+              <a:rPr lang="en-US" smtClean="0"/>
+              <a:t>8/20/2021</a:t>
+            </a:fld>
+            <a:endParaRPr lang="en-US"/>
+          </a:p>
+        </p:txBody>
+      </p:sp>
+      <p:sp>
+        <p:nvSpPr>
+          <p:cNvPr id="5" name="Footer Placeholder 4"/>
+          <p:cNvSpPr>
+            <a:spLocks noGrp="1"/>
+          </p:cNvSpPr>
+          <p:nvPr>
+            <p:ph type="ftr" sz="quarter" idx="11"/>
+          </p:nvPr>
+        </p:nvSpPr>
+        <p:spPr/>
+        <p:txBody>
+          <a:bodyPr/>
+          <a:lstStyle/>
+          <a:p>
+            <a:endParaRPr lang="en-US"/>
+          </a:p>
+        </p:txBody>
+      </p:sp>
+      <p:sp>
+        <p:nvSpPr>
+          <p:cNvPr id="6" name="Slide Number Placeholder 5"/>
+          <p:cNvSpPr>
+            <a:spLocks noGrp="1"/>
+          </p:cNvSpPr>
+          <p:nvPr>
+            <p:ph type="sldNum" sz="quarter" idx="12"/>
+          </p:nvPr>
+        </p:nvSpPr>
+        <p:spPr/>
+        <p:txBody>
+          <a:bodyPr/>
+          <a:lstStyle/>
+          <a:p>
+            <a:fld id="{D415CBC7-8500-4621-9F3E-DEAEBF82B2F5}" type="slidenum">
+              <a:rPr lang="en-US" smtClean="0"/>
+              <a:t>‹#›</a:t>
+            </a:fld>
+            <a:endParaRPr lang="en-US"/>
+          </a:p>
+        </p:txBody>
+      </p:sp>
+      <p:sp>
+        <p:nvSpPr>
+          <p:cNvPr id="11" name="TextBox 10"/>
+          <p:cNvSpPr txBox="1"/>
+          <p:nvPr/>
+        </p:nvSpPr>
+        <p:spPr>
+          <a:xfrm>
+            <a:off x="531812" y="812222"/>
+            <a:ext cx="609600" cy="584776"/>
+          </a:xfrm>
+          <a:prstGeom prst="rect">
+            <a:avLst/>
+          </a:prstGeom>
+        </p:spPr>
+        <p:txBody>
+          <a:bodyPr vert="horz" lIns="91440" tIns="45720" rIns="91440" bIns="45720" rtlCol="0" anchor="ctr">
+            <a:noAutofit/>
+          </a:bodyPr>
+          <a:lstStyle/>
+          <a:p>
+            <a:pPr lvl="0"/>
+            <a:r>
+              <a:rPr lang="en-US" sz="8000" dirty="0">
+                <a:solidFill>
+                  <a:schemeClr val="tx1"/>
+                </a:solidFill>
+                <a:effectLst/>
+              </a:rPr>
+              <a:t>“</a:t>
+            </a:r>
+          </a:p>
+        </p:txBody>
+      </p:sp>
+      <p:sp>
+        <p:nvSpPr>
+          <p:cNvPr id="12" name="TextBox 11"/>
+          <p:cNvSpPr txBox="1"/>
+          <p:nvPr/>
+        </p:nvSpPr>
+        <p:spPr>
+          <a:xfrm>
+            <a:off x="10285412" y="2768601"/>
+            <a:ext cx="609600" cy="584776"/>
+          </a:xfrm>
+          <a:prstGeom prst="rect">
+            <a:avLst/>
+          </a:prstGeom>
+        </p:spPr>
+        <p:txBody>
+          <a:bodyPr vert="horz" lIns="91440" tIns="45720" rIns="91440" bIns="45720" rtlCol="0" anchor="ctr">
+            <a:noAutofit/>
+          </a:bodyPr>
+          <a:lstStyle/>
+          <a:p>
+            <a:pPr lvl="0" algn="r"/>
+            <a:r>
+              <a:rPr lang="en-US" sz="8000" dirty="0">
+                <a:solidFill>
+                  <a:schemeClr val="tx1"/>
+                </a:solidFill>
+                <a:effectLst/>
+              </a:rPr>
+              <a:t>”</a:t>
+            </a:r>
+          </a:p>
+        </p:txBody>
+      </p:sp>
+    </p:spTree>
+    <p:extLst>
+      <p:ext uri="{BB962C8B-B14F-4D97-AF65-F5344CB8AC3E}">
+        <p14:creationId xmlns:p14="http://schemas.microsoft.com/office/powerpoint/2010/main" val="3185571940"/>
+      </p:ext>
+    </p:extLst>
+  </p:cSld>
+  <p:clrMapOvr>
+    <a:masterClrMapping/>
+  </p:clrMapOvr>
+</p:sldLayout>
+</file>
+
+<file path=ppt/slideLayouts/slideLayout15.xml><?xml version="1.0" encoding="utf-8"?>
+<p:sldLayout xmlns:a="http://schemas.openxmlformats.org/drawingml/2006/main" xmlns:r="http://schemas.openxmlformats.org/officeDocument/2006/relationships" xmlns:p="http://schemas.openxmlformats.org/presentationml/2006/main" preserve="1">
+  <p:cSld name="True or False">
+    <p:spTree>
+      <p:nvGrpSpPr>
+        <p:cNvPr id="1" name=""/>
+        <p:cNvGrpSpPr/>
+        <p:nvPr/>
+      </p:nvGrpSpPr>
+      <p:grpSpPr>
+        <a:xfrm>
+          <a:off x="0" y="0"/>
+          <a:ext cx="0" cy="0"/>
+          <a:chOff x="0" y="0"/>
+          <a:chExt cx="0" cy="0"/>
+        </a:xfrm>
+      </p:grpSpPr>
+      <p:sp>
+        <p:nvSpPr>
+          <p:cNvPr id="2" name="Title 1"/>
+          <p:cNvSpPr>
+            <a:spLocks noGrp="1"/>
+          </p:cNvSpPr>
+          <p:nvPr>
+            <p:ph type="title"/>
+          </p:nvPr>
+        </p:nvSpPr>
+        <p:spPr>
+          <a:xfrm>
+            <a:off x="684213" y="685800"/>
+            <a:ext cx="10058400" cy="2743200"/>
+          </a:xfrm>
+        </p:spPr>
+        <p:txBody>
+          <a:bodyPr vert="horz" lIns="91440" tIns="45720" rIns="91440" bIns="45720" rtlCol="0" anchor="ctr">
+            <a:normAutofit/>
+          </a:bodyPr>
+          <a:lstStyle>
+            <a:lvl1pPr>
+              <a:defRPr lang="en-US" b="0" dirty="0"/>
+            </a:lvl1pPr>
+          </a:lstStyle>
+          <a:p>
+            <a:pPr marL="0" lvl="0"/>
+            <a:r>
+              <a:rPr lang="en-US"/>
+              <a:t>Click to edit Master title style</a:t>
+            </a:r>
+            <a:endParaRPr lang="en-US" dirty="0"/>
+          </a:p>
+        </p:txBody>
+      </p:sp>
+      <p:sp>
+        <p:nvSpPr>
+          <p:cNvPr id="10" name="Text Placeholder 9"/>
+          <p:cNvSpPr>
+            <a:spLocks noGrp="1"/>
+          </p:cNvSpPr>
+          <p:nvPr>
+            <p:ph type="body" sz="quarter" idx="13"/>
+          </p:nvPr>
+        </p:nvSpPr>
+        <p:spPr>
+          <a:xfrm>
+            <a:off x="684212" y="3928534"/>
+            <a:ext cx="8534400" cy="838200"/>
+          </a:xfrm>
+        </p:spPr>
+        <p:txBody>
+          <a:bodyPr vert="horz" lIns="91440" tIns="45720" rIns="91440" bIns="45720" rtlCol="0" anchor="b">
+            <a:normAutofit/>
+          </a:bodyPr>
+          <a:lstStyle>
+            <a:lvl1pPr>
+              <a:buNone/>
+              <a:defRPr lang="en-US" sz="2400" b="0" cap="all" dirty="0">
+                <a:ln w="3175" cmpd="sng">
+                  <a:noFill/>
+                </a:ln>
+                <a:solidFill>
+                  <a:schemeClr val="tx1"/>
+                </a:solidFill>
+                <a:effectLst/>
+              </a:defRPr>
+            </a:lvl1pPr>
+          </a:lstStyle>
+          <a:p>
+            <a:pPr marL="0" lvl="0">
+              <a:spcBef>
+                <a:spcPct val="0"/>
+              </a:spcBef>
+              <a:buNone/>
+            </a:pPr>
+            <a:r>
+              <a:rPr lang="en-US"/>
+              <a:t>Click to edit Master text styles</a:t>
+            </a:r>
+          </a:p>
+        </p:txBody>
+      </p:sp>
+      <p:sp>
+        <p:nvSpPr>
+          <p:cNvPr id="3" name="Text Placeholder 2"/>
+          <p:cNvSpPr>
+            <a:spLocks noGrp="1"/>
+          </p:cNvSpPr>
+          <p:nvPr>
+            <p:ph type="body" idx="1"/>
+          </p:nvPr>
+        </p:nvSpPr>
+        <p:spPr>
+          <a:xfrm>
+            <a:off x="684211" y="4766732"/>
+            <a:ext cx="8534401" cy="1227667"/>
+          </a:xfrm>
+        </p:spPr>
+        <p:txBody>
+          <a:bodyPr anchor="t">
+            <a:normAutofit/>
+          </a:bodyPr>
+          <a:lstStyle>
+            <a:lvl1pPr marL="0" indent="0" algn="l">
+              <a:buNone/>
+              <a:defRPr sz="1800">
+                <a:solidFill>
+                  <a:schemeClr val="bg2">
+                    <a:lumMod val="75000"/>
+                  </a:schemeClr>
+                </a:solidFill>
+              </a:defRPr>
+            </a:lvl1pPr>
+            <a:lvl2pPr marL="457200" indent="0">
+              <a:buNone/>
+              <a:defRPr sz="1800">
+                <a:solidFill>
+                  <a:schemeClr val="tx1">
+                    <a:tint val="75000"/>
+                  </a:schemeClr>
+                </a:solidFill>
+              </a:defRPr>
+            </a:lvl2pPr>
+            <a:lvl3pPr marL="914400" indent="0">
+              <a:buNone/>
+              <a:defRPr sz="1600">
+                <a:solidFill>
+                  <a:schemeClr val="tx1">
+                    <a:tint val="75000"/>
+                  </a:schemeClr>
+                </a:solidFill>
+              </a:defRPr>
+            </a:lvl3pPr>
+            <a:lvl4pPr marL="1371600" indent="0">
+              <a:buNone/>
+              <a:defRPr sz="1400">
+                <a:solidFill>
+                  <a:schemeClr val="tx1">
+                    <a:tint val="75000"/>
+                  </a:schemeClr>
+                </a:solidFill>
+              </a:defRPr>
+            </a:lvl4pPr>
+            <a:lvl5pPr marL="1828800" indent="0">
+              <a:buNone/>
+              <a:defRPr sz="1400">
+                <a:solidFill>
+                  <a:schemeClr val="tx1">
+                    <a:tint val="75000"/>
+                  </a:schemeClr>
+                </a:solidFill>
+              </a:defRPr>
+            </a:lvl5pPr>
+            <a:lvl6pPr marL="2286000" indent="0">
+              <a:buNone/>
+              <a:defRPr sz="1400">
+                <a:solidFill>
+                  <a:schemeClr val="tx1">
+                    <a:tint val="75000"/>
+                  </a:schemeClr>
+                </a:solidFill>
+              </a:defRPr>
+            </a:lvl6pPr>
+            <a:lvl7pPr marL="2743200" indent="0">
+              <a:buNone/>
+              <a:defRPr sz="1400">
+                <a:solidFill>
+                  <a:schemeClr val="tx1">
+                    <a:tint val="75000"/>
+                  </a:schemeClr>
+                </a:solidFill>
+              </a:defRPr>
+            </a:lvl7pPr>
+            <a:lvl8pPr marL="3200400" indent="0">
+              <a:buNone/>
+              <a:defRPr sz="1400">
+                <a:solidFill>
+                  <a:schemeClr val="tx1">
+                    <a:tint val="75000"/>
+                  </a:schemeClr>
+                </a:solidFill>
+              </a:defRPr>
+            </a:lvl8pPr>
+            <a:lvl9pPr marL="3657600" indent="0">
+              <a:buNone/>
+              <a:defRPr sz="1400">
+                <a:solidFill>
+                  <a:schemeClr val="tx1">
+                    <a:tint val="75000"/>
+                  </a:schemeClr>
+                </a:solidFill>
+              </a:defRPr>
+            </a:lvl9pPr>
+          </a:lstStyle>
+          <a:p>
+            <a:pPr lvl="0"/>
+            <a:r>
+              <a:rPr lang="en-US"/>
+              <a:t>Click to edit Master text styles</a:t>
+            </a:r>
+          </a:p>
+        </p:txBody>
+      </p:sp>
+      <p:sp>
+        <p:nvSpPr>
+          <p:cNvPr id="4" name="Date Placeholder 3"/>
+          <p:cNvSpPr>
+            <a:spLocks noGrp="1"/>
+          </p:cNvSpPr>
+          <p:nvPr>
+            <p:ph type="dt" sz="half" idx="10"/>
+          </p:nvPr>
+        </p:nvSpPr>
+        <p:spPr/>
+        <p:txBody>
+          <a:bodyPr/>
+          <a:lstStyle/>
+          <a:p>
+            <a:fld id="{D5631127-A76B-4A35-A5FD-59E27004ABB4}" type="datetimeFigureOut">
+              <a:rPr lang="en-US" smtClean="0"/>
+              <a:t>8/20/2021</a:t>
+            </a:fld>
+            <a:endParaRPr lang="en-US"/>
+          </a:p>
+        </p:txBody>
+      </p:sp>
+      <p:sp>
+        <p:nvSpPr>
+          <p:cNvPr id="5" name="Footer Placeholder 4"/>
+          <p:cNvSpPr>
+            <a:spLocks noGrp="1"/>
+          </p:cNvSpPr>
+          <p:nvPr>
+            <p:ph type="ftr" sz="quarter" idx="11"/>
+          </p:nvPr>
+        </p:nvSpPr>
+        <p:spPr/>
+        <p:txBody>
+          <a:bodyPr/>
+          <a:lstStyle/>
+          <a:p>
+            <a:endParaRPr lang="en-US"/>
+          </a:p>
+        </p:txBody>
+      </p:sp>
+      <p:sp>
+        <p:nvSpPr>
+          <p:cNvPr id="6" name="Slide Number Placeholder 5"/>
+          <p:cNvSpPr>
+            <a:spLocks noGrp="1"/>
+          </p:cNvSpPr>
+          <p:nvPr>
+            <p:ph type="sldNum" sz="quarter" idx="12"/>
+          </p:nvPr>
+        </p:nvSpPr>
+        <p:spPr/>
+        <p:txBody>
+          <a:bodyPr/>
+          <a:lstStyle/>
+          <a:p>
+            <a:fld id="{D415CBC7-8500-4621-9F3E-DEAEBF82B2F5}" type="slidenum">
+              <a:rPr lang="en-US" smtClean="0"/>
+              <a:t>‹#›</a:t>
+            </a:fld>
+            <a:endParaRPr lang="en-US"/>
+          </a:p>
+        </p:txBody>
+      </p:sp>
+    </p:spTree>
+    <p:extLst>
+      <p:ext uri="{BB962C8B-B14F-4D97-AF65-F5344CB8AC3E}">
+        <p14:creationId xmlns:p14="http://schemas.microsoft.com/office/powerpoint/2010/main" val="419154296"/>
+      </p:ext>
+    </p:extLst>
+  </p:cSld>
+  <p:clrMapOvr>
+    <a:masterClrMapping/>
+  </p:clrMapOvr>
+</p:sldLayout>
+</file>
+
+<file path=ppt/slideLayouts/slideLayout16.xml><?xml version="1.0" encoding="utf-8"?>
 <p:sldLayout xmlns:a="http://schemas.openxmlformats.org/drawingml/2006/main" xmlns:r="http://schemas.openxmlformats.org/officeDocument/2006/relationships" xmlns:p="http://schemas.openxmlformats.org/presentationml/2006/main" type="vertTx" preserve="1">
   <p:cSld name="Title and Vertical Text">
     <p:spTree>
@@ -363,18 +2381,91 @@
       </p:grpSpPr>
       <p:sp>
         <p:nvSpPr>
-          <p:cNvPr id="2" name="Title 1">
-            <a:extLst>
-              <a:ext uri="{FF2B5EF4-FFF2-40B4-BE49-F238E27FC236}">
-                <a16:creationId xmlns:a16="http://schemas.microsoft.com/office/drawing/2014/main" id="{5888DBB1-337C-45EF-84ED-FECC9ADFFCB2}"/>
-              </a:ext>
-            </a:extLst>
-          </p:cNvPr>
+          <p:cNvPr id="2" name="Title 1"/>
           <p:cNvSpPr>
             <a:spLocks noGrp="1"/>
           </p:cNvSpPr>
           <p:nvPr>
             <p:ph type="title"/>
+          </p:nvPr>
+        </p:nvSpPr>
+        <p:spPr/>
+        <p:txBody>
+          <a:bodyPr/>
+          <a:lstStyle>
+            <a:lvl1pPr algn="l">
+              <a:defRPr/>
+            </a:lvl1pPr>
+          </a:lstStyle>
+          <a:p>
+            <a:r>
+              <a:rPr lang="en-US"/>
+              <a:t>Click to edit Master title style</a:t>
+            </a:r>
+            <a:endParaRPr lang="en-US" dirty="0"/>
+          </a:p>
+        </p:txBody>
+      </p:sp>
+      <p:sp>
+        <p:nvSpPr>
+          <p:cNvPr id="3" name="Vertical Text Placeholder 2"/>
+          <p:cNvSpPr>
+            <a:spLocks noGrp="1"/>
+          </p:cNvSpPr>
+          <p:nvPr>
+            <p:ph type="body" orient="vert" idx="1"/>
+          </p:nvPr>
+        </p:nvSpPr>
+        <p:spPr/>
+        <p:txBody>
+          <a:bodyPr vert="eaVert" anchor="t"/>
+          <a:lstStyle/>
+          <a:p>
+            <a:pPr lvl="0"/>
+            <a:r>
+              <a:rPr lang="en-US"/>
+              <a:t>Click to edit Master text styles</a:t>
+            </a:r>
+          </a:p>
+          <a:p>
+            <a:pPr lvl="1"/>
+            <a:r>
+              <a:rPr lang="en-US"/>
+              <a:t>Second level</a:t>
+            </a:r>
+          </a:p>
+          <a:p>
+            <a:pPr lvl="2"/>
+            <a:r>
+              <a:rPr lang="en-US"/>
+              <a:t>Third level</a:t>
+            </a:r>
+          </a:p>
+          <a:p>
+            <a:pPr lvl="3"/>
+            <a:r>
+              <a:rPr lang="en-US"/>
+              <a:t>Fourth level</a:t>
+            </a:r>
+          </a:p>
+          <a:p>
+            <a:pPr lvl="4"/>
+            <a:r>
+              <a:rPr lang="en-US"/>
+              <a:t>Fifth level</a:t>
+            </a:r>
+            <a:endParaRPr lang="en-US" dirty="0"/>
+          </a:p>
+        </p:txBody>
+      </p:sp>
+      <p:sp>
+        <p:nvSpPr>
+          <p:cNvPr id="4" name="Date Placeholder 3"/>
+          <p:cNvSpPr>
+            <a:spLocks noGrp="1"/>
+          </p:cNvSpPr>
+          <p:nvPr>
+            <p:ph type="dt" sz="half" idx="10"/>
           </p:nvPr>
         </p:nvSpPr>
         <p:spPr/>
@@ -382,84 +2473,22 @@
           <a:bodyPr/>
           <a:lstStyle/>
           <a:p>
-            <a:r>
-              <a:rPr lang="en-US"/>
-              <a:t>Click to edit Master title style</a:t>
-            </a:r>
-          </a:p>
-        </p:txBody>
-      </p:sp>
-      <p:sp>
-        <p:nvSpPr>
-          <p:cNvPr id="3" name="Vertical Text Placeholder 2">
-            <a:extLst>
-              <a:ext uri="{FF2B5EF4-FFF2-40B4-BE49-F238E27FC236}">
-                <a16:creationId xmlns:a16="http://schemas.microsoft.com/office/drawing/2014/main" id="{F6FA9359-7B00-4C06-9AF5-B5E4EA98A3F1}"/>
-              </a:ext>
-            </a:extLst>
-          </p:cNvPr>
-          <p:cNvSpPr>
-            <a:spLocks noGrp="1"/>
-          </p:cNvSpPr>
-          <p:nvPr>
-            <p:ph type="body" orient="vert" idx="1"/>
-          </p:nvPr>
-        </p:nvSpPr>
-        <p:spPr/>
-        <p:txBody>
-          <a:bodyPr vert="eaVert"/>
-          <a:lstStyle/>
-          <a:p>
-            <a:pPr lvl="0"/>
-            <a:r>
-              <a:rPr lang="en-US"/>
-              <a:t>Click to edit Master text styles</a:t>
-            </a:r>
-          </a:p>
-          <a:p>
-            <a:pPr lvl="1"/>
-            <a:r>
-              <a:rPr lang="en-US"/>
-              <a:t>Second level</a:t>
-            </a:r>
-          </a:p>
-          <a:p>
-            <a:pPr lvl="2"/>
-            <a:r>
-              <a:rPr lang="en-US"/>
-              <a:t>Third level</a:t>
-            </a:r>
-          </a:p>
-          <a:p>
-            <a:pPr lvl="3"/>
-            <a:r>
-              <a:rPr lang="en-US"/>
-              <a:t>Fourth level</a:t>
-            </a:r>
-          </a:p>
-          <a:p>
-            <a:pPr lvl="4"/>
-            <a:r>
-              <a:rPr lang="en-US"/>
-              <a:t>Fifth level</a:t>
-            </a:r>
-          </a:p>
-        </p:txBody>
-      </p:sp>
-      <p:sp>
-        <p:nvSpPr>
-          <p:cNvPr id="4" name="Date Placeholder 3">
-            <a:extLst>
-              <a:ext uri="{FF2B5EF4-FFF2-40B4-BE49-F238E27FC236}">
-                <a16:creationId xmlns:a16="http://schemas.microsoft.com/office/drawing/2014/main" id="{70DB7C29-3A77-4BDB-A245-CEEE2506787F}"/>
-              </a:ext>
-            </a:extLst>
-          </p:cNvPr>
-          <p:cNvSpPr>
-            <a:spLocks noGrp="1"/>
-          </p:cNvSpPr>
-          <p:nvPr>
-            <p:ph type="dt" sz="half" idx="10"/>
+            <a:fld id="{D5631127-A76B-4A35-A5FD-59E27004ABB4}" type="datetimeFigureOut">
+              <a:rPr lang="en-US" smtClean="0"/>
+              <a:t>8/20/2021</a:t>
+            </a:fld>
+            <a:endParaRPr lang="en-US"/>
+          </a:p>
+        </p:txBody>
+      </p:sp>
+      <p:sp>
+        <p:nvSpPr>
+          <p:cNvPr id="5" name="Footer Placeholder 4"/>
+          <p:cNvSpPr>
+            <a:spLocks noGrp="1"/>
+          </p:cNvSpPr>
+          <p:nvPr>
+            <p:ph type="ftr" sz="quarter" idx="11"/>
           </p:nvPr>
         </p:nvSpPr>
         <p:spPr/>
@@ -467,48 +2496,13 @@
           <a:bodyPr/>
           <a:lstStyle/>
           <a:p>
-            <a:fld id="{D5631127-A76B-4A35-A5FD-59E27004ABB4}" type="datetimeFigureOut">
-              <a:rPr lang="en-US" smtClean="0"/>
-              <a:t>8/16/2021</a:t>
-            </a:fld>
             <a:endParaRPr lang="en-US"/>
           </a:p>
         </p:txBody>
       </p:sp>
       <p:sp>
         <p:nvSpPr>
-          <p:cNvPr id="5" name="Footer Placeholder 4">
-            <a:extLst>
-              <a:ext uri="{FF2B5EF4-FFF2-40B4-BE49-F238E27FC236}">
-                <a16:creationId xmlns:a16="http://schemas.microsoft.com/office/drawing/2014/main" id="{67C34A6B-3FB9-444B-8482-F5D6D1E59BD8}"/>
-              </a:ext>
-            </a:extLst>
-          </p:cNvPr>
-          <p:cNvSpPr>
-            <a:spLocks noGrp="1"/>
-          </p:cNvSpPr>
-          <p:nvPr>
-            <p:ph type="ftr" sz="quarter" idx="11"/>
-          </p:nvPr>
-        </p:nvSpPr>
-        <p:spPr/>
-        <p:txBody>
-          <a:bodyPr/>
-          <a:lstStyle/>
-          <a:p>
-            <a:endParaRPr lang="en-US"/>
-          </a:p>
-        </p:txBody>
-      </p:sp>
-      <p:sp>
-        <p:nvSpPr>
-          <p:cNvPr id="6" name="Slide Number Placeholder 5">
-            <a:extLst>
-              <a:ext uri="{FF2B5EF4-FFF2-40B4-BE49-F238E27FC236}">
-                <a16:creationId xmlns:a16="http://schemas.microsoft.com/office/drawing/2014/main" id="{C0C78A7E-478C-4CFF-B506-69657B9E930D}"/>
-              </a:ext>
-            </a:extLst>
-          </p:cNvPr>
+          <p:cNvPr id="6" name="Slide Number Placeholder 5"/>
           <p:cNvSpPr>
             <a:spLocks noGrp="1"/>
           </p:cNvSpPr>
@@ -532,7 +2526,7 @@
     </p:spTree>
     <p:extLst>
       <p:ext uri="{BB962C8B-B14F-4D97-AF65-F5344CB8AC3E}">
-        <p14:creationId xmlns:p14="http://schemas.microsoft.com/office/powerpoint/2010/main" val="2852794881"/>
+        <p14:creationId xmlns:p14="http://schemas.microsoft.com/office/powerpoint/2010/main" val="2453170119"/>
       </p:ext>
     </p:extLst>
   </p:cSld>
@@ -542,7 +2536,7 @@
 </p:sldLayout>
 </file>
 
-<file path=ppt/slideLayouts/slideLayout11.xml><?xml version="1.0" encoding="utf-8"?>
+<file path=ppt/slideLayouts/slideLayout17.xml><?xml version="1.0" encoding="utf-8"?>
 <p:sldLayout xmlns:a="http://schemas.openxmlformats.org/drawingml/2006/main" xmlns:r="http://schemas.openxmlformats.org/officeDocument/2006/relationships" xmlns:p="http://schemas.openxmlformats.org/presentationml/2006/main" type="vertTitleAndTx" preserve="1">
   <p:cSld name="Vertical Title and Text">
     <p:spTree>
@@ -561,13 +2555,7 @@
       </p:grpSpPr>
       <p:sp>
         <p:nvSpPr>
-          <p:cNvPr id="2" name="Vertical Title 1">
-            <a:extLst>
-              <a:ext uri="{FF2B5EF4-FFF2-40B4-BE49-F238E27FC236}">
-                <a16:creationId xmlns:a16="http://schemas.microsoft.com/office/drawing/2014/main" id="{ED9C7C86-B09E-499D-97F0-093396467CB6}"/>
-              </a:ext>
-            </a:extLst>
-          </p:cNvPr>
+          <p:cNvPr id="2" name="Vertical Title 1"/>
           <p:cNvSpPr>
             <a:spLocks noGrp="1"/>
           </p:cNvSpPr>
@@ -577,8 +2565,8 @@
         </p:nvSpPr>
         <p:spPr>
           <a:xfrm>
-            <a:off x="8724900" y="365125"/>
-            <a:ext cx="2628900" cy="5811838"/>
+            <a:off x="8685212" y="685800"/>
+            <a:ext cx="2057400" cy="4572000"/>
           </a:xfrm>
         </p:spPr>
         <p:txBody>
@@ -589,18 +2577,13 @@
               <a:rPr lang="en-US"/>
               <a:t>Click to edit Master title style</a:t>
             </a:r>
-          </a:p>
-        </p:txBody>
-      </p:sp>
-      <p:sp>
-        <p:nvSpPr>
-          <p:cNvPr id="3" name="Vertical Text Placeholder 2">
-            <a:extLst>
-              <a:ext uri="{FF2B5EF4-FFF2-40B4-BE49-F238E27FC236}">
-                <a16:creationId xmlns:a16="http://schemas.microsoft.com/office/drawing/2014/main" id="{9128A46D-2394-480D-97B0-E3B77924FA98}"/>
-              </a:ext>
-            </a:extLst>
-          </p:cNvPr>
+            <a:endParaRPr lang="en-US" dirty="0"/>
+          </a:p>
+        </p:txBody>
+      </p:sp>
+      <p:sp>
+        <p:nvSpPr>
+          <p:cNvPr id="3" name="Vertical Text Placeholder 2"/>
           <p:cNvSpPr>
             <a:spLocks noGrp="1"/>
           </p:cNvSpPr>
@@ -610,12 +2593,12 @@
         </p:nvSpPr>
         <p:spPr>
           <a:xfrm>
-            <a:off x="838200" y="365125"/>
-            <a:ext cx="7734300" cy="5811838"/>
-          </a:xfrm>
-        </p:spPr>
-        <p:txBody>
-          <a:bodyPr vert="eaVert"/>
+            <a:off x="685800" y="685800"/>
+            <a:ext cx="7823200" cy="5308600"/>
+          </a:xfrm>
+        </p:spPr>
+        <p:txBody>
+          <a:bodyPr vert="eaVert" anchor="t"/>
           <a:lstStyle/>
           <a:p>
             <a:pPr lvl="0"/>
@@ -651,18 +2634,13 @@
               <a:rPr lang="en-US"/>
               <a:t>Fifth level</a:t>
             </a:r>
-          </a:p>
-        </p:txBody>
-      </p:sp>
-      <p:sp>
-        <p:nvSpPr>
-          <p:cNvPr id="4" name="Date Placeholder 3">
-            <a:extLst>
-              <a:ext uri="{FF2B5EF4-FFF2-40B4-BE49-F238E27FC236}">
-                <a16:creationId xmlns:a16="http://schemas.microsoft.com/office/drawing/2014/main" id="{DD7DAACE-E2C5-40EF-B541-5D2823A0D777}"/>
-              </a:ext>
-            </a:extLst>
-          </p:cNvPr>
+            <a:endParaRPr lang="en-US" dirty="0"/>
+          </a:p>
+        </p:txBody>
+      </p:sp>
+      <p:sp>
+        <p:nvSpPr>
+          <p:cNvPr id="4" name="Date Placeholder 3"/>
           <p:cNvSpPr>
             <a:spLocks noGrp="1"/>
           </p:cNvSpPr>
@@ -677,7 +2655,7 @@
           <a:p>
             <a:fld id="{D5631127-A76B-4A35-A5FD-59E27004ABB4}" type="datetimeFigureOut">
               <a:rPr lang="en-US" smtClean="0"/>
-              <a:t>8/16/2021</a:t>
+              <a:t>8/20/2021</a:t>
             </a:fld>
             <a:endParaRPr lang="en-US"/>
           </a:p>
@@ -685,13 +2663,7 @@
       </p:sp>
       <p:sp>
         <p:nvSpPr>
-          <p:cNvPr id="5" name="Footer Placeholder 4">
-            <a:extLst>
-              <a:ext uri="{FF2B5EF4-FFF2-40B4-BE49-F238E27FC236}">
-                <a16:creationId xmlns:a16="http://schemas.microsoft.com/office/drawing/2014/main" id="{EC9919AF-5A73-4246-B179-4EE82345A514}"/>
-              </a:ext>
-            </a:extLst>
-          </p:cNvPr>
+          <p:cNvPr id="5" name="Footer Placeholder 4"/>
           <p:cNvSpPr>
             <a:spLocks noGrp="1"/>
           </p:cNvSpPr>
@@ -710,13 +2682,7 @@
       </p:sp>
       <p:sp>
         <p:nvSpPr>
-          <p:cNvPr id="6" name="Slide Number Placeholder 5">
-            <a:extLst>
-              <a:ext uri="{FF2B5EF4-FFF2-40B4-BE49-F238E27FC236}">
-                <a16:creationId xmlns:a16="http://schemas.microsoft.com/office/drawing/2014/main" id="{573453EB-1F60-4EB7-ABC0-5F2AE9EAD495}"/>
-              </a:ext>
-            </a:extLst>
-          </p:cNvPr>
+          <p:cNvPr id="6" name="Slide Number Placeholder 5"/>
           <p:cNvSpPr>
             <a:spLocks noGrp="1"/>
           </p:cNvSpPr>
@@ -740,7 +2706,7 @@
     </p:spTree>
     <p:extLst>
       <p:ext uri="{BB962C8B-B14F-4D97-AF65-F5344CB8AC3E}">
-        <p14:creationId xmlns:p14="http://schemas.microsoft.com/office/powerpoint/2010/main" val="3087171201"/>
+        <p14:creationId xmlns:p14="http://schemas.microsoft.com/office/powerpoint/2010/main" val="2652146256"/>
       </p:ext>
     </p:extLst>
   </p:cSld>
@@ -769,13 +2735,7 @@
       </p:grpSpPr>
       <p:sp>
         <p:nvSpPr>
-          <p:cNvPr id="2" name="Title 1">
-            <a:extLst>
-              <a:ext uri="{FF2B5EF4-FFF2-40B4-BE49-F238E27FC236}">
-                <a16:creationId xmlns:a16="http://schemas.microsoft.com/office/drawing/2014/main" id="{A16C20E3-97D1-49FD-B643-14E9D859059F}"/>
-              </a:ext>
-            </a:extLst>
-          </p:cNvPr>
+          <p:cNvPr id="2" name="Title 1"/>
           <p:cNvSpPr>
             <a:spLocks noGrp="1"/>
           </p:cNvSpPr>
@@ -792,23 +2752,70 @@
               <a:rPr lang="en-US"/>
               <a:t>Click to edit Master title style</a:t>
             </a:r>
-          </a:p>
-        </p:txBody>
-      </p:sp>
-      <p:sp>
-        <p:nvSpPr>
-          <p:cNvPr id="3" name="Content Placeholder 2">
-            <a:extLst>
-              <a:ext uri="{FF2B5EF4-FFF2-40B4-BE49-F238E27FC236}">
-                <a16:creationId xmlns:a16="http://schemas.microsoft.com/office/drawing/2014/main" id="{E8B3E579-64CE-4E0D-8D02-5527050181FE}"/>
-              </a:ext>
-            </a:extLst>
-          </p:cNvPr>
+            <a:endParaRPr lang="en-US" dirty="0"/>
+          </a:p>
+        </p:txBody>
+      </p:sp>
+      <p:sp>
+        <p:nvSpPr>
+          <p:cNvPr id="3" name="Content Placeholder 2"/>
           <p:cNvSpPr>
             <a:spLocks noGrp="1"/>
           </p:cNvSpPr>
           <p:nvPr>
             <p:ph idx="1"/>
+          </p:nvPr>
+        </p:nvSpPr>
+        <p:spPr/>
+        <p:txBody>
+          <a:bodyPr anchor="ctr"/>
+          <a:lstStyle/>
+          <a:p>
+            <a:pPr lvl="0"/>
+            <a:r>
+              <a:rPr lang="en-US"/>
+              <a:t>Click to edit Master text styles</a:t>
+            </a:r>
+          </a:p>
+          <a:p>
+            <a:pPr lvl="1"/>
+            <a:r>
+              <a:rPr lang="en-US"/>
+              <a:t>Second level</a:t>
+            </a:r>
+          </a:p>
+          <a:p>
+            <a:pPr lvl="2"/>
+            <a:r>
+              <a:rPr lang="en-US"/>
+              <a:t>Third level</a:t>
+            </a:r>
+          </a:p>
+          <a:p>
+            <a:pPr lvl="3"/>
+            <a:r>
+              <a:rPr lang="en-US"/>
+              <a:t>Fourth level</a:t>
+            </a:r>
+          </a:p>
+          <a:p>
+            <a:pPr lvl="4"/>
+            <a:r>
+              <a:rPr lang="en-US"/>
+              <a:t>Fifth level</a:t>
+            </a:r>
+            <a:endParaRPr lang="en-US" dirty="0"/>
+          </a:p>
+        </p:txBody>
+      </p:sp>
+      <p:sp>
+        <p:nvSpPr>
+          <p:cNvPr id="4" name="Date Placeholder 3"/>
+          <p:cNvSpPr>
+            <a:spLocks noGrp="1"/>
+          </p:cNvSpPr>
+          <p:nvPr>
+            <p:ph type="dt" sz="half" idx="10"/>
           </p:nvPr>
         </p:nvSpPr>
         <p:spPr/>
@@ -816,56 +2823,22 @@
           <a:bodyPr/>
           <a:lstStyle/>
           <a:p>
-            <a:pPr lvl="0"/>
-            <a:r>
-              <a:rPr lang="en-US"/>
-              <a:t>Click to edit Master text styles</a:t>
-            </a:r>
-          </a:p>
-          <a:p>
-            <a:pPr lvl="1"/>
-            <a:r>
-              <a:rPr lang="en-US"/>
-              <a:t>Second level</a:t>
-            </a:r>
-          </a:p>
-          <a:p>
-            <a:pPr lvl="2"/>
-            <a:r>
-              <a:rPr lang="en-US"/>
-              <a:t>Third level</a:t>
-            </a:r>
-          </a:p>
-          <a:p>
-            <a:pPr lvl="3"/>
-            <a:r>
-              <a:rPr lang="en-US"/>
-              <a:t>Fourth level</a:t>
-            </a:r>
-          </a:p>
-          <a:p>
-            <a:pPr lvl="4"/>
-            <a:r>
-              <a:rPr lang="en-US"/>
-              <a:t>Fifth level</a:t>
-            </a:r>
-          </a:p>
-        </p:txBody>
-      </p:sp>
-      <p:sp>
-        <p:nvSpPr>
-          <p:cNvPr id="4" name="Date Placeholder 3">
-            <a:extLst>
-              <a:ext uri="{FF2B5EF4-FFF2-40B4-BE49-F238E27FC236}">
-                <a16:creationId xmlns:a16="http://schemas.microsoft.com/office/drawing/2014/main" id="{695AA3D0-9042-492B-9104-05CC45DA5AFD}"/>
-              </a:ext>
-            </a:extLst>
-          </p:cNvPr>
-          <p:cNvSpPr>
-            <a:spLocks noGrp="1"/>
-          </p:cNvSpPr>
-          <p:nvPr>
-            <p:ph type="dt" sz="half" idx="10"/>
+            <a:fld id="{D5631127-A76B-4A35-A5FD-59E27004ABB4}" type="datetimeFigureOut">
+              <a:rPr lang="en-US" smtClean="0"/>
+              <a:t>8/20/2021</a:t>
+            </a:fld>
+            <a:endParaRPr lang="en-US"/>
+          </a:p>
+        </p:txBody>
+      </p:sp>
+      <p:sp>
+        <p:nvSpPr>
+          <p:cNvPr id="5" name="Footer Placeholder 4"/>
+          <p:cNvSpPr>
+            <a:spLocks noGrp="1"/>
+          </p:cNvSpPr>
+          <p:nvPr>
+            <p:ph type="ftr" sz="quarter" idx="11"/>
           </p:nvPr>
         </p:nvSpPr>
         <p:spPr/>
@@ -873,48 +2846,13 @@
           <a:bodyPr/>
           <a:lstStyle/>
           <a:p>
-            <a:fld id="{D5631127-A76B-4A35-A5FD-59E27004ABB4}" type="datetimeFigureOut">
-              <a:rPr lang="en-US" smtClean="0"/>
-              <a:t>8/16/2021</a:t>
-            </a:fld>
             <a:endParaRPr lang="en-US"/>
           </a:p>
         </p:txBody>
       </p:sp>
       <p:sp>
         <p:nvSpPr>
-          <p:cNvPr id="5" name="Footer Placeholder 4">
-            <a:extLst>
-              <a:ext uri="{FF2B5EF4-FFF2-40B4-BE49-F238E27FC236}">
-                <a16:creationId xmlns:a16="http://schemas.microsoft.com/office/drawing/2014/main" id="{567BCCD8-EBD1-45F1-93DB-8BF80398CC81}"/>
-              </a:ext>
-            </a:extLst>
-          </p:cNvPr>
-          <p:cNvSpPr>
-            <a:spLocks noGrp="1"/>
-          </p:cNvSpPr>
-          <p:nvPr>
-            <p:ph type="ftr" sz="quarter" idx="11"/>
-          </p:nvPr>
-        </p:nvSpPr>
-        <p:spPr/>
-        <p:txBody>
-          <a:bodyPr/>
-          <a:lstStyle/>
-          <a:p>
-            <a:endParaRPr lang="en-US"/>
-          </a:p>
-        </p:txBody>
-      </p:sp>
-      <p:sp>
-        <p:nvSpPr>
-          <p:cNvPr id="6" name="Slide Number Placeholder 5">
-            <a:extLst>
-              <a:ext uri="{FF2B5EF4-FFF2-40B4-BE49-F238E27FC236}">
-                <a16:creationId xmlns:a16="http://schemas.microsoft.com/office/drawing/2014/main" id="{24E1D949-2E1A-45FF-8F37-DCD6892D5A2F}"/>
-              </a:ext>
-            </a:extLst>
-          </p:cNvPr>
+          <p:cNvPr id="6" name="Slide Number Placeholder 5"/>
           <p:cNvSpPr>
             <a:spLocks noGrp="1"/>
           </p:cNvSpPr>
@@ -938,7 +2876,7 @@
     </p:spTree>
     <p:extLst>
       <p:ext uri="{BB962C8B-B14F-4D97-AF65-F5344CB8AC3E}">
-        <p14:creationId xmlns:p14="http://schemas.microsoft.com/office/powerpoint/2010/main" val="129563170"/>
+        <p14:creationId xmlns:p14="http://schemas.microsoft.com/office/powerpoint/2010/main" val="3664051106"/>
       </p:ext>
     </p:extLst>
   </p:cSld>
@@ -967,13 +2905,7 @@
       </p:grpSpPr>
       <p:sp>
         <p:nvSpPr>
-          <p:cNvPr id="2" name="Title 1">
-            <a:extLst>
-              <a:ext uri="{FF2B5EF4-FFF2-40B4-BE49-F238E27FC236}">
-                <a16:creationId xmlns:a16="http://schemas.microsoft.com/office/drawing/2014/main" id="{609D20E3-B5AC-4FAE-BDA8-E7BAB658036F}"/>
-              </a:ext>
-            </a:extLst>
-          </p:cNvPr>
+          <p:cNvPr id="2" name="Title 1"/>
           <p:cNvSpPr>
             <a:spLocks noGrp="1"/>
           </p:cNvSpPr>
@@ -983,15 +2915,17 @@
         </p:nvSpPr>
         <p:spPr>
           <a:xfrm>
-            <a:off x="831850" y="1709738"/>
-            <a:ext cx="10515600" cy="2852737"/>
-          </a:xfrm>
-        </p:spPr>
-        <p:txBody>
-          <a:bodyPr anchor="b"/>
+            <a:off x="684211" y="2006600"/>
+            <a:ext cx="8534401" cy="2281600"/>
+          </a:xfrm>
+        </p:spPr>
+        <p:txBody>
+          <a:bodyPr anchor="b">
+            <a:normAutofit/>
+          </a:bodyPr>
           <a:lstStyle>
-            <a:lvl1pPr>
-              <a:defRPr sz="6000"/>
+            <a:lvl1pPr algn="l">
+              <a:defRPr sz="3600" b="0" cap="all"/>
             </a:lvl1pPr>
           </a:lstStyle>
           <a:p>
@@ -999,18 +2933,13 @@
               <a:rPr lang="en-US"/>
               <a:t>Click to edit Master title style</a:t>
             </a:r>
-          </a:p>
-        </p:txBody>
-      </p:sp>
-      <p:sp>
-        <p:nvSpPr>
-          <p:cNvPr id="3" name="Text Placeholder 2">
-            <a:extLst>
-              <a:ext uri="{FF2B5EF4-FFF2-40B4-BE49-F238E27FC236}">
-                <a16:creationId xmlns:a16="http://schemas.microsoft.com/office/drawing/2014/main" id="{670EE43B-431D-4638-87EE-50EB31BE5FD7}"/>
-              </a:ext>
-            </a:extLst>
-          </p:cNvPr>
+            <a:endParaRPr lang="en-US" dirty="0"/>
+          </a:p>
+        </p:txBody>
+      </p:sp>
+      <p:sp>
+        <p:nvSpPr>
+          <p:cNvPr id="3" name="Text Placeholder 2"/>
           <p:cNvSpPr>
             <a:spLocks noGrp="1"/>
           </p:cNvSpPr>
@@ -1020,26 +2949,28 @@
         </p:nvSpPr>
         <p:spPr>
           <a:xfrm>
-            <a:off x="831850" y="4589463"/>
-            <a:ext cx="10515600" cy="1500187"/>
-          </a:xfrm>
-        </p:spPr>
-        <p:txBody>
-          <a:bodyPr/>
+            <a:off x="684213" y="4495800"/>
+            <a:ext cx="8534400" cy="1498600"/>
+          </a:xfrm>
+        </p:spPr>
+        <p:txBody>
+          <a:bodyPr anchor="t">
+            <a:normAutofit/>
+          </a:bodyPr>
           <a:lstStyle>
-            <a:lvl1pPr marL="0" indent="0">
-              <a:buNone/>
-              <a:defRPr sz="2400">
+            <a:lvl1pPr marL="0" indent="0" algn="l">
+              <a:buNone/>
+              <a:defRPr sz="1800">
                 <a:solidFill>
-                  <a:schemeClr val="tx1">
-                    <a:tint val="75000"/>
+                  <a:schemeClr val="bg2">
+                    <a:lumMod val="75000"/>
                   </a:schemeClr>
                 </a:solidFill>
               </a:defRPr>
             </a:lvl1pPr>
             <a:lvl2pPr marL="457200" indent="0">
               <a:buNone/>
-              <a:defRPr sz="2000">
+              <a:defRPr sz="1800">
                 <a:solidFill>
                   <a:schemeClr val="tx1">
                     <a:tint val="75000"/>
@@ -1049,7 +2980,7 @@
             </a:lvl2pPr>
             <a:lvl3pPr marL="914400" indent="0">
               <a:buNone/>
-              <a:defRPr sz="1800">
+              <a:defRPr sz="1600">
                 <a:solidFill>
                   <a:schemeClr val="tx1">
                     <a:tint val="75000"/>
@@ -1059,7 +2990,7 @@
             </a:lvl3pPr>
             <a:lvl4pPr marL="1371600" indent="0">
               <a:buNone/>
-              <a:defRPr sz="1600">
+              <a:defRPr sz="1400">
                 <a:solidFill>
                   <a:schemeClr val="tx1">
                     <a:tint val="75000"/>
@@ -1069,7 +3000,7 @@
             </a:lvl4pPr>
             <a:lvl5pPr marL="1828800" indent="0">
               <a:buNone/>
-              <a:defRPr sz="1600">
+              <a:defRPr sz="1400">
                 <a:solidFill>
                   <a:schemeClr val="tx1">
                     <a:tint val="75000"/>
@@ -1079,7 +3010,7 @@
             </a:lvl5pPr>
             <a:lvl6pPr marL="2286000" indent="0">
               <a:buNone/>
-              <a:defRPr sz="1600">
+              <a:defRPr sz="1400">
                 <a:solidFill>
                   <a:schemeClr val="tx1">
                     <a:tint val="75000"/>
@@ -1089,7 +3020,7 @@
             </a:lvl6pPr>
             <a:lvl7pPr marL="2743200" indent="0">
               <a:buNone/>
-              <a:defRPr sz="1600">
+              <a:defRPr sz="1400">
                 <a:solidFill>
                   <a:schemeClr val="tx1">
                     <a:tint val="75000"/>
@@ -1099,7 +3030,7 @@
             </a:lvl7pPr>
             <a:lvl8pPr marL="3200400" indent="0">
               <a:buNone/>
-              <a:defRPr sz="1600">
+              <a:defRPr sz="1400">
                 <a:solidFill>
                   <a:schemeClr val="tx1">
                     <a:tint val="75000"/>
@@ -1109,7 +3040,7 @@
             </a:lvl8pPr>
             <a:lvl9pPr marL="3657600" indent="0">
               <a:buNone/>
-              <a:defRPr sz="1600">
+              <a:defRPr sz="1400">
                 <a:solidFill>
                   <a:schemeClr val="tx1">
                     <a:tint val="75000"/>
@@ -1129,13 +3060,7 @@
       </p:sp>
       <p:sp>
         <p:nvSpPr>
-          <p:cNvPr id="4" name="Date Placeholder 3">
-            <a:extLst>
-              <a:ext uri="{FF2B5EF4-FFF2-40B4-BE49-F238E27FC236}">
-                <a16:creationId xmlns:a16="http://schemas.microsoft.com/office/drawing/2014/main" id="{2DE077A8-24F9-42BF-A29B-38AED44C5FFE}"/>
-              </a:ext>
-            </a:extLst>
-          </p:cNvPr>
+          <p:cNvPr id="4" name="Date Placeholder 3"/>
           <p:cNvSpPr>
             <a:spLocks noGrp="1"/>
           </p:cNvSpPr>
@@ -1150,7 +3075,7 @@
           <a:p>
             <a:fld id="{D5631127-A76B-4A35-A5FD-59E27004ABB4}" type="datetimeFigureOut">
               <a:rPr lang="en-US" smtClean="0"/>
-              <a:t>8/16/2021</a:t>
+              <a:t>8/20/2021</a:t>
             </a:fld>
             <a:endParaRPr lang="en-US"/>
           </a:p>
@@ -1158,13 +3083,7 @@
       </p:sp>
       <p:sp>
         <p:nvSpPr>
-          <p:cNvPr id="5" name="Footer Placeholder 4">
-            <a:extLst>
-              <a:ext uri="{FF2B5EF4-FFF2-40B4-BE49-F238E27FC236}">
-                <a16:creationId xmlns:a16="http://schemas.microsoft.com/office/drawing/2014/main" id="{7D9DFCEE-EFEE-49DC-B7B6-AA639A8194A6}"/>
-              </a:ext>
-            </a:extLst>
-          </p:cNvPr>
+          <p:cNvPr id="5" name="Footer Placeholder 4"/>
           <p:cNvSpPr>
             <a:spLocks noGrp="1"/>
           </p:cNvSpPr>
@@ -1183,13 +3102,7 @@
       </p:sp>
       <p:sp>
         <p:nvSpPr>
-          <p:cNvPr id="6" name="Slide Number Placeholder 5">
-            <a:extLst>
-              <a:ext uri="{FF2B5EF4-FFF2-40B4-BE49-F238E27FC236}">
-                <a16:creationId xmlns:a16="http://schemas.microsoft.com/office/drawing/2014/main" id="{2F639DB7-F167-425C-AAD8-F874C08ABCAA}"/>
-              </a:ext>
-            </a:extLst>
-          </p:cNvPr>
+          <p:cNvPr id="6" name="Slide Number Placeholder 5"/>
           <p:cNvSpPr>
             <a:spLocks noGrp="1"/>
           </p:cNvSpPr>
@@ -1213,7 +3126,7 @@
     </p:spTree>
     <p:extLst>
       <p:ext uri="{BB962C8B-B14F-4D97-AF65-F5344CB8AC3E}">
-        <p14:creationId xmlns:p14="http://schemas.microsoft.com/office/powerpoint/2010/main" val="1648153633"/>
+        <p14:creationId xmlns:p14="http://schemas.microsoft.com/office/powerpoint/2010/main" val="3649848400"/>
       </p:ext>
     </p:extLst>
   </p:cSld>
@@ -1242,13 +3155,7 @@
       </p:grpSpPr>
       <p:sp>
         <p:nvSpPr>
-          <p:cNvPr id="2" name="Title 1">
-            <a:extLst>
-              <a:ext uri="{FF2B5EF4-FFF2-40B4-BE49-F238E27FC236}">
-                <a16:creationId xmlns:a16="http://schemas.microsoft.com/office/drawing/2014/main" id="{EB174287-C08F-4B16-8CDA-4AFA9EAA7514}"/>
-              </a:ext>
-            </a:extLst>
-          </p:cNvPr>
+          <p:cNvPr id="2" name="Title 1"/>
           <p:cNvSpPr>
             <a:spLocks noGrp="1"/>
           </p:cNvSpPr>
@@ -1265,18 +3172,13 @@
               <a:rPr lang="en-US"/>
               <a:t>Click to edit Master title style</a:t>
             </a:r>
-          </a:p>
-        </p:txBody>
-      </p:sp>
-      <p:sp>
-        <p:nvSpPr>
-          <p:cNvPr id="3" name="Content Placeholder 2">
-            <a:extLst>
-              <a:ext uri="{FF2B5EF4-FFF2-40B4-BE49-F238E27FC236}">
-                <a16:creationId xmlns:a16="http://schemas.microsoft.com/office/drawing/2014/main" id="{25C76CAB-845C-4C40-A2D4-48F67EA50F7D}"/>
-              </a:ext>
-            </a:extLst>
-          </p:cNvPr>
+            <a:endParaRPr lang="en-US" dirty="0"/>
+          </a:p>
+        </p:txBody>
+      </p:sp>
+      <p:sp>
+        <p:nvSpPr>
+          <p:cNvPr id="3" name="Content Placeholder 2"/>
           <p:cNvSpPr>
             <a:spLocks noGrp="1"/>
           </p:cNvSpPr>
@@ -1286,175 +3188,157 @@
         </p:nvSpPr>
         <p:spPr>
           <a:xfrm>
-            <a:off x="838200" y="1825625"/>
-            <a:ext cx="5181600" cy="4351338"/>
-          </a:xfrm>
-        </p:spPr>
+            <a:off x="684211" y="685800"/>
+            <a:ext cx="4937655" cy="3615267"/>
+          </a:xfrm>
+        </p:spPr>
+        <p:txBody>
+          <a:bodyPr>
+            <a:normAutofit/>
+          </a:bodyPr>
+          <a:lstStyle/>
+          <a:p>
+            <a:pPr lvl="0"/>
+            <a:r>
+              <a:rPr lang="en-US"/>
+              <a:t>Click to edit Master text styles</a:t>
+            </a:r>
+          </a:p>
+          <a:p>
+            <a:pPr lvl="1"/>
+            <a:r>
+              <a:rPr lang="en-US"/>
+              <a:t>Second level</a:t>
+            </a:r>
+          </a:p>
+          <a:p>
+            <a:pPr lvl="2"/>
+            <a:r>
+              <a:rPr lang="en-US"/>
+              <a:t>Third level</a:t>
+            </a:r>
+          </a:p>
+          <a:p>
+            <a:pPr lvl="3"/>
+            <a:r>
+              <a:rPr lang="en-US"/>
+              <a:t>Fourth level</a:t>
+            </a:r>
+          </a:p>
+          <a:p>
+            <a:pPr lvl="4"/>
+            <a:r>
+              <a:rPr lang="en-US"/>
+              <a:t>Fifth level</a:t>
+            </a:r>
+            <a:endParaRPr lang="en-US" dirty="0"/>
+          </a:p>
+        </p:txBody>
+      </p:sp>
+      <p:sp>
+        <p:nvSpPr>
+          <p:cNvPr id="4" name="Content Placeholder 3"/>
+          <p:cNvSpPr>
+            <a:spLocks noGrp="1"/>
+          </p:cNvSpPr>
+          <p:nvPr>
+            <p:ph sz="half" idx="2"/>
+          </p:nvPr>
+        </p:nvSpPr>
+        <p:spPr>
+          <a:xfrm>
+            <a:off x="5808133" y="685801"/>
+            <a:ext cx="4934479" cy="3615266"/>
+          </a:xfrm>
+        </p:spPr>
+        <p:txBody>
+          <a:bodyPr>
+            <a:normAutofit/>
+          </a:bodyPr>
+          <a:lstStyle/>
+          <a:p>
+            <a:pPr lvl="0"/>
+            <a:r>
+              <a:rPr lang="en-US"/>
+              <a:t>Click to edit Master text styles</a:t>
+            </a:r>
+          </a:p>
+          <a:p>
+            <a:pPr lvl="1"/>
+            <a:r>
+              <a:rPr lang="en-US"/>
+              <a:t>Second level</a:t>
+            </a:r>
+          </a:p>
+          <a:p>
+            <a:pPr lvl="2"/>
+            <a:r>
+              <a:rPr lang="en-US"/>
+              <a:t>Third level</a:t>
+            </a:r>
+          </a:p>
+          <a:p>
+            <a:pPr lvl="3"/>
+            <a:r>
+              <a:rPr lang="en-US"/>
+              <a:t>Fourth level</a:t>
+            </a:r>
+          </a:p>
+          <a:p>
+            <a:pPr lvl="4"/>
+            <a:r>
+              <a:rPr lang="en-US"/>
+              <a:t>Fifth level</a:t>
+            </a:r>
+            <a:endParaRPr lang="en-US" dirty="0"/>
+          </a:p>
+        </p:txBody>
+      </p:sp>
+      <p:sp>
+        <p:nvSpPr>
+          <p:cNvPr id="5" name="Date Placeholder 4"/>
+          <p:cNvSpPr>
+            <a:spLocks noGrp="1"/>
+          </p:cNvSpPr>
+          <p:nvPr>
+            <p:ph type="dt" sz="half" idx="10"/>
+          </p:nvPr>
+        </p:nvSpPr>
+        <p:spPr/>
         <p:txBody>
           <a:bodyPr/>
           <a:lstStyle/>
           <a:p>
-            <a:pPr lvl="0"/>
-            <a:r>
-              <a:rPr lang="en-US"/>
-              <a:t>Click to edit Master text styles</a:t>
-            </a:r>
-          </a:p>
-          <a:p>
-            <a:pPr lvl="1"/>
-            <a:r>
-              <a:rPr lang="en-US"/>
-              <a:t>Second level</a:t>
-            </a:r>
-          </a:p>
-          <a:p>
-            <a:pPr lvl="2"/>
-            <a:r>
-              <a:rPr lang="en-US"/>
-              <a:t>Third level</a:t>
-            </a:r>
-          </a:p>
-          <a:p>
-            <a:pPr lvl="3"/>
-            <a:r>
-              <a:rPr lang="en-US"/>
-              <a:t>Fourth level</a:t>
-            </a:r>
-          </a:p>
-          <a:p>
-            <a:pPr lvl="4"/>
-            <a:r>
-              <a:rPr lang="en-US"/>
-              <a:t>Fifth level</a:t>
-            </a:r>
-          </a:p>
-        </p:txBody>
-      </p:sp>
-      <p:sp>
-        <p:nvSpPr>
-          <p:cNvPr id="4" name="Content Placeholder 3">
-            <a:extLst>
-              <a:ext uri="{FF2B5EF4-FFF2-40B4-BE49-F238E27FC236}">
-                <a16:creationId xmlns:a16="http://schemas.microsoft.com/office/drawing/2014/main" id="{5809B655-D5E8-4501-82A1-8C44EC56E186}"/>
-              </a:ext>
-            </a:extLst>
-          </p:cNvPr>
-          <p:cNvSpPr>
-            <a:spLocks noGrp="1"/>
-          </p:cNvSpPr>
-          <p:nvPr>
-            <p:ph sz="half" idx="2"/>
-          </p:nvPr>
-        </p:nvSpPr>
-        <p:spPr>
-          <a:xfrm>
-            <a:off x="6172200" y="1825625"/>
-            <a:ext cx="5181600" cy="4351338"/>
-          </a:xfrm>
-        </p:spPr>
+            <a:fld id="{D5631127-A76B-4A35-A5FD-59E27004ABB4}" type="datetimeFigureOut">
+              <a:rPr lang="en-US" smtClean="0"/>
+              <a:t>8/20/2021</a:t>
+            </a:fld>
+            <a:endParaRPr lang="en-US"/>
+          </a:p>
+        </p:txBody>
+      </p:sp>
+      <p:sp>
+        <p:nvSpPr>
+          <p:cNvPr id="6" name="Footer Placeholder 5"/>
+          <p:cNvSpPr>
+            <a:spLocks noGrp="1"/>
+          </p:cNvSpPr>
+          <p:nvPr>
+            <p:ph type="ftr" sz="quarter" idx="11"/>
+          </p:nvPr>
+        </p:nvSpPr>
+        <p:spPr/>
         <p:txBody>
           <a:bodyPr/>
           <a:lstStyle/>
           <a:p>
-            <a:pPr lvl="0"/>
-            <a:r>
-              <a:rPr lang="en-US"/>
-              <a:t>Click to edit Master text styles</a:t>
-            </a:r>
-          </a:p>
-          <a:p>
-            <a:pPr lvl="1"/>
-            <a:r>
-              <a:rPr lang="en-US"/>
-              <a:t>Second level</a:t>
-            </a:r>
-          </a:p>
-          <a:p>
-            <a:pPr lvl="2"/>
-            <a:r>
-              <a:rPr lang="en-US"/>
-              <a:t>Third level</a:t>
-            </a:r>
-          </a:p>
-          <a:p>
-            <a:pPr lvl="3"/>
-            <a:r>
-              <a:rPr lang="en-US"/>
-              <a:t>Fourth level</a:t>
-            </a:r>
-          </a:p>
-          <a:p>
-            <a:pPr lvl="4"/>
-            <a:r>
-              <a:rPr lang="en-US"/>
-              <a:t>Fifth level</a:t>
-            </a:r>
-          </a:p>
-        </p:txBody>
-      </p:sp>
-      <p:sp>
-        <p:nvSpPr>
-          <p:cNvPr id="5" name="Date Placeholder 4">
-            <a:extLst>
-              <a:ext uri="{FF2B5EF4-FFF2-40B4-BE49-F238E27FC236}">
-                <a16:creationId xmlns:a16="http://schemas.microsoft.com/office/drawing/2014/main" id="{476703BC-D3CD-4ED0-BC94-A6C1C05D65CC}"/>
-              </a:ext>
-            </a:extLst>
-          </p:cNvPr>
-          <p:cNvSpPr>
-            <a:spLocks noGrp="1"/>
-          </p:cNvSpPr>
-          <p:nvPr>
-            <p:ph type="dt" sz="half" idx="10"/>
-          </p:nvPr>
-        </p:nvSpPr>
-        <p:spPr/>
-        <p:txBody>
-          <a:bodyPr/>
-          <a:lstStyle/>
-          <a:p>
-            <a:fld id="{D5631127-A76B-4A35-A5FD-59E27004ABB4}" type="datetimeFigureOut">
-              <a:rPr lang="en-US" smtClean="0"/>
-              <a:t>8/16/2021</a:t>
-            </a:fld>
             <a:endParaRPr lang="en-US"/>
           </a:p>
         </p:txBody>
       </p:sp>
       <p:sp>
         <p:nvSpPr>
-          <p:cNvPr id="6" name="Footer Placeholder 5">
-            <a:extLst>
-              <a:ext uri="{FF2B5EF4-FFF2-40B4-BE49-F238E27FC236}">
-                <a16:creationId xmlns:a16="http://schemas.microsoft.com/office/drawing/2014/main" id="{E6C1CFCB-C47D-4027-BC4E-78BE2374ACC8}"/>
-              </a:ext>
-            </a:extLst>
-          </p:cNvPr>
-          <p:cNvSpPr>
-            <a:spLocks noGrp="1"/>
-          </p:cNvSpPr>
-          <p:nvPr>
-            <p:ph type="ftr" sz="quarter" idx="11"/>
-          </p:nvPr>
-        </p:nvSpPr>
-        <p:spPr/>
-        <p:txBody>
-          <a:bodyPr/>
-          <a:lstStyle/>
-          <a:p>
-            <a:endParaRPr lang="en-US"/>
-          </a:p>
-        </p:txBody>
-      </p:sp>
-      <p:sp>
-        <p:nvSpPr>
-          <p:cNvPr id="7" name="Slide Number Placeholder 6">
-            <a:extLst>
-              <a:ext uri="{FF2B5EF4-FFF2-40B4-BE49-F238E27FC236}">
-                <a16:creationId xmlns:a16="http://schemas.microsoft.com/office/drawing/2014/main" id="{658C180D-1043-45FE-AE13-7AEFEE7B0FC0}"/>
-              </a:ext>
-            </a:extLst>
-          </p:cNvPr>
+          <p:cNvPr id="7" name="Slide Number Placeholder 6"/>
           <p:cNvSpPr>
             <a:spLocks noGrp="1"/>
           </p:cNvSpPr>
@@ -1478,7 +3362,7 @@
     </p:spTree>
     <p:extLst>
       <p:ext uri="{BB962C8B-B14F-4D97-AF65-F5344CB8AC3E}">
-        <p14:creationId xmlns:p14="http://schemas.microsoft.com/office/powerpoint/2010/main" val="3637428030"/>
+        <p14:creationId xmlns:p14="http://schemas.microsoft.com/office/powerpoint/2010/main" val="2550119273"/>
       </p:ext>
     </p:extLst>
   </p:cSld>
@@ -1507,65 +3391,59 @@
       </p:grpSpPr>
       <p:sp>
         <p:nvSpPr>
-          <p:cNvPr id="2" name="Title 1">
-            <a:extLst>
-              <a:ext uri="{FF2B5EF4-FFF2-40B4-BE49-F238E27FC236}">
-                <a16:creationId xmlns:a16="http://schemas.microsoft.com/office/drawing/2014/main" id="{7D3EE43D-02A3-478A-A37A-98142AA9CF70}"/>
-              </a:ext>
-            </a:extLst>
-          </p:cNvPr>
+          <p:cNvPr id="2" name="Title 1"/>
           <p:cNvSpPr>
             <a:spLocks noGrp="1"/>
           </p:cNvSpPr>
           <p:nvPr>
             <p:ph type="title"/>
+          </p:nvPr>
+        </p:nvSpPr>
+        <p:spPr/>
+        <p:txBody>
+          <a:bodyPr/>
+          <a:lstStyle>
+            <a:lvl1pPr>
+              <a:defRPr/>
+            </a:lvl1pPr>
+          </a:lstStyle>
+          <a:p>
+            <a:r>
+              <a:rPr lang="en-US"/>
+              <a:t>Click to edit Master title style</a:t>
+            </a:r>
+            <a:endParaRPr lang="en-US" dirty="0"/>
+          </a:p>
+        </p:txBody>
+      </p:sp>
+      <p:sp>
+        <p:nvSpPr>
+          <p:cNvPr id="3" name="Text Placeholder 2"/>
+          <p:cNvSpPr>
+            <a:spLocks noGrp="1"/>
+          </p:cNvSpPr>
+          <p:nvPr>
+            <p:ph type="body" idx="1"/>
           </p:nvPr>
         </p:nvSpPr>
         <p:spPr>
           <a:xfrm>
-            <a:off x="839788" y="365125"/>
-            <a:ext cx="10515600" cy="1325563"/>
-          </a:xfrm>
-        </p:spPr>
-        <p:txBody>
-          <a:bodyPr/>
-          <a:lstStyle/>
-          <a:p>
-            <a:r>
-              <a:rPr lang="en-US"/>
-              <a:t>Click to edit Master title style</a:t>
-            </a:r>
-          </a:p>
-        </p:txBody>
-      </p:sp>
-      <p:sp>
-        <p:nvSpPr>
-          <p:cNvPr id="3" name="Text Placeholder 2">
-            <a:extLst>
-              <a:ext uri="{FF2B5EF4-FFF2-40B4-BE49-F238E27FC236}">
-                <a16:creationId xmlns:a16="http://schemas.microsoft.com/office/drawing/2014/main" id="{28F2E375-6FC4-4FD9-B0F9-22728926E710}"/>
-              </a:ext>
-            </a:extLst>
-          </p:cNvPr>
-          <p:cNvSpPr>
-            <a:spLocks noGrp="1"/>
-          </p:cNvSpPr>
-          <p:nvPr>
-            <p:ph type="body" idx="1"/>
-          </p:nvPr>
-        </p:nvSpPr>
-        <p:spPr>
-          <a:xfrm>
-            <a:off x="839788" y="1681163"/>
-            <a:ext cx="5157787" cy="823912"/>
-          </a:xfrm>
-        </p:spPr>
-        <p:txBody>
-          <a:bodyPr anchor="b"/>
+            <a:off x="972080" y="685800"/>
+            <a:ext cx="4649787" cy="576262"/>
+          </a:xfrm>
+        </p:spPr>
+        <p:txBody>
+          <a:bodyPr anchor="b">
+            <a:noAutofit/>
+          </a:bodyPr>
           <a:lstStyle>
             <a:lvl1pPr marL="0" indent="0">
               <a:buNone/>
-              <a:defRPr sz="2400" b="1"/>
+              <a:defRPr sz="2800" b="0">
+                <a:solidFill>
+                  <a:schemeClr val="tx1"/>
+                </a:solidFill>
+              </a:defRPr>
             </a:lvl1pPr>
             <a:lvl2pPr marL="457200" indent="0">
               <a:buNone/>
@@ -1611,13 +3489,7 @@
       </p:sp>
       <p:sp>
         <p:nvSpPr>
-          <p:cNvPr id="4" name="Content Placeholder 3">
-            <a:extLst>
-              <a:ext uri="{FF2B5EF4-FFF2-40B4-BE49-F238E27FC236}">
-                <a16:creationId xmlns:a16="http://schemas.microsoft.com/office/drawing/2014/main" id="{BACDB2B4-219A-484E-992B-797FB0271B95}"/>
-              </a:ext>
-            </a:extLst>
-          </p:cNvPr>
+          <p:cNvPr id="4" name="Content Placeholder 3"/>
           <p:cNvSpPr>
             <a:spLocks noGrp="1"/>
           </p:cNvSpPr>
@@ -1627,12 +3499,14 @@
         </p:nvSpPr>
         <p:spPr>
           <a:xfrm>
-            <a:off x="839788" y="2505075"/>
-            <a:ext cx="5157787" cy="3684588"/>
-          </a:xfrm>
-        </p:spPr>
-        <p:txBody>
-          <a:bodyPr/>
+            <a:off x="684211" y="1270529"/>
+            <a:ext cx="4937655" cy="3030538"/>
+          </a:xfrm>
+        </p:spPr>
+        <p:txBody>
+          <a:bodyPr anchor="t">
+            <a:normAutofit/>
+          </a:bodyPr>
           <a:lstStyle/>
           <a:p>
             <a:pPr lvl="0"/>
@@ -1668,18 +3542,13 @@
               <a:rPr lang="en-US"/>
               <a:t>Fifth level</a:t>
             </a:r>
-          </a:p>
-        </p:txBody>
-      </p:sp>
-      <p:sp>
-        <p:nvSpPr>
-          <p:cNvPr id="5" name="Text Placeholder 4">
-            <a:extLst>
-              <a:ext uri="{FF2B5EF4-FFF2-40B4-BE49-F238E27FC236}">
-                <a16:creationId xmlns:a16="http://schemas.microsoft.com/office/drawing/2014/main" id="{91853635-B1D5-4ECD-878B-253E2F0E7F87}"/>
-              </a:ext>
-            </a:extLst>
-          </p:cNvPr>
+            <a:endParaRPr lang="en-US" dirty="0"/>
+          </a:p>
+        </p:txBody>
+      </p:sp>
+      <p:sp>
+        <p:nvSpPr>
+          <p:cNvPr id="5" name="Text Placeholder 4"/>
           <p:cNvSpPr>
             <a:spLocks noGrp="1"/>
           </p:cNvSpPr>
@@ -1689,16 +3558,22 @@
         </p:nvSpPr>
         <p:spPr>
           <a:xfrm>
-            <a:off x="6172200" y="1681163"/>
-            <a:ext cx="5183188" cy="823912"/>
-          </a:xfrm>
-        </p:spPr>
-        <p:txBody>
-          <a:bodyPr anchor="b"/>
+            <a:off x="6079066" y="685800"/>
+            <a:ext cx="4665134" cy="576262"/>
+          </a:xfrm>
+        </p:spPr>
+        <p:txBody>
+          <a:bodyPr anchor="b">
+            <a:noAutofit/>
+          </a:bodyPr>
           <a:lstStyle>
             <a:lvl1pPr marL="0" indent="0">
               <a:buNone/>
-              <a:defRPr sz="2400" b="1"/>
+              <a:defRPr sz="2800" b="0">
+                <a:solidFill>
+                  <a:schemeClr val="tx1"/>
+                </a:solidFill>
+              </a:defRPr>
             </a:lvl1pPr>
             <a:lvl2pPr marL="457200" indent="0">
               <a:buNone/>
@@ -1744,13 +3619,7 @@
       </p:sp>
       <p:sp>
         <p:nvSpPr>
-          <p:cNvPr id="6" name="Content Placeholder 5">
-            <a:extLst>
-              <a:ext uri="{FF2B5EF4-FFF2-40B4-BE49-F238E27FC236}">
-                <a16:creationId xmlns:a16="http://schemas.microsoft.com/office/drawing/2014/main" id="{290716FA-7B31-40D6-A61E-C04377720356}"/>
-              </a:ext>
-            </a:extLst>
-          </p:cNvPr>
+          <p:cNvPr id="6" name="Content Placeholder 5"/>
           <p:cNvSpPr>
             <a:spLocks noGrp="1"/>
           </p:cNvSpPr>
@@ -1760,64 +3629,84 @@
         </p:nvSpPr>
         <p:spPr>
           <a:xfrm>
-            <a:off x="6172200" y="2505075"/>
-            <a:ext cx="5183188" cy="3684588"/>
-          </a:xfrm>
-        </p:spPr>
+            <a:off x="5806545" y="1262062"/>
+            <a:ext cx="4929188" cy="3030538"/>
+          </a:xfrm>
+        </p:spPr>
+        <p:txBody>
+          <a:bodyPr anchor="t">
+            <a:normAutofit/>
+          </a:bodyPr>
+          <a:lstStyle/>
+          <a:p>
+            <a:pPr lvl="0"/>
+            <a:r>
+              <a:rPr lang="en-US"/>
+              <a:t>Click to edit Master text styles</a:t>
+            </a:r>
+          </a:p>
+          <a:p>
+            <a:pPr lvl="1"/>
+            <a:r>
+              <a:rPr lang="en-US"/>
+              <a:t>Second level</a:t>
+            </a:r>
+          </a:p>
+          <a:p>
+            <a:pPr lvl="2"/>
+            <a:r>
+              <a:rPr lang="en-US"/>
+              <a:t>Third level</a:t>
+            </a:r>
+          </a:p>
+          <a:p>
+            <a:pPr lvl="3"/>
+            <a:r>
+              <a:rPr lang="en-US"/>
+              <a:t>Fourth level</a:t>
+            </a:r>
+          </a:p>
+          <a:p>
+            <a:pPr lvl="4"/>
+            <a:r>
+              <a:rPr lang="en-US"/>
+              <a:t>Fifth level</a:t>
+            </a:r>
+            <a:endParaRPr lang="en-US" dirty="0"/>
+          </a:p>
+        </p:txBody>
+      </p:sp>
+      <p:sp>
+        <p:nvSpPr>
+          <p:cNvPr id="7" name="Date Placeholder 6"/>
+          <p:cNvSpPr>
+            <a:spLocks noGrp="1"/>
+          </p:cNvSpPr>
+          <p:nvPr>
+            <p:ph type="dt" sz="half" idx="10"/>
+          </p:nvPr>
+        </p:nvSpPr>
+        <p:spPr/>
         <p:txBody>
           <a:bodyPr/>
           <a:lstStyle/>
           <a:p>
-            <a:pPr lvl="0"/>
-            <a:r>
-              <a:rPr lang="en-US"/>
-              <a:t>Click to edit Master text styles</a:t>
-            </a:r>
-          </a:p>
-          <a:p>
-            <a:pPr lvl="1"/>
-            <a:r>
-              <a:rPr lang="en-US"/>
-              <a:t>Second level</a:t>
-            </a:r>
-          </a:p>
-          <a:p>
-            <a:pPr lvl="2"/>
-            <a:r>
-              <a:rPr lang="en-US"/>
-              <a:t>Third level</a:t>
-            </a:r>
-          </a:p>
-          <a:p>
-            <a:pPr lvl="3"/>
-            <a:r>
-              <a:rPr lang="en-US"/>
-              <a:t>Fourth level</a:t>
-            </a:r>
-          </a:p>
-          <a:p>
-            <a:pPr lvl="4"/>
-            <a:r>
-              <a:rPr lang="en-US"/>
-              <a:t>Fifth level</a:t>
-            </a:r>
-          </a:p>
-        </p:txBody>
-      </p:sp>
-      <p:sp>
-        <p:nvSpPr>
-          <p:cNvPr id="7" name="Date Placeholder 6">
-            <a:extLst>
-              <a:ext uri="{FF2B5EF4-FFF2-40B4-BE49-F238E27FC236}">
-                <a16:creationId xmlns:a16="http://schemas.microsoft.com/office/drawing/2014/main" id="{B805CA37-CF47-494B-AA1D-FAE96A8665B8}"/>
-              </a:ext>
-            </a:extLst>
-          </p:cNvPr>
-          <p:cNvSpPr>
-            <a:spLocks noGrp="1"/>
-          </p:cNvSpPr>
-          <p:nvPr>
-            <p:ph type="dt" sz="half" idx="10"/>
+            <a:fld id="{D5631127-A76B-4A35-A5FD-59E27004ABB4}" type="datetimeFigureOut">
+              <a:rPr lang="en-US" smtClean="0"/>
+              <a:t>8/20/2021</a:t>
+            </a:fld>
+            <a:endParaRPr lang="en-US"/>
+          </a:p>
+        </p:txBody>
+      </p:sp>
+      <p:sp>
+        <p:nvSpPr>
+          <p:cNvPr id="8" name="Footer Placeholder 7"/>
+          <p:cNvSpPr>
+            <a:spLocks noGrp="1"/>
+          </p:cNvSpPr>
+          <p:nvPr>
+            <p:ph type="ftr" sz="quarter" idx="11"/>
           </p:nvPr>
         </p:nvSpPr>
         <p:spPr/>
@@ -1825,48 +3714,13 @@
           <a:bodyPr/>
           <a:lstStyle/>
           <a:p>
-            <a:fld id="{D5631127-A76B-4A35-A5FD-59E27004ABB4}" type="datetimeFigureOut">
-              <a:rPr lang="en-US" smtClean="0"/>
-              <a:t>8/16/2021</a:t>
-            </a:fld>
             <a:endParaRPr lang="en-US"/>
           </a:p>
         </p:txBody>
       </p:sp>
       <p:sp>
         <p:nvSpPr>
-          <p:cNvPr id="8" name="Footer Placeholder 7">
-            <a:extLst>
-              <a:ext uri="{FF2B5EF4-FFF2-40B4-BE49-F238E27FC236}">
-                <a16:creationId xmlns:a16="http://schemas.microsoft.com/office/drawing/2014/main" id="{E65E3E7D-BACE-406B-9058-10D011C64007}"/>
-              </a:ext>
-            </a:extLst>
-          </p:cNvPr>
-          <p:cNvSpPr>
-            <a:spLocks noGrp="1"/>
-          </p:cNvSpPr>
-          <p:nvPr>
-            <p:ph type="ftr" sz="quarter" idx="11"/>
-          </p:nvPr>
-        </p:nvSpPr>
-        <p:spPr/>
-        <p:txBody>
-          <a:bodyPr/>
-          <a:lstStyle/>
-          <a:p>
-            <a:endParaRPr lang="en-US"/>
-          </a:p>
-        </p:txBody>
-      </p:sp>
-      <p:sp>
-        <p:nvSpPr>
-          <p:cNvPr id="9" name="Slide Number Placeholder 8">
-            <a:extLst>
-              <a:ext uri="{FF2B5EF4-FFF2-40B4-BE49-F238E27FC236}">
-                <a16:creationId xmlns:a16="http://schemas.microsoft.com/office/drawing/2014/main" id="{5533E938-72FB-4CEB-A047-A125369CDA4B}"/>
-              </a:ext>
-            </a:extLst>
-          </p:cNvPr>
+          <p:cNvPr id="9" name="Slide Number Placeholder 8"/>
           <p:cNvSpPr>
             <a:spLocks noGrp="1"/>
           </p:cNvSpPr>
@@ -1890,7 +3744,7 @@
     </p:spTree>
     <p:extLst>
       <p:ext uri="{BB962C8B-B14F-4D97-AF65-F5344CB8AC3E}">
-        <p14:creationId xmlns:p14="http://schemas.microsoft.com/office/powerpoint/2010/main" val="1972253282"/>
+        <p14:creationId xmlns:p14="http://schemas.microsoft.com/office/powerpoint/2010/main" val="364291303"/>
       </p:ext>
     </p:extLst>
   </p:cSld>
@@ -1919,13 +3773,7 @@
       </p:grpSpPr>
       <p:sp>
         <p:nvSpPr>
-          <p:cNvPr id="2" name="Title 1">
-            <a:extLst>
-              <a:ext uri="{FF2B5EF4-FFF2-40B4-BE49-F238E27FC236}">
-                <a16:creationId xmlns:a16="http://schemas.microsoft.com/office/drawing/2014/main" id="{11A55C91-0E26-46E1-9C9D-3CD10512DF44}"/>
-              </a:ext>
-            </a:extLst>
-          </p:cNvPr>
+          <p:cNvPr id="2" name="Title 1"/>
           <p:cNvSpPr>
             <a:spLocks noGrp="1"/>
           </p:cNvSpPr>
@@ -1942,18 +3790,13 @@
               <a:rPr lang="en-US"/>
               <a:t>Click to edit Master title style</a:t>
             </a:r>
-          </a:p>
-        </p:txBody>
-      </p:sp>
-      <p:sp>
-        <p:nvSpPr>
-          <p:cNvPr id="3" name="Date Placeholder 2">
-            <a:extLst>
-              <a:ext uri="{FF2B5EF4-FFF2-40B4-BE49-F238E27FC236}">
-                <a16:creationId xmlns:a16="http://schemas.microsoft.com/office/drawing/2014/main" id="{658E3F44-59B4-40C4-9A46-7FBC05460E6B}"/>
-              </a:ext>
-            </a:extLst>
-          </p:cNvPr>
+            <a:endParaRPr lang="en-US" dirty="0"/>
+          </a:p>
+        </p:txBody>
+      </p:sp>
+      <p:sp>
+        <p:nvSpPr>
+          <p:cNvPr id="3" name="Date Placeholder 2"/>
           <p:cNvSpPr>
             <a:spLocks noGrp="1"/>
           </p:cNvSpPr>
@@ -1968,7 +3811,7 @@
           <a:p>
             <a:fld id="{D5631127-A76B-4A35-A5FD-59E27004ABB4}" type="datetimeFigureOut">
               <a:rPr lang="en-US" smtClean="0"/>
-              <a:t>8/16/2021</a:t>
+              <a:t>8/20/2021</a:t>
             </a:fld>
             <a:endParaRPr lang="en-US"/>
           </a:p>
@@ -1976,13 +3819,7 @@
       </p:sp>
       <p:sp>
         <p:nvSpPr>
-          <p:cNvPr id="4" name="Footer Placeholder 3">
-            <a:extLst>
-              <a:ext uri="{FF2B5EF4-FFF2-40B4-BE49-F238E27FC236}">
-                <a16:creationId xmlns:a16="http://schemas.microsoft.com/office/drawing/2014/main" id="{344BB970-B47E-4B70-975B-970B8C8ECDA4}"/>
-              </a:ext>
-            </a:extLst>
-          </p:cNvPr>
+          <p:cNvPr id="4" name="Footer Placeholder 3"/>
           <p:cNvSpPr>
             <a:spLocks noGrp="1"/>
           </p:cNvSpPr>
@@ -2001,13 +3838,7 @@
       </p:sp>
       <p:sp>
         <p:nvSpPr>
-          <p:cNvPr id="5" name="Slide Number Placeholder 4">
-            <a:extLst>
-              <a:ext uri="{FF2B5EF4-FFF2-40B4-BE49-F238E27FC236}">
-                <a16:creationId xmlns:a16="http://schemas.microsoft.com/office/drawing/2014/main" id="{49C00889-90FB-450D-9746-7EDF1575776C}"/>
-              </a:ext>
-            </a:extLst>
-          </p:cNvPr>
+          <p:cNvPr id="5" name="Slide Number Placeholder 4"/>
           <p:cNvSpPr>
             <a:spLocks noGrp="1"/>
           </p:cNvSpPr>
@@ -2031,7 +3862,7 @@
     </p:spTree>
     <p:extLst>
       <p:ext uri="{BB962C8B-B14F-4D97-AF65-F5344CB8AC3E}">
-        <p14:creationId xmlns:p14="http://schemas.microsoft.com/office/powerpoint/2010/main" val="930082439"/>
+        <p14:creationId xmlns:p14="http://schemas.microsoft.com/office/powerpoint/2010/main" val="3420995139"/>
       </p:ext>
     </p:extLst>
   </p:cSld>
@@ -2060,13 +3891,7 @@
       </p:grpSpPr>
       <p:sp>
         <p:nvSpPr>
-          <p:cNvPr id="2" name="Date Placeholder 1">
-            <a:extLst>
-              <a:ext uri="{FF2B5EF4-FFF2-40B4-BE49-F238E27FC236}">
-                <a16:creationId xmlns:a16="http://schemas.microsoft.com/office/drawing/2014/main" id="{068974D6-2AE6-449A-B83E-55E94210180F}"/>
-              </a:ext>
-            </a:extLst>
-          </p:cNvPr>
+          <p:cNvPr id="2" name="Date Placeholder 1"/>
           <p:cNvSpPr>
             <a:spLocks noGrp="1"/>
           </p:cNvSpPr>
@@ -2081,7 +3906,7 @@
           <a:p>
             <a:fld id="{D5631127-A76B-4A35-A5FD-59E27004ABB4}" type="datetimeFigureOut">
               <a:rPr lang="en-US" smtClean="0"/>
-              <a:t>8/16/2021</a:t>
+              <a:t>8/20/2021</a:t>
             </a:fld>
             <a:endParaRPr lang="en-US"/>
           </a:p>
@@ -2089,13 +3914,7 @@
       </p:sp>
       <p:sp>
         <p:nvSpPr>
-          <p:cNvPr id="3" name="Footer Placeholder 2">
-            <a:extLst>
-              <a:ext uri="{FF2B5EF4-FFF2-40B4-BE49-F238E27FC236}">
-                <a16:creationId xmlns:a16="http://schemas.microsoft.com/office/drawing/2014/main" id="{B17FD04E-833E-47C0-A7E9-A1491399FEF1}"/>
-              </a:ext>
-            </a:extLst>
-          </p:cNvPr>
+          <p:cNvPr id="3" name="Footer Placeholder 2"/>
           <p:cNvSpPr>
             <a:spLocks noGrp="1"/>
           </p:cNvSpPr>
@@ -2114,13 +3933,7 @@
       </p:sp>
       <p:sp>
         <p:nvSpPr>
-          <p:cNvPr id="4" name="Slide Number Placeholder 3">
-            <a:extLst>
-              <a:ext uri="{FF2B5EF4-FFF2-40B4-BE49-F238E27FC236}">
-                <a16:creationId xmlns:a16="http://schemas.microsoft.com/office/drawing/2014/main" id="{BDFAAB53-078E-44C5-A7B8-2E31443FC472}"/>
-              </a:ext>
-            </a:extLst>
-          </p:cNvPr>
+          <p:cNvPr id="4" name="Slide Number Placeholder 3"/>
           <p:cNvSpPr>
             <a:spLocks noGrp="1"/>
           </p:cNvSpPr>
@@ -2144,7 +3957,7 @@
     </p:spTree>
     <p:extLst>
       <p:ext uri="{BB962C8B-B14F-4D97-AF65-F5344CB8AC3E}">
-        <p14:creationId xmlns:p14="http://schemas.microsoft.com/office/powerpoint/2010/main" val="1677382143"/>
+        <p14:creationId xmlns:p14="http://schemas.microsoft.com/office/powerpoint/2010/main" val="734030865"/>
       </p:ext>
     </p:extLst>
   </p:cSld>
@@ -2173,13 +3986,7 @@
       </p:grpSpPr>
       <p:sp>
         <p:nvSpPr>
-          <p:cNvPr id="2" name="Title 1">
-            <a:extLst>
-              <a:ext uri="{FF2B5EF4-FFF2-40B4-BE49-F238E27FC236}">
-                <a16:creationId xmlns:a16="http://schemas.microsoft.com/office/drawing/2014/main" id="{57F3FDDF-F18D-411F-9289-2B082C5DCB5F}"/>
-              </a:ext>
-            </a:extLst>
-          </p:cNvPr>
+          <p:cNvPr id="2" name="Title 1"/>
           <p:cNvSpPr>
             <a:spLocks noGrp="1"/>
           </p:cNvSpPr>
@@ -2189,15 +3996,17 @@
         </p:nvSpPr>
         <p:spPr>
           <a:xfrm>
-            <a:off x="839788" y="457200"/>
-            <a:ext cx="3932237" cy="1600200"/>
-          </a:xfrm>
-        </p:spPr>
-        <p:txBody>
-          <a:bodyPr anchor="b"/>
+            <a:off x="7085012" y="685800"/>
+            <a:ext cx="3657600" cy="1371600"/>
+          </a:xfrm>
+        </p:spPr>
+        <p:txBody>
+          <a:bodyPr anchor="b">
+            <a:normAutofit/>
+          </a:bodyPr>
           <a:lstStyle>
-            <a:lvl1pPr>
-              <a:defRPr sz="3200"/>
+            <a:lvl1pPr algn="l">
+              <a:defRPr sz="2400" b="0"/>
             </a:lvl1pPr>
           </a:lstStyle>
           <a:p>
@@ -2205,18 +4014,13 @@
               <a:rPr lang="en-US"/>
               <a:t>Click to edit Master title style</a:t>
             </a:r>
-          </a:p>
-        </p:txBody>
-      </p:sp>
-      <p:sp>
-        <p:nvSpPr>
-          <p:cNvPr id="3" name="Content Placeholder 2">
-            <a:extLst>
-              <a:ext uri="{FF2B5EF4-FFF2-40B4-BE49-F238E27FC236}">
-                <a16:creationId xmlns:a16="http://schemas.microsoft.com/office/drawing/2014/main" id="{93865AA5-E805-4283-873E-6BE8755D5075}"/>
-              </a:ext>
-            </a:extLst>
-          </p:cNvPr>
+            <a:endParaRPr lang="en-US" dirty="0"/>
+          </a:p>
+        </p:txBody>
+      </p:sp>
+      <p:sp>
+        <p:nvSpPr>
+          <p:cNvPr id="3" name="Content Placeholder 2"/>
           <p:cNvSpPr>
             <a:spLocks noGrp="1"/>
           </p:cNvSpPr>
@@ -2226,41 +4030,15 @@
         </p:nvSpPr>
         <p:spPr>
           <a:xfrm>
-            <a:off x="5183188" y="987425"/>
-            <a:ext cx="6172200" cy="4873625"/>
-          </a:xfrm>
-        </p:spPr>
-        <p:txBody>
-          <a:bodyPr/>
-          <a:lstStyle>
-            <a:lvl1pPr>
-              <a:defRPr sz="3200"/>
-            </a:lvl1pPr>
-            <a:lvl2pPr>
-              <a:defRPr sz="2800"/>
-            </a:lvl2pPr>
-            <a:lvl3pPr>
-              <a:defRPr sz="2400"/>
-            </a:lvl3pPr>
-            <a:lvl4pPr>
-              <a:defRPr sz="2000"/>
-            </a:lvl4pPr>
-            <a:lvl5pPr>
-              <a:defRPr sz="2000"/>
-            </a:lvl5pPr>
-            <a:lvl6pPr>
-              <a:defRPr sz="2000"/>
-            </a:lvl6pPr>
-            <a:lvl7pPr>
-              <a:defRPr sz="2000"/>
-            </a:lvl7pPr>
-            <a:lvl8pPr>
-              <a:defRPr sz="2000"/>
-            </a:lvl8pPr>
-            <a:lvl9pPr>
-              <a:defRPr sz="2000"/>
-            </a:lvl9pPr>
-          </a:lstStyle>
+            <a:off x="684212" y="685800"/>
+            <a:ext cx="5943601" cy="5308600"/>
+          </a:xfrm>
+        </p:spPr>
+        <p:txBody>
+          <a:bodyPr anchor="ctr">
+            <a:normAutofit/>
+          </a:bodyPr>
+          <a:lstStyle/>
           <a:p>
             <a:pPr lvl="0"/>
             <a:r>
@@ -2295,18 +4073,13 @@
               <a:rPr lang="en-US"/>
               <a:t>Fifth level</a:t>
             </a:r>
-          </a:p>
-        </p:txBody>
-      </p:sp>
-      <p:sp>
-        <p:nvSpPr>
-          <p:cNvPr id="4" name="Text Placeholder 3">
-            <a:extLst>
-              <a:ext uri="{FF2B5EF4-FFF2-40B4-BE49-F238E27FC236}">
-                <a16:creationId xmlns:a16="http://schemas.microsoft.com/office/drawing/2014/main" id="{8787A051-96E6-45BD-84C8-714E9EAC223E}"/>
-              </a:ext>
-            </a:extLst>
-          </p:cNvPr>
+            <a:endParaRPr lang="en-US" dirty="0"/>
+          </a:p>
+        </p:txBody>
+      </p:sp>
+      <p:sp>
+        <p:nvSpPr>
+          <p:cNvPr id="4" name="Text Placeholder 3"/>
           <p:cNvSpPr>
             <a:spLocks noGrp="1"/>
           </p:cNvSpPr>
@@ -2316,12 +4089,14 @@
         </p:nvSpPr>
         <p:spPr>
           <a:xfrm>
-            <a:off x="839788" y="2057400"/>
-            <a:ext cx="3932237" cy="3811588"/>
-          </a:xfrm>
-        </p:spPr>
-        <p:txBody>
-          <a:bodyPr/>
+            <a:off x="7085012" y="2209799"/>
+            <a:ext cx="3657600" cy="2091267"/>
+          </a:xfrm>
+        </p:spPr>
+        <p:txBody>
+          <a:bodyPr anchor="t">
+            <a:normAutofit/>
+          </a:bodyPr>
           <a:lstStyle>
             <a:lvl1pPr marL="0" indent="0">
               <a:buNone/>
@@ -2329,35 +4104,35 @@
             </a:lvl1pPr>
             <a:lvl2pPr marL="457200" indent="0">
               <a:buNone/>
-              <a:defRPr sz="1400"/>
+              <a:defRPr sz="1200"/>
             </a:lvl2pPr>
             <a:lvl3pPr marL="914400" indent="0">
               <a:buNone/>
-              <a:defRPr sz="1200"/>
+              <a:defRPr sz="1000"/>
             </a:lvl3pPr>
             <a:lvl4pPr marL="1371600" indent="0">
               <a:buNone/>
-              <a:defRPr sz="1000"/>
+              <a:defRPr sz="900"/>
             </a:lvl4pPr>
             <a:lvl5pPr marL="1828800" indent="0">
               <a:buNone/>
-              <a:defRPr sz="1000"/>
+              <a:defRPr sz="900"/>
             </a:lvl5pPr>
             <a:lvl6pPr marL="2286000" indent="0">
               <a:buNone/>
-              <a:defRPr sz="1000"/>
+              <a:defRPr sz="900"/>
             </a:lvl6pPr>
             <a:lvl7pPr marL="2743200" indent="0">
               <a:buNone/>
-              <a:defRPr sz="1000"/>
+              <a:defRPr sz="900"/>
             </a:lvl7pPr>
             <a:lvl8pPr marL="3200400" indent="0">
               <a:buNone/>
-              <a:defRPr sz="1000"/>
+              <a:defRPr sz="900"/>
             </a:lvl8pPr>
             <a:lvl9pPr marL="3657600" indent="0">
               <a:buNone/>
-              <a:defRPr sz="1000"/>
+              <a:defRPr sz="900"/>
             </a:lvl9pPr>
           </a:lstStyle>
           <a:p>
@@ -2371,13 +4146,7 @@
       </p:sp>
       <p:sp>
         <p:nvSpPr>
-          <p:cNvPr id="5" name="Date Placeholder 4">
-            <a:extLst>
-              <a:ext uri="{FF2B5EF4-FFF2-40B4-BE49-F238E27FC236}">
-                <a16:creationId xmlns:a16="http://schemas.microsoft.com/office/drawing/2014/main" id="{AE44A52F-2782-4DC5-B480-78F33C392CD1}"/>
-              </a:ext>
-            </a:extLst>
-          </p:cNvPr>
+          <p:cNvPr id="5" name="Date Placeholder 4"/>
           <p:cNvSpPr>
             <a:spLocks noGrp="1"/>
           </p:cNvSpPr>
@@ -2392,7 +4161,7 @@
           <a:p>
             <a:fld id="{D5631127-A76B-4A35-A5FD-59E27004ABB4}" type="datetimeFigureOut">
               <a:rPr lang="en-US" smtClean="0"/>
-              <a:t>8/16/2021</a:t>
+              <a:t>8/20/2021</a:t>
             </a:fld>
             <a:endParaRPr lang="en-US"/>
           </a:p>
@@ -2400,13 +4169,7 @@
       </p:sp>
       <p:sp>
         <p:nvSpPr>
-          <p:cNvPr id="6" name="Footer Placeholder 5">
-            <a:extLst>
-              <a:ext uri="{FF2B5EF4-FFF2-40B4-BE49-F238E27FC236}">
-                <a16:creationId xmlns:a16="http://schemas.microsoft.com/office/drawing/2014/main" id="{5CCD5590-E85A-41A6-BDCC-963B0A4643D5}"/>
-              </a:ext>
-            </a:extLst>
-          </p:cNvPr>
+          <p:cNvPr id="6" name="Footer Placeholder 5"/>
           <p:cNvSpPr>
             <a:spLocks noGrp="1"/>
           </p:cNvSpPr>
@@ -2425,13 +4188,7 @@
       </p:sp>
       <p:sp>
         <p:nvSpPr>
-          <p:cNvPr id="7" name="Slide Number Placeholder 6">
-            <a:extLst>
-              <a:ext uri="{FF2B5EF4-FFF2-40B4-BE49-F238E27FC236}">
-                <a16:creationId xmlns:a16="http://schemas.microsoft.com/office/drawing/2014/main" id="{F0312D8E-4450-4891-8440-19602ADA74CB}"/>
-              </a:ext>
-            </a:extLst>
-          </p:cNvPr>
+          <p:cNvPr id="7" name="Slide Number Placeholder 6"/>
           <p:cNvSpPr>
             <a:spLocks noGrp="1"/>
           </p:cNvSpPr>
@@ -2455,7 +4212,7 @@
     </p:spTree>
     <p:extLst>
       <p:ext uri="{BB962C8B-B14F-4D97-AF65-F5344CB8AC3E}">
-        <p14:creationId xmlns:p14="http://schemas.microsoft.com/office/powerpoint/2010/main" val="559124634"/>
+        <p14:creationId xmlns:p14="http://schemas.microsoft.com/office/powerpoint/2010/main" val="3650477254"/>
       </p:ext>
     </p:extLst>
   </p:cSld>
@@ -2484,13 +4241,7 @@
       </p:grpSpPr>
       <p:sp>
         <p:nvSpPr>
-          <p:cNvPr id="2" name="Title 1">
-            <a:extLst>
-              <a:ext uri="{FF2B5EF4-FFF2-40B4-BE49-F238E27FC236}">
-                <a16:creationId xmlns:a16="http://schemas.microsoft.com/office/drawing/2014/main" id="{7650D26B-872F-4927-99E4-A0C5D18D4EF7}"/>
-              </a:ext>
-            </a:extLst>
-          </p:cNvPr>
+          <p:cNvPr id="2" name="Title 1"/>
           <p:cNvSpPr>
             <a:spLocks noGrp="1"/>
           </p:cNvSpPr>
@@ -2500,15 +4251,17 @@
         </p:nvSpPr>
         <p:spPr>
           <a:xfrm>
-            <a:off x="839788" y="457200"/>
-            <a:ext cx="3932237" cy="1600200"/>
-          </a:xfrm>
-        </p:spPr>
-        <p:txBody>
-          <a:bodyPr anchor="b"/>
+            <a:off x="4722812" y="1447800"/>
+            <a:ext cx="6019800" cy="1143000"/>
+          </a:xfrm>
+        </p:spPr>
+        <p:txBody>
+          <a:bodyPr anchor="b">
+            <a:normAutofit/>
+          </a:bodyPr>
           <a:lstStyle>
-            <a:lvl1pPr>
-              <a:defRPr sz="3200"/>
+            <a:lvl1pPr algn="l">
+              <a:defRPr sz="2800" b="0"/>
             </a:lvl1pPr>
           </a:lstStyle>
           <a:p>
@@ -2516,20 +4269,15 @@
               <a:rPr lang="en-US"/>
               <a:t>Click to edit Master title style</a:t>
             </a:r>
-          </a:p>
-        </p:txBody>
-      </p:sp>
-      <p:sp>
-        <p:nvSpPr>
-          <p:cNvPr id="3" name="Picture Placeholder 2">
-            <a:extLst>
-              <a:ext uri="{FF2B5EF4-FFF2-40B4-BE49-F238E27FC236}">
-                <a16:creationId xmlns:a16="http://schemas.microsoft.com/office/drawing/2014/main" id="{DAD4E5D0-F5AD-4335-BC8E-3B3F6AAA51D2}"/>
-              </a:ext>
-            </a:extLst>
-          </p:cNvPr>
-          <p:cNvSpPr>
-            <a:spLocks noGrp="1"/>
+            <a:endParaRPr lang="en-US" dirty="0"/>
+          </a:p>
+        </p:txBody>
+      </p:sp>
+      <p:sp>
+        <p:nvSpPr>
+          <p:cNvPr id="14" name="Picture Placeholder 2"/>
+          <p:cNvSpPr>
+            <a:spLocks noGrp="1" noChangeAspect="1"/>
           </p:cNvSpPr>
           <p:nvPr>
             <p:ph type="pic" idx="1"/>
@@ -2537,118 +4285,140 @@
         </p:nvSpPr>
         <p:spPr>
           <a:xfrm>
-            <a:off x="5183188" y="987425"/>
-            <a:ext cx="6172200" cy="4873625"/>
-          </a:xfrm>
-        </p:spPr>
-        <p:txBody>
-          <a:bodyPr/>
+            <a:off x="989012" y="914400"/>
+            <a:ext cx="3280974" cy="4572000"/>
+          </a:xfrm>
+          <a:prstGeom prst="snip2DiagRect">
+            <a:avLst>
+              <a:gd name="adj1" fmla="val 10815"/>
+              <a:gd name="adj2" fmla="val 0"/>
+            </a:avLst>
+          </a:prstGeom>
+          <a:ln w="15875">
+            <a:solidFill>
+              <a:schemeClr val="tx1">
+                <a:alpha val="40000"/>
+              </a:schemeClr>
+            </a:solidFill>
+          </a:ln>
+          <a:effectLst>
+            <a:innerShdw blurRad="57150" dist="38100" dir="14460000">
+              <a:srgbClr val="000000">
+                <a:alpha val="70000"/>
+              </a:srgbClr>
+            </a:innerShdw>
+          </a:effectLst>
+        </p:spPr>
+        <p:txBody>
+          <a:bodyPr anchor="t">
+            <a:normAutofit/>
+          </a:bodyPr>
           <a:lstStyle>
-            <a:lvl1pPr marL="0" indent="0">
-              <a:buNone/>
-              <a:defRPr sz="3200"/>
-            </a:lvl1pPr>
-            <a:lvl2pPr marL="457200" indent="0">
-              <a:buNone/>
-              <a:defRPr sz="2800"/>
-            </a:lvl2pPr>
-            <a:lvl3pPr marL="914400" indent="0">
-              <a:buNone/>
-              <a:defRPr sz="2400"/>
-            </a:lvl3pPr>
-            <a:lvl4pPr marL="1371600" indent="0">
-              <a:buNone/>
-              <a:defRPr sz="2000"/>
-            </a:lvl4pPr>
-            <a:lvl5pPr marL="1828800" indent="0">
-              <a:buNone/>
-              <a:defRPr sz="2000"/>
-            </a:lvl5pPr>
-            <a:lvl6pPr marL="2286000" indent="0">
-              <a:buNone/>
-              <a:defRPr sz="2000"/>
-            </a:lvl6pPr>
-            <a:lvl7pPr marL="2743200" indent="0">
-              <a:buNone/>
-              <a:defRPr sz="2000"/>
-            </a:lvl7pPr>
-            <a:lvl8pPr marL="3200400" indent="0">
-              <a:buNone/>
-              <a:defRPr sz="2000"/>
-            </a:lvl8pPr>
-            <a:lvl9pPr marL="3657600" indent="0">
-              <a:buNone/>
-              <a:defRPr sz="2000"/>
-            </a:lvl9pPr>
-          </a:lstStyle>
-          <a:p>
-            <a:endParaRPr lang="en-US"/>
-          </a:p>
-        </p:txBody>
-      </p:sp>
-      <p:sp>
-        <p:nvSpPr>
-          <p:cNvPr id="4" name="Text Placeholder 3">
-            <a:extLst>
-              <a:ext uri="{FF2B5EF4-FFF2-40B4-BE49-F238E27FC236}">
-                <a16:creationId xmlns:a16="http://schemas.microsoft.com/office/drawing/2014/main" id="{8E47DDFF-500C-403F-BD37-14B4F5FF10CF}"/>
-              </a:ext>
-            </a:extLst>
-          </p:cNvPr>
-          <p:cNvSpPr>
-            <a:spLocks noGrp="1"/>
-          </p:cNvSpPr>
-          <p:nvPr>
-            <p:ph type="body" sz="half" idx="2"/>
-          </p:nvPr>
-        </p:nvSpPr>
-        <p:spPr>
-          <a:xfrm>
-            <a:off x="839788" y="2057400"/>
-            <a:ext cx="3932237" cy="3811588"/>
-          </a:xfrm>
-        </p:spPr>
-        <p:txBody>
-          <a:bodyPr/>
-          <a:lstStyle>
-            <a:lvl1pPr marL="0" indent="0">
+            <a:lvl1pPr marL="0" indent="0" algn="ctr">
               <a:buNone/>
               <a:defRPr sz="1600"/>
             </a:lvl1pPr>
             <a:lvl2pPr marL="457200" indent="0">
               <a:buNone/>
-              <a:defRPr sz="1400"/>
+              <a:defRPr sz="1600"/>
             </a:lvl2pPr>
             <a:lvl3pPr marL="914400" indent="0">
               <a:buNone/>
-              <a:defRPr sz="1200"/>
+              <a:defRPr sz="1600"/>
             </a:lvl3pPr>
             <a:lvl4pPr marL="1371600" indent="0">
               <a:buNone/>
-              <a:defRPr sz="1000"/>
+              <a:defRPr sz="1600"/>
             </a:lvl4pPr>
             <a:lvl5pPr marL="1828800" indent="0">
               <a:buNone/>
-              <a:defRPr sz="1000"/>
+              <a:defRPr sz="1600"/>
             </a:lvl5pPr>
             <a:lvl6pPr marL="2286000" indent="0">
               <a:buNone/>
-              <a:defRPr sz="1000"/>
+              <a:defRPr sz="1600"/>
             </a:lvl6pPr>
             <a:lvl7pPr marL="2743200" indent="0">
               <a:buNone/>
-              <a:defRPr sz="1000"/>
+              <a:defRPr sz="1600"/>
             </a:lvl7pPr>
             <a:lvl8pPr marL="3200400" indent="0">
               <a:buNone/>
-              <a:defRPr sz="1000"/>
+              <a:defRPr sz="1600"/>
             </a:lvl8pPr>
             <a:lvl9pPr marL="3657600" indent="0">
               <a:buNone/>
-              <a:defRPr sz="1000"/>
+              <a:defRPr sz="1600"/>
             </a:lvl9pPr>
           </a:lstStyle>
           <a:p>
+            <a:r>
+              <a:rPr lang="en-US"/>
+              <a:t>Click icon to add picture</a:t>
+            </a:r>
+            <a:endParaRPr lang="en-US" dirty="0"/>
+          </a:p>
+        </p:txBody>
+      </p:sp>
+      <p:sp>
+        <p:nvSpPr>
+          <p:cNvPr id="4" name="Text Placeholder 3"/>
+          <p:cNvSpPr>
+            <a:spLocks noGrp="1"/>
+          </p:cNvSpPr>
+          <p:nvPr>
+            <p:ph type="body" sz="half" idx="2"/>
+          </p:nvPr>
+        </p:nvSpPr>
+        <p:spPr>
+          <a:xfrm>
+            <a:off x="4722812" y="2777066"/>
+            <a:ext cx="6021388" cy="2048933"/>
+          </a:xfrm>
+        </p:spPr>
+        <p:txBody>
+          <a:bodyPr anchor="t">
+            <a:normAutofit/>
+          </a:bodyPr>
+          <a:lstStyle>
+            <a:lvl1pPr marL="0" indent="0">
+              <a:buNone/>
+              <a:defRPr sz="1800"/>
+            </a:lvl1pPr>
+            <a:lvl2pPr marL="457200" indent="0">
+              <a:buNone/>
+              <a:defRPr sz="1200"/>
+            </a:lvl2pPr>
+            <a:lvl3pPr marL="914400" indent="0">
+              <a:buNone/>
+              <a:defRPr sz="1000"/>
+            </a:lvl3pPr>
+            <a:lvl4pPr marL="1371600" indent="0">
+              <a:buNone/>
+              <a:defRPr sz="900"/>
+            </a:lvl4pPr>
+            <a:lvl5pPr marL="1828800" indent="0">
+              <a:buNone/>
+              <a:defRPr sz="900"/>
+            </a:lvl5pPr>
+            <a:lvl6pPr marL="2286000" indent="0">
+              <a:buNone/>
+              <a:defRPr sz="900"/>
+            </a:lvl6pPr>
+            <a:lvl7pPr marL="2743200" indent="0">
+              <a:buNone/>
+              <a:defRPr sz="900"/>
+            </a:lvl7pPr>
+            <a:lvl8pPr marL="3200400" indent="0">
+              <a:buNone/>
+              <a:defRPr sz="900"/>
+            </a:lvl8pPr>
+            <a:lvl9pPr marL="3657600" indent="0">
+              <a:buNone/>
+              <a:defRPr sz="900"/>
+            </a:lvl9pPr>
+          </a:lstStyle>
+          <a:p>
             <a:pPr lvl="0"/>
             <a:r>
               <a:rPr lang="en-US"/>
@@ -2659,13 +4429,7 @@
       </p:sp>
       <p:sp>
         <p:nvSpPr>
-          <p:cNvPr id="5" name="Date Placeholder 4">
-            <a:extLst>
-              <a:ext uri="{FF2B5EF4-FFF2-40B4-BE49-F238E27FC236}">
-                <a16:creationId xmlns:a16="http://schemas.microsoft.com/office/drawing/2014/main" id="{2D99ABA9-0B1E-40C0-B203-0C86CD198573}"/>
-              </a:ext>
-            </a:extLst>
-          </p:cNvPr>
+          <p:cNvPr id="5" name="Date Placeholder 4"/>
           <p:cNvSpPr>
             <a:spLocks noGrp="1"/>
           </p:cNvSpPr>
@@ -2680,7 +4444,7 @@
           <a:p>
             <a:fld id="{D5631127-A76B-4A35-A5FD-59E27004ABB4}" type="datetimeFigureOut">
               <a:rPr lang="en-US" smtClean="0"/>
-              <a:t>8/16/2021</a:t>
+              <a:t>8/20/2021</a:t>
             </a:fld>
             <a:endParaRPr lang="en-US"/>
           </a:p>
@@ -2688,13 +4452,7 @@
       </p:sp>
       <p:sp>
         <p:nvSpPr>
-          <p:cNvPr id="6" name="Footer Placeholder 5">
-            <a:extLst>
-              <a:ext uri="{FF2B5EF4-FFF2-40B4-BE49-F238E27FC236}">
-                <a16:creationId xmlns:a16="http://schemas.microsoft.com/office/drawing/2014/main" id="{24FDF8CF-9EBE-4417-AB07-D892142B80D8}"/>
-              </a:ext>
-            </a:extLst>
-          </p:cNvPr>
+          <p:cNvPr id="6" name="Footer Placeholder 5"/>
           <p:cNvSpPr>
             <a:spLocks noGrp="1"/>
           </p:cNvSpPr>
@@ -2713,13 +4471,7 @@
       </p:sp>
       <p:sp>
         <p:nvSpPr>
-          <p:cNvPr id="7" name="Slide Number Placeholder 6">
-            <a:extLst>
-              <a:ext uri="{FF2B5EF4-FFF2-40B4-BE49-F238E27FC236}">
-                <a16:creationId xmlns:a16="http://schemas.microsoft.com/office/drawing/2014/main" id="{20431DC1-8790-43CD-9615-2FDC6C3200B1}"/>
-              </a:ext>
-            </a:extLst>
-          </p:cNvPr>
+          <p:cNvPr id="7" name="Slide Number Placeholder 6"/>
           <p:cNvSpPr>
             <a:spLocks noGrp="1"/>
           </p:cNvSpPr>
@@ -2743,7 +4495,7 @@
     </p:spTree>
     <p:extLst>
       <p:ext uri="{BB962C8B-B14F-4D97-AF65-F5344CB8AC3E}">
-        <p14:creationId xmlns:p14="http://schemas.microsoft.com/office/powerpoint/2010/main" val="3802900545"/>
+        <p14:creationId xmlns:p14="http://schemas.microsoft.com/office/powerpoint/2010/main" val="2528175546"/>
       </p:ext>
     </p:extLst>
   </p:cSld>
@@ -2757,8 +4509,8 @@
 <p:sldMaster xmlns:a="http://schemas.openxmlformats.org/drawingml/2006/main" xmlns:r="http://schemas.openxmlformats.org/officeDocument/2006/relationships" xmlns:p="http://schemas.openxmlformats.org/presentationml/2006/main">
   <p:cSld>
     <p:bg>
-      <p:bgRef idx="1001">
-        <a:schemeClr val="bg1"/>
+      <p:bgRef idx="1002">
+        <a:schemeClr val="bg2"/>
       </p:bgRef>
     </p:bg>
     <p:spTree>
@@ -2775,15 +4527,199 @@
           <a:chExt cx="0" cy="0"/>
         </a:xfrm>
       </p:grpSpPr>
-      <p:sp>
-        <p:nvSpPr>
-          <p:cNvPr id="2" name="Title Placeholder 1">
-            <a:extLst>
-              <a:ext uri="{FF2B5EF4-FFF2-40B4-BE49-F238E27FC236}">
-                <a16:creationId xmlns:a16="http://schemas.microsoft.com/office/drawing/2014/main" id="{6754F47F-A58C-43AA-BAB0-102AAB213B75}"/>
-              </a:ext>
-            </a:extLst>
-          </p:cNvPr>
+      <p:grpSp>
+        <p:nvGrpSpPr>
+          <p:cNvPr id="7" name="Group 6"/>
+          <p:cNvGrpSpPr/>
+          <p:nvPr/>
+        </p:nvGrpSpPr>
+        <p:grpSpPr>
+          <a:xfrm>
+            <a:off x="9206969" y="2963333"/>
+            <a:ext cx="2981858" cy="3208867"/>
+            <a:chOff x="9206969" y="2963333"/>
+            <a:chExt cx="2981858" cy="3208867"/>
+          </a:xfrm>
+        </p:grpSpPr>
+        <p:cxnSp>
+          <p:nvCxnSpPr>
+            <p:cNvPr id="8" name="Straight Connector 7"/>
+            <p:cNvCxnSpPr/>
+            <p:nvPr/>
+          </p:nvCxnSpPr>
+          <p:spPr>
+            <a:xfrm flipH="1">
+              <a:off x="11276012" y="2963333"/>
+              <a:ext cx="912814" cy="912812"/>
+            </a:xfrm>
+            <a:prstGeom prst="line">
+              <a:avLst/>
+            </a:prstGeom>
+            <a:ln w="9525">
+              <a:solidFill>
+                <a:schemeClr val="tx1"/>
+              </a:solidFill>
+            </a:ln>
+          </p:spPr>
+          <p:style>
+            <a:lnRef idx="2">
+              <a:schemeClr val="accent1"/>
+            </a:lnRef>
+            <a:fillRef idx="0">
+              <a:schemeClr val="accent1"/>
+            </a:fillRef>
+            <a:effectRef idx="1">
+              <a:schemeClr val="accent1"/>
+            </a:effectRef>
+            <a:fontRef idx="minor">
+              <a:schemeClr val="tx1"/>
+            </a:fontRef>
+          </p:style>
+        </p:cxnSp>
+        <p:cxnSp>
+          <p:nvCxnSpPr>
+            <p:cNvPr id="9" name="Straight Connector 8"/>
+            <p:cNvCxnSpPr/>
+            <p:nvPr/>
+          </p:nvCxnSpPr>
+          <p:spPr>
+            <a:xfrm flipH="1">
+              <a:off x="9206969" y="3190344"/>
+              <a:ext cx="2981857" cy="2981856"/>
+            </a:xfrm>
+            <a:prstGeom prst="line">
+              <a:avLst/>
+            </a:prstGeom>
+            <a:ln w="9525">
+              <a:solidFill>
+                <a:schemeClr val="tx1"/>
+              </a:solidFill>
+            </a:ln>
+          </p:spPr>
+          <p:style>
+            <a:lnRef idx="2">
+              <a:schemeClr val="accent1"/>
+            </a:lnRef>
+            <a:fillRef idx="0">
+              <a:schemeClr val="accent1"/>
+            </a:fillRef>
+            <a:effectRef idx="1">
+              <a:schemeClr val="accent1"/>
+            </a:effectRef>
+            <a:fontRef idx="minor">
+              <a:schemeClr val="tx1"/>
+            </a:fontRef>
+          </p:style>
+        </p:cxnSp>
+        <p:cxnSp>
+          <p:nvCxnSpPr>
+            <p:cNvPr id="10" name="Straight Connector 9"/>
+            <p:cNvCxnSpPr/>
+            <p:nvPr/>
+          </p:nvCxnSpPr>
+          <p:spPr>
+            <a:xfrm flipH="1">
+              <a:off x="10292292" y="3285067"/>
+              <a:ext cx="1896534" cy="1896533"/>
+            </a:xfrm>
+            <a:prstGeom prst="line">
+              <a:avLst/>
+            </a:prstGeom>
+            <a:ln w="9525">
+              <a:solidFill>
+                <a:schemeClr val="tx1"/>
+              </a:solidFill>
+            </a:ln>
+          </p:spPr>
+          <p:style>
+            <a:lnRef idx="2">
+              <a:schemeClr val="accent1"/>
+            </a:lnRef>
+            <a:fillRef idx="0">
+              <a:schemeClr val="accent1"/>
+            </a:fillRef>
+            <a:effectRef idx="1">
+              <a:schemeClr val="accent1"/>
+            </a:effectRef>
+            <a:fontRef idx="minor">
+              <a:schemeClr val="tx1"/>
+            </a:fontRef>
+          </p:style>
+        </p:cxnSp>
+        <p:cxnSp>
+          <p:nvCxnSpPr>
+            <p:cNvPr id="11" name="Straight Connector 10"/>
+            <p:cNvCxnSpPr/>
+            <p:nvPr/>
+          </p:nvCxnSpPr>
+          <p:spPr>
+            <a:xfrm flipH="1">
+              <a:off x="10443103" y="3131080"/>
+              <a:ext cx="1745722" cy="1745720"/>
+            </a:xfrm>
+            <a:prstGeom prst="line">
+              <a:avLst/>
+            </a:prstGeom>
+            <a:ln w="28575">
+              <a:solidFill>
+                <a:schemeClr val="tx1"/>
+              </a:solidFill>
+            </a:ln>
+          </p:spPr>
+          <p:style>
+            <a:lnRef idx="2">
+              <a:schemeClr val="accent1"/>
+            </a:lnRef>
+            <a:fillRef idx="0">
+              <a:schemeClr val="accent1"/>
+            </a:fillRef>
+            <a:effectRef idx="1">
+              <a:schemeClr val="accent1"/>
+            </a:effectRef>
+            <a:fontRef idx="minor">
+              <a:schemeClr val="tx1"/>
+            </a:fontRef>
+          </p:style>
+        </p:cxnSp>
+        <p:cxnSp>
+          <p:nvCxnSpPr>
+            <p:cNvPr id="12" name="Straight Connector 11"/>
+            <p:cNvCxnSpPr/>
+            <p:nvPr/>
+          </p:nvCxnSpPr>
+          <p:spPr>
+            <a:xfrm flipH="1">
+              <a:off x="10918826" y="3683001"/>
+              <a:ext cx="1270001" cy="1269999"/>
+            </a:xfrm>
+            <a:prstGeom prst="line">
+              <a:avLst/>
+            </a:prstGeom>
+            <a:ln w="28575">
+              <a:solidFill>
+                <a:schemeClr val="tx1"/>
+              </a:solidFill>
+            </a:ln>
+          </p:spPr>
+          <p:style>
+            <a:lnRef idx="2">
+              <a:schemeClr val="accent1"/>
+            </a:lnRef>
+            <a:fillRef idx="0">
+              <a:schemeClr val="accent1"/>
+            </a:fillRef>
+            <a:effectRef idx="1">
+              <a:schemeClr val="accent1"/>
+            </a:effectRef>
+            <a:fontRef idx="minor">
+              <a:schemeClr val="tx1"/>
+            </a:fontRef>
+          </p:style>
+        </p:cxnSp>
+      </p:grpSp>
+      <p:sp>
+        <p:nvSpPr>
+          <p:cNvPr id="2" name="Title Placeholder 1"/>
           <p:cNvSpPr>
             <a:spLocks noGrp="1"/>
           </p:cNvSpPr>
@@ -2793,12 +4729,13 @@
         </p:nvSpPr>
         <p:spPr>
           <a:xfrm>
-            <a:off x="838200" y="365125"/>
-            <a:ext cx="10515600" cy="1325563"/>
+            <a:off x="684212" y="4487332"/>
+            <a:ext cx="8534400" cy="1507067"/>
           </a:xfrm>
           <a:prstGeom prst="rect">
             <a:avLst/>
           </a:prstGeom>
+          <a:effectLst/>
         </p:spPr>
         <p:txBody>
           <a:bodyPr vert="horz" lIns="91440" tIns="45720" rIns="91440" bIns="45720" rtlCol="0" anchor="ctr">
@@ -2810,18 +4747,13 @@
               <a:rPr lang="en-US"/>
               <a:t>Click to edit Master title style</a:t>
             </a:r>
-          </a:p>
-        </p:txBody>
-      </p:sp>
-      <p:sp>
-        <p:nvSpPr>
-          <p:cNvPr id="3" name="Text Placeholder 2">
-            <a:extLst>
-              <a:ext uri="{FF2B5EF4-FFF2-40B4-BE49-F238E27FC236}">
-                <a16:creationId xmlns:a16="http://schemas.microsoft.com/office/drawing/2014/main" id="{3C3D8EE8-BC2B-4926-8C5A-28A8FB490B88}"/>
-              </a:ext>
-            </a:extLst>
-          </p:cNvPr>
+            <a:endParaRPr lang="en-US" dirty="0"/>
+          </a:p>
+        </p:txBody>
+      </p:sp>
+      <p:sp>
+        <p:nvSpPr>
+          <p:cNvPr id="3" name="Text Placeholder 2"/>
           <p:cNvSpPr>
             <a:spLocks noGrp="1"/>
           </p:cNvSpPr>
@@ -2831,15 +4763,15 @@
         </p:nvSpPr>
         <p:spPr>
           <a:xfrm>
-            <a:off x="838200" y="1825625"/>
-            <a:ext cx="10515600" cy="4351338"/>
+            <a:off x="684212" y="685800"/>
+            <a:ext cx="8534400" cy="3615267"/>
           </a:xfrm>
           <a:prstGeom prst="rect">
             <a:avLst/>
           </a:prstGeom>
         </p:spPr>
         <p:txBody>
-          <a:bodyPr vert="horz" lIns="91440" tIns="45720" rIns="91440" bIns="45720" rtlCol="0">
+          <a:bodyPr vert="horz" lIns="91440" tIns="45720" rIns="91440" bIns="45720" rtlCol="0" anchor="ctr">
             <a:normAutofit/>
           </a:bodyPr>
           <a:lstStyle/>
@@ -2877,18 +4809,13 @@
               <a:rPr lang="en-US"/>
               <a:t>Fifth level</a:t>
             </a:r>
-          </a:p>
-        </p:txBody>
-      </p:sp>
-      <p:sp>
-        <p:nvSpPr>
-          <p:cNvPr id="4" name="Date Placeholder 3">
-            <a:extLst>
-              <a:ext uri="{FF2B5EF4-FFF2-40B4-BE49-F238E27FC236}">
-                <a16:creationId xmlns:a16="http://schemas.microsoft.com/office/drawing/2014/main" id="{FE27ED0A-3680-4910-BF96-C6F26B109B8A}"/>
-              </a:ext>
-            </a:extLst>
-          </p:cNvPr>
+            <a:endParaRPr lang="en-US" dirty="0"/>
+          </a:p>
+        </p:txBody>
+      </p:sp>
+      <p:sp>
+        <p:nvSpPr>
+          <p:cNvPr id="4" name="Date Placeholder 3"/>
           <p:cNvSpPr>
             <a:spLocks noGrp="1"/>
           </p:cNvSpPr>
@@ -2898,30 +4825,32 @@
         </p:nvSpPr>
         <p:spPr>
           <a:xfrm>
-            <a:off x="838200" y="6356350"/>
-            <a:ext cx="2743200" cy="365125"/>
+            <a:off x="9904412" y="6172200"/>
+            <a:ext cx="1600200" cy="365125"/>
           </a:xfrm>
           <a:prstGeom prst="rect">
             <a:avLst/>
           </a:prstGeom>
         </p:spPr>
         <p:txBody>
-          <a:bodyPr vert="horz" lIns="91440" tIns="45720" rIns="91440" bIns="45720" rtlCol="0" anchor="ctr"/>
+          <a:bodyPr vert="horz" lIns="91440" tIns="45720" rIns="91440" bIns="45720" rtlCol="0" anchor="t"/>
           <a:lstStyle>
-            <a:lvl1pPr algn="l">
-              <a:defRPr sz="1200">
+            <a:lvl1pPr algn="r">
+              <a:defRPr sz="1000" b="0" i="0">
                 <a:solidFill>
-                  <a:schemeClr val="tx1">
-                    <a:tint val="75000"/>
+                  <a:schemeClr val="bg2">
+                    <a:lumMod val="50000"/>
                   </a:schemeClr>
                 </a:solidFill>
+                <a:effectLst/>
+                <a:latin typeface="+mn-lt"/>
               </a:defRPr>
             </a:lvl1pPr>
           </a:lstStyle>
           <a:p>
             <a:fld id="{D5631127-A76B-4A35-A5FD-59E27004ABB4}" type="datetimeFigureOut">
               <a:rPr lang="en-US" smtClean="0"/>
-              <a:t>8/16/2021</a:t>
+              <a:t>8/20/2021</a:t>
             </a:fld>
             <a:endParaRPr lang="en-US"/>
           </a:p>
@@ -2929,13 +4858,7 @@
       </p:sp>
       <p:sp>
         <p:nvSpPr>
-          <p:cNvPr id="5" name="Footer Placeholder 4">
-            <a:extLst>
-              <a:ext uri="{FF2B5EF4-FFF2-40B4-BE49-F238E27FC236}">
-                <a16:creationId xmlns:a16="http://schemas.microsoft.com/office/drawing/2014/main" id="{798DA402-6969-4C78-B33F-EE0317E39854}"/>
-              </a:ext>
-            </a:extLst>
-          </p:cNvPr>
+          <p:cNvPr id="5" name="Footer Placeholder 4"/>
           <p:cNvSpPr>
             <a:spLocks noGrp="1"/>
           </p:cNvSpPr>
@@ -2945,23 +4868,25 @@
         </p:nvSpPr>
         <p:spPr>
           <a:xfrm>
-            <a:off x="4038600" y="6356350"/>
-            <a:ext cx="4114800" cy="365125"/>
+            <a:off x="684212" y="6172200"/>
+            <a:ext cx="7543800" cy="365125"/>
           </a:xfrm>
           <a:prstGeom prst="rect">
             <a:avLst/>
           </a:prstGeom>
         </p:spPr>
         <p:txBody>
-          <a:bodyPr vert="horz" lIns="91440" tIns="45720" rIns="91440" bIns="45720" rtlCol="0" anchor="ctr"/>
+          <a:bodyPr vert="horz" lIns="91440" tIns="45720" rIns="91440" bIns="45720" rtlCol="0" anchor="t"/>
           <a:lstStyle>
-            <a:lvl1pPr algn="ctr">
-              <a:defRPr sz="1200">
+            <a:lvl1pPr algn="l">
+              <a:defRPr sz="1000" b="0" i="0">
                 <a:solidFill>
-                  <a:schemeClr val="tx1">
-                    <a:tint val="75000"/>
+                  <a:schemeClr val="bg2">
+                    <a:lumMod val="50000"/>
                   </a:schemeClr>
                 </a:solidFill>
+                <a:effectLst/>
+                <a:latin typeface="+mn-lt"/>
               </a:defRPr>
             </a:lvl1pPr>
           </a:lstStyle>
@@ -2972,13 +4897,7 @@
       </p:sp>
       <p:sp>
         <p:nvSpPr>
-          <p:cNvPr id="6" name="Slide Number Placeholder 5">
-            <a:extLst>
-              <a:ext uri="{FF2B5EF4-FFF2-40B4-BE49-F238E27FC236}">
-                <a16:creationId xmlns:a16="http://schemas.microsoft.com/office/drawing/2014/main" id="{D1960F64-D438-459B-9CEE-DCFBDD434353}"/>
-              </a:ext>
-            </a:extLst>
-          </p:cNvPr>
+          <p:cNvPr id="6" name="Slide Number Placeholder 5"/>
           <p:cNvSpPr>
             <a:spLocks noGrp="1"/>
           </p:cNvSpPr>
@@ -2988,23 +4907,25 @@
         </p:nvSpPr>
         <p:spPr>
           <a:xfrm>
-            <a:off x="8610600" y="6356350"/>
-            <a:ext cx="2743200" cy="365125"/>
+            <a:off x="10363200" y="5578475"/>
+            <a:ext cx="1142245" cy="669925"/>
           </a:xfrm>
           <a:prstGeom prst="rect">
             <a:avLst/>
           </a:prstGeom>
         </p:spPr>
         <p:txBody>
-          <a:bodyPr vert="horz" lIns="91440" tIns="45720" rIns="91440" bIns="45720" rtlCol="0" anchor="ctr"/>
+          <a:bodyPr vert="horz" lIns="91440" tIns="45720" rIns="91440" bIns="45720" rtlCol="0" anchor="b"/>
           <a:lstStyle>
             <a:lvl1pPr algn="r">
-              <a:defRPr sz="1200">
+              <a:defRPr sz="3200" b="0" i="0">
                 <a:solidFill>
-                  <a:schemeClr val="tx1">
-                    <a:tint val="75000"/>
+                  <a:schemeClr val="bg2">
+                    <a:lumMod val="50000"/>
                   </a:schemeClr>
                 </a:solidFill>
+                <a:effectLst/>
+                <a:latin typeface="+mn-lt"/>
               </a:defRPr>
             </a:lvl1pPr>
           </a:lstStyle>
@@ -3020,202 +4941,328 @@
     </p:spTree>
     <p:extLst>
       <p:ext uri="{BB962C8B-B14F-4D97-AF65-F5344CB8AC3E}">
-        <p14:creationId xmlns:p14="http://schemas.microsoft.com/office/powerpoint/2010/main" val="4003363165"/>
+        <p14:creationId xmlns:p14="http://schemas.microsoft.com/office/powerpoint/2010/main" val="2781484247"/>
       </p:ext>
     </p:extLst>
   </p:cSld>
-  <p:clrMap bg1="lt1" tx1="dk1" bg2="lt2" tx2="dk2" accent1="accent1" accent2="accent2" accent3="accent3" accent4="accent4" accent5="accent5" accent6="accent6" hlink="hlink" folHlink="folHlink"/>
+  <p:clrMap bg1="dk1" tx1="lt1" bg2="dk2" tx2="lt2" accent1="accent1" accent2="accent2" accent3="accent3" accent4="accent4" accent5="accent5" accent6="accent6" hlink="hlink" folHlink="folHlink"/>
   <p:sldLayoutIdLst>
-    <p:sldLayoutId id="2147483649" r:id="rId1"/>
-    <p:sldLayoutId id="2147483650" r:id="rId2"/>
-    <p:sldLayoutId id="2147483651" r:id="rId3"/>
-    <p:sldLayoutId id="2147483652" r:id="rId4"/>
-    <p:sldLayoutId id="2147483653" r:id="rId5"/>
-    <p:sldLayoutId id="2147483654" r:id="rId6"/>
-    <p:sldLayoutId id="2147483655" r:id="rId7"/>
-    <p:sldLayoutId id="2147483656" r:id="rId8"/>
-    <p:sldLayoutId id="2147483657" r:id="rId9"/>
-    <p:sldLayoutId id="2147483658" r:id="rId10"/>
-    <p:sldLayoutId id="2147483659" r:id="rId11"/>
+    <p:sldLayoutId id="2147483661" r:id="rId1"/>
+    <p:sldLayoutId id="2147483662" r:id="rId2"/>
+    <p:sldLayoutId id="2147483663" r:id="rId3"/>
+    <p:sldLayoutId id="2147483664" r:id="rId4"/>
+    <p:sldLayoutId id="2147483665" r:id="rId5"/>
+    <p:sldLayoutId id="2147483666" r:id="rId6"/>
+    <p:sldLayoutId id="2147483667" r:id="rId7"/>
+    <p:sldLayoutId id="2147483668" r:id="rId8"/>
+    <p:sldLayoutId id="2147483669" r:id="rId9"/>
+    <p:sldLayoutId id="2147483670" r:id="rId10"/>
+    <p:sldLayoutId id="2147483671" r:id="rId11"/>
+    <p:sldLayoutId id="2147483672" r:id="rId12"/>
+    <p:sldLayoutId id="2147483673" r:id="rId13"/>
+    <p:sldLayoutId id="2147483674" r:id="rId14"/>
+    <p:sldLayoutId id="2147483675" r:id="rId15"/>
+    <p:sldLayoutId id="2147483676" r:id="rId16"/>
+    <p:sldLayoutId id="2147483677" r:id="rId17"/>
   </p:sldLayoutIdLst>
   <p:txStyles>
     <p:titleStyle>
-      <a:lvl1pPr algn="l" defTabSz="914400" rtl="0" eaLnBrk="1" latinLnBrk="0" hangingPunct="1">
-        <a:lnSpc>
-          <a:spcPct val="90000"/>
-        </a:lnSpc>
+      <a:lvl1pPr algn="l" defTabSz="457200" rtl="0" eaLnBrk="1" latinLnBrk="0" hangingPunct="1">
         <a:spcBef>
           <a:spcPct val="0"/>
         </a:spcBef>
         <a:buNone/>
-        <a:defRPr sz="4400" kern="1200">
+        <a:defRPr sz="3600" kern="1200" cap="all">
+          <a:ln w="3175" cmpd="sng">
+            <a:noFill/>
+          </a:ln>
           <a:solidFill>
             <a:schemeClr val="tx1"/>
           </a:solidFill>
+          <a:effectLst/>
           <a:latin typeface="+mj-lt"/>
           <a:ea typeface="+mj-ea"/>
           <a:cs typeface="+mj-cs"/>
         </a:defRPr>
       </a:lvl1pPr>
+      <a:lvl2pPr eaLnBrk="1" hangingPunct="1">
+        <a:defRPr>
+          <a:solidFill>
+            <a:schemeClr val="tx2"/>
+          </a:solidFill>
+        </a:defRPr>
+      </a:lvl2pPr>
+      <a:lvl3pPr eaLnBrk="1" hangingPunct="1">
+        <a:defRPr>
+          <a:solidFill>
+            <a:schemeClr val="tx2"/>
+          </a:solidFill>
+        </a:defRPr>
+      </a:lvl3pPr>
+      <a:lvl4pPr eaLnBrk="1" hangingPunct="1">
+        <a:defRPr>
+          <a:solidFill>
+            <a:schemeClr val="tx2"/>
+          </a:solidFill>
+        </a:defRPr>
+      </a:lvl4pPr>
+      <a:lvl5pPr eaLnBrk="1" hangingPunct="1">
+        <a:defRPr>
+          <a:solidFill>
+            <a:schemeClr val="tx2"/>
+          </a:solidFill>
+        </a:defRPr>
+      </a:lvl5pPr>
+      <a:lvl6pPr eaLnBrk="1" hangingPunct="1">
+        <a:defRPr>
+          <a:solidFill>
+            <a:schemeClr val="tx2"/>
+          </a:solidFill>
+        </a:defRPr>
+      </a:lvl6pPr>
+      <a:lvl7pPr eaLnBrk="1" hangingPunct="1">
+        <a:defRPr>
+          <a:solidFill>
+            <a:schemeClr val="tx2"/>
+          </a:solidFill>
+        </a:defRPr>
+      </a:lvl7pPr>
+      <a:lvl8pPr eaLnBrk="1" hangingPunct="1">
+        <a:defRPr>
+          <a:solidFill>
+            <a:schemeClr val="tx2"/>
+          </a:solidFill>
+        </a:defRPr>
+      </a:lvl8pPr>
+      <a:lvl9pPr eaLnBrk="1" hangingPunct="1">
+        <a:defRPr>
+          <a:solidFill>
+            <a:schemeClr val="tx2"/>
+          </a:solidFill>
+        </a:defRPr>
+      </a:lvl9pPr>
     </p:titleStyle>
     <p:bodyStyle>
-      <a:lvl1pPr marL="228600" indent="-228600" algn="l" defTabSz="914400" rtl="0" eaLnBrk="1" latinLnBrk="0" hangingPunct="1">
-        <a:lnSpc>
-          <a:spcPct val="90000"/>
-        </a:lnSpc>
+      <a:lvl1pPr marL="285750" indent="-285750" algn="l" defTabSz="457200" rtl="0" eaLnBrk="1" latinLnBrk="0" hangingPunct="1">
         <a:spcBef>
-          <a:spcPts val="1000"/>
+          <a:spcPct val="20000"/>
         </a:spcBef>
-        <a:buFont typeface="Arial" panose="020B0604020202020204" pitchFamily="34" charset="0"/>
-        <a:buChar char="•"/>
-        <a:defRPr sz="2800" kern="1200">
+        <a:spcAft>
+          <a:spcPts val="600"/>
+        </a:spcAft>
+        <a:buClr>
+          <a:schemeClr val="tx1"/>
+        </a:buClr>
+        <a:buSzPct val="80000"/>
+        <a:buFont typeface="Wingdings 3" panose="05040102010807070707" pitchFamily="18" charset="2"/>
+        <a:buChar char=""/>
+        <a:defRPr sz="2000" kern="1200" cap="none">
           <a:solidFill>
-            <a:schemeClr val="tx1"/>
+            <a:schemeClr val="bg2">
+              <a:lumMod val="75000"/>
+            </a:schemeClr>
           </a:solidFill>
+          <a:effectLst/>
           <a:latin typeface="+mn-lt"/>
           <a:ea typeface="+mn-ea"/>
           <a:cs typeface="+mn-cs"/>
         </a:defRPr>
       </a:lvl1pPr>
-      <a:lvl2pPr marL="685800" indent="-228600" algn="l" defTabSz="914400" rtl="0" eaLnBrk="1" latinLnBrk="0" hangingPunct="1">
-        <a:lnSpc>
-          <a:spcPct val="90000"/>
-        </a:lnSpc>
+      <a:lvl2pPr marL="742950" indent="-285750" algn="l" defTabSz="457200" rtl="0" eaLnBrk="1" latinLnBrk="0" hangingPunct="1">
         <a:spcBef>
-          <a:spcPts val="500"/>
+          <a:spcPct val="20000"/>
         </a:spcBef>
-        <a:buFont typeface="Arial" panose="020B0604020202020204" pitchFamily="34" charset="0"/>
-        <a:buChar char="•"/>
-        <a:defRPr sz="2400" kern="1200">
+        <a:spcAft>
+          <a:spcPts val="600"/>
+        </a:spcAft>
+        <a:buClr>
+          <a:schemeClr val="tx1"/>
+        </a:buClr>
+        <a:buSzPct val="80000"/>
+        <a:buFont typeface="Wingdings 3" panose="05040102010807070707" pitchFamily="18" charset="2"/>
+        <a:buChar char=""/>
+        <a:defRPr sz="1800" kern="1200" cap="none">
           <a:solidFill>
-            <a:schemeClr val="tx1"/>
+            <a:schemeClr val="bg2">
+              <a:lumMod val="75000"/>
+            </a:schemeClr>
           </a:solidFill>
+          <a:effectLst/>
           <a:latin typeface="+mn-lt"/>
           <a:ea typeface="+mn-ea"/>
           <a:cs typeface="+mn-cs"/>
         </a:defRPr>
       </a:lvl2pPr>
-      <a:lvl3pPr marL="1143000" indent="-228600" algn="l" defTabSz="914400" rtl="0" eaLnBrk="1" latinLnBrk="0" hangingPunct="1">
-        <a:lnSpc>
-          <a:spcPct val="90000"/>
-        </a:lnSpc>
+      <a:lvl3pPr marL="1200150" indent="-285750" algn="l" defTabSz="457200" rtl="0" eaLnBrk="1" latinLnBrk="0" hangingPunct="1">
         <a:spcBef>
-          <a:spcPts val="500"/>
+          <a:spcPct val="20000"/>
         </a:spcBef>
-        <a:buFont typeface="Arial" panose="020B0604020202020204" pitchFamily="34" charset="0"/>
-        <a:buChar char="•"/>
-        <a:defRPr sz="2000" kern="1200">
+        <a:spcAft>
+          <a:spcPts val="600"/>
+        </a:spcAft>
+        <a:buClr>
+          <a:schemeClr val="tx1"/>
+        </a:buClr>
+        <a:buSzPct val="80000"/>
+        <a:buFont typeface="Wingdings 3" panose="05040102010807070707" pitchFamily="18" charset="2"/>
+        <a:buChar char=""/>
+        <a:defRPr sz="1600" kern="1200" cap="none">
           <a:solidFill>
-            <a:schemeClr val="tx1"/>
+            <a:schemeClr val="bg2">
+              <a:lumMod val="75000"/>
+            </a:schemeClr>
           </a:solidFill>
+          <a:effectLst/>
           <a:latin typeface="+mn-lt"/>
           <a:ea typeface="+mn-ea"/>
           <a:cs typeface="+mn-cs"/>
         </a:defRPr>
       </a:lvl3pPr>
-      <a:lvl4pPr marL="1600200" indent="-228600" algn="l" defTabSz="914400" rtl="0" eaLnBrk="1" latinLnBrk="0" hangingPunct="1">
-        <a:lnSpc>
-          <a:spcPct val="90000"/>
-        </a:lnSpc>
+      <a:lvl4pPr marL="1543050" indent="-171450" algn="l" defTabSz="457200" rtl="0" eaLnBrk="1" latinLnBrk="0" hangingPunct="1">
         <a:spcBef>
-          <a:spcPts val="500"/>
+          <a:spcPct val="20000"/>
         </a:spcBef>
-        <a:buFont typeface="Arial" panose="020B0604020202020204" pitchFamily="34" charset="0"/>
-        <a:buChar char="•"/>
-        <a:defRPr sz="1800" kern="1200">
+        <a:spcAft>
+          <a:spcPts val="600"/>
+        </a:spcAft>
+        <a:buClr>
+          <a:schemeClr val="tx1"/>
+        </a:buClr>
+        <a:buSzPct val="80000"/>
+        <a:buFont typeface="Wingdings 3" panose="05040102010807070707" pitchFamily="18" charset="2"/>
+        <a:buChar char=""/>
+        <a:defRPr sz="1400" kern="1200" cap="none">
           <a:solidFill>
-            <a:schemeClr val="tx1"/>
+            <a:schemeClr val="bg2">
+              <a:lumMod val="75000"/>
+            </a:schemeClr>
           </a:solidFill>
+          <a:effectLst/>
           <a:latin typeface="+mn-lt"/>
           <a:ea typeface="+mn-ea"/>
           <a:cs typeface="+mn-cs"/>
         </a:defRPr>
       </a:lvl4pPr>
-      <a:lvl5pPr marL="2057400" indent="-228600" algn="l" defTabSz="914400" rtl="0" eaLnBrk="1" latinLnBrk="0" hangingPunct="1">
-        <a:lnSpc>
-          <a:spcPct val="90000"/>
-        </a:lnSpc>
+      <a:lvl5pPr marL="2000250" indent="-171450" algn="l" defTabSz="457200" rtl="0" eaLnBrk="1" latinLnBrk="0" hangingPunct="1">
         <a:spcBef>
-          <a:spcPts val="500"/>
+          <a:spcPct val="20000"/>
         </a:spcBef>
-        <a:buFont typeface="Arial" panose="020B0604020202020204" pitchFamily="34" charset="0"/>
-        <a:buChar char="•"/>
-        <a:defRPr sz="1800" kern="1200">
+        <a:spcAft>
+          <a:spcPts val="600"/>
+        </a:spcAft>
+        <a:buClr>
+          <a:schemeClr val="tx1"/>
+        </a:buClr>
+        <a:buSzPct val="80000"/>
+        <a:buFont typeface="Wingdings 3" panose="05040102010807070707" pitchFamily="18" charset="2"/>
+        <a:buChar char=""/>
+        <a:defRPr sz="1400" kern="1200" cap="none">
           <a:solidFill>
-            <a:schemeClr val="tx1"/>
+            <a:schemeClr val="bg2">
+              <a:lumMod val="75000"/>
+            </a:schemeClr>
           </a:solidFill>
+          <a:effectLst/>
           <a:latin typeface="+mn-lt"/>
           <a:ea typeface="+mn-ea"/>
           <a:cs typeface="+mn-cs"/>
         </a:defRPr>
       </a:lvl5pPr>
-      <a:lvl6pPr marL="2514600" indent="-228600" algn="l" defTabSz="914400" rtl="0" eaLnBrk="1" latinLnBrk="0" hangingPunct="1">
-        <a:lnSpc>
-          <a:spcPct val="90000"/>
-        </a:lnSpc>
+      <a:lvl6pPr marL="2514600" indent="-228600" algn="l" defTabSz="457200" rtl="0" eaLnBrk="1" latinLnBrk="0" hangingPunct="1">
         <a:spcBef>
-          <a:spcPts val="500"/>
+          <a:spcPct val="20000"/>
         </a:spcBef>
-        <a:buFont typeface="Arial" panose="020B0604020202020204" pitchFamily="34" charset="0"/>
-        <a:buChar char="•"/>
-        <a:defRPr sz="1800" kern="1200">
+        <a:spcAft>
+          <a:spcPts val="600"/>
+        </a:spcAft>
+        <a:buClr>
+          <a:schemeClr val="tx1"/>
+        </a:buClr>
+        <a:buSzPct val="80000"/>
+        <a:buFont typeface="Wingdings 3" panose="05040102010807070707" pitchFamily="18" charset="2"/>
+        <a:buChar char=""/>
+        <a:defRPr sz="1400" kern="1200" cap="none">
           <a:solidFill>
-            <a:schemeClr val="tx1"/>
+            <a:schemeClr val="bg2">
+              <a:lumMod val="75000"/>
+            </a:schemeClr>
           </a:solidFill>
+          <a:effectLst/>
           <a:latin typeface="+mn-lt"/>
           <a:ea typeface="+mn-ea"/>
           <a:cs typeface="+mn-cs"/>
         </a:defRPr>
       </a:lvl6pPr>
-      <a:lvl7pPr marL="2971800" indent="-228600" algn="l" defTabSz="914400" rtl="0" eaLnBrk="1" latinLnBrk="0" hangingPunct="1">
-        <a:lnSpc>
-          <a:spcPct val="90000"/>
-        </a:lnSpc>
+      <a:lvl7pPr marL="2971800" indent="-228600" algn="l" defTabSz="457200" rtl="0" eaLnBrk="1" latinLnBrk="0" hangingPunct="1">
         <a:spcBef>
-          <a:spcPts val="500"/>
+          <a:spcPct val="20000"/>
         </a:spcBef>
-        <a:buFont typeface="Arial" panose="020B0604020202020204" pitchFamily="34" charset="0"/>
-        <a:buChar char="•"/>
-        <a:defRPr sz="1800" kern="1200">
+        <a:spcAft>
+          <a:spcPts val="600"/>
+        </a:spcAft>
+        <a:buClr>
+          <a:schemeClr val="tx1"/>
+        </a:buClr>
+        <a:buSzPct val="80000"/>
+        <a:buFont typeface="Wingdings 3" panose="05040102010807070707" pitchFamily="18" charset="2"/>
+        <a:buChar char=""/>
+        <a:defRPr sz="1400" kern="1200" cap="none">
           <a:solidFill>
-            <a:schemeClr val="tx1"/>
+            <a:schemeClr val="bg2">
+              <a:lumMod val="75000"/>
+            </a:schemeClr>
           </a:solidFill>
+          <a:effectLst/>
           <a:latin typeface="+mn-lt"/>
           <a:ea typeface="+mn-ea"/>
           <a:cs typeface="+mn-cs"/>
         </a:defRPr>
       </a:lvl7pPr>
-      <a:lvl8pPr marL="3429000" indent="-228600" algn="l" defTabSz="914400" rtl="0" eaLnBrk="1" latinLnBrk="0" hangingPunct="1">
-        <a:lnSpc>
-          <a:spcPct val="90000"/>
-        </a:lnSpc>
+      <a:lvl8pPr marL="3429000" indent="-228600" algn="l" defTabSz="457200" rtl="0" eaLnBrk="1" latinLnBrk="0" hangingPunct="1">
         <a:spcBef>
-          <a:spcPts val="500"/>
+          <a:spcPct val="20000"/>
         </a:spcBef>
-        <a:buFont typeface="Arial" panose="020B0604020202020204" pitchFamily="34" charset="0"/>
-        <a:buChar char="•"/>
-        <a:defRPr sz="1800" kern="1200">
+        <a:spcAft>
+          <a:spcPts val="600"/>
+        </a:spcAft>
+        <a:buClr>
+          <a:schemeClr val="tx1"/>
+        </a:buClr>
+        <a:buSzPct val="80000"/>
+        <a:buFont typeface="Wingdings 3" panose="05040102010807070707" pitchFamily="18" charset="2"/>
+        <a:buChar char=""/>
+        <a:defRPr sz="1400" kern="1200" cap="none">
           <a:solidFill>
-            <a:schemeClr val="tx1"/>
+            <a:schemeClr val="bg2">
+              <a:lumMod val="75000"/>
+            </a:schemeClr>
           </a:solidFill>
+          <a:effectLst/>
           <a:latin typeface="+mn-lt"/>
           <a:ea typeface="+mn-ea"/>
           <a:cs typeface="+mn-cs"/>
         </a:defRPr>
       </a:lvl8pPr>
-      <a:lvl9pPr marL="3886200" indent="-228600" algn="l" defTabSz="914400" rtl="0" eaLnBrk="1" latinLnBrk="0" hangingPunct="1">
-        <a:lnSpc>
-          <a:spcPct val="90000"/>
-        </a:lnSpc>
+      <a:lvl9pPr marL="3886200" indent="-228600" algn="l" defTabSz="457200" rtl="0" eaLnBrk="1" latinLnBrk="0" hangingPunct="1">
         <a:spcBef>
-          <a:spcPts val="500"/>
+          <a:spcPct val="20000"/>
         </a:spcBef>
-        <a:buFont typeface="Arial" panose="020B0604020202020204" pitchFamily="34" charset="0"/>
-        <a:buChar char="•"/>
-        <a:defRPr sz="1800" kern="1200">
+        <a:spcAft>
+          <a:spcPts val="600"/>
+        </a:spcAft>
+        <a:buClr>
+          <a:schemeClr val="tx1"/>
+        </a:buClr>
+        <a:buSzPct val="80000"/>
+        <a:buFont typeface="Wingdings 3" panose="05040102010807070707" pitchFamily="18" charset="2"/>
+        <a:buChar char=""/>
+        <a:defRPr sz="1400" kern="1200" cap="none">
           <a:solidFill>
-            <a:schemeClr val="tx1"/>
+            <a:schemeClr val="bg2">
+              <a:lumMod val="75000"/>
+            </a:schemeClr>
           </a:solidFill>
+          <a:effectLst/>
           <a:latin typeface="+mn-lt"/>
           <a:ea typeface="+mn-ea"/>
           <a:cs typeface="+mn-cs"/>
@@ -3226,7 +5273,7 @@
       <a:defPPr>
         <a:defRPr lang="en-US"/>
       </a:defPPr>
-      <a:lvl1pPr marL="0" algn="l" defTabSz="914400" rtl="0" eaLnBrk="1" latinLnBrk="0" hangingPunct="1">
+      <a:lvl1pPr marL="0" algn="l" defTabSz="457200" rtl="0" eaLnBrk="1" latinLnBrk="0" hangingPunct="1">
         <a:defRPr sz="1800" kern="1200">
           <a:solidFill>
             <a:schemeClr val="tx1"/>
@@ -3236,7 +5283,7 @@
           <a:cs typeface="+mn-cs"/>
         </a:defRPr>
       </a:lvl1pPr>
-      <a:lvl2pPr marL="457200" algn="l" defTabSz="914400" rtl="0" eaLnBrk="1" latinLnBrk="0" hangingPunct="1">
+      <a:lvl2pPr marL="457200" algn="l" defTabSz="457200" rtl="0" eaLnBrk="1" latinLnBrk="0" hangingPunct="1">
         <a:defRPr sz="1800" kern="1200">
           <a:solidFill>
             <a:schemeClr val="tx1"/>
@@ -3246,7 +5293,7 @@
           <a:cs typeface="+mn-cs"/>
         </a:defRPr>
       </a:lvl2pPr>
-      <a:lvl3pPr marL="914400" algn="l" defTabSz="914400" rtl="0" eaLnBrk="1" latinLnBrk="0" hangingPunct="1">
+      <a:lvl3pPr marL="914400" algn="l" defTabSz="457200" rtl="0" eaLnBrk="1" latinLnBrk="0" hangingPunct="1">
         <a:defRPr sz="1800" kern="1200">
           <a:solidFill>
             <a:schemeClr val="tx1"/>
@@ -3256,7 +5303,7 @@
           <a:cs typeface="+mn-cs"/>
         </a:defRPr>
       </a:lvl3pPr>
-      <a:lvl4pPr marL="1371600" algn="l" defTabSz="914400" rtl="0" eaLnBrk="1" latinLnBrk="0" hangingPunct="1">
+      <a:lvl4pPr marL="1371600" algn="l" defTabSz="457200" rtl="0" eaLnBrk="1" latinLnBrk="0" hangingPunct="1">
         <a:defRPr sz="1800" kern="1200">
           <a:solidFill>
             <a:schemeClr val="tx1"/>
@@ -3266,7 +5313,7 @@
           <a:cs typeface="+mn-cs"/>
         </a:defRPr>
       </a:lvl4pPr>
-      <a:lvl5pPr marL="1828800" algn="l" defTabSz="914400" rtl="0" eaLnBrk="1" latinLnBrk="0" hangingPunct="1">
+      <a:lvl5pPr marL="1828800" algn="l" defTabSz="457200" rtl="0" eaLnBrk="1" latinLnBrk="0" hangingPunct="1">
         <a:defRPr sz="1800" kern="1200">
           <a:solidFill>
             <a:schemeClr val="tx1"/>
@@ -3276,7 +5323,7 @@
           <a:cs typeface="+mn-cs"/>
         </a:defRPr>
       </a:lvl5pPr>
-      <a:lvl6pPr marL="2286000" algn="l" defTabSz="914400" rtl="0" eaLnBrk="1" latinLnBrk="0" hangingPunct="1">
+      <a:lvl6pPr marL="2286000" algn="l" defTabSz="457200" rtl="0" eaLnBrk="1" latinLnBrk="0" hangingPunct="1">
         <a:defRPr sz="1800" kern="1200">
           <a:solidFill>
             <a:schemeClr val="tx1"/>
@@ -3286,7 +5333,7 @@
           <a:cs typeface="+mn-cs"/>
         </a:defRPr>
       </a:lvl6pPr>
-      <a:lvl7pPr marL="2743200" algn="l" defTabSz="914400" rtl="0" eaLnBrk="1" latinLnBrk="0" hangingPunct="1">
+      <a:lvl7pPr marL="2743200" algn="l" defTabSz="457200" rtl="0" eaLnBrk="1" latinLnBrk="0" hangingPunct="1">
         <a:defRPr sz="1800" kern="1200">
           <a:solidFill>
             <a:schemeClr val="tx1"/>
@@ -3296,7 +5343,7 @@
           <a:cs typeface="+mn-cs"/>
         </a:defRPr>
       </a:lvl7pPr>
-      <a:lvl8pPr marL="3200400" algn="l" defTabSz="914400" rtl="0" eaLnBrk="1" latinLnBrk="0" hangingPunct="1">
+      <a:lvl8pPr marL="3200400" algn="l" defTabSz="457200" rtl="0" eaLnBrk="1" latinLnBrk="0" hangingPunct="1">
         <a:defRPr sz="1800" kern="1200">
           <a:solidFill>
             <a:schemeClr val="tx1"/>
@@ -3306,7 +5353,7 @@
           <a:cs typeface="+mn-cs"/>
         </a:defRPr>
       </a:lvl8pPr>
-      <a:lvl9pPr marL="3657600" algn="l" defTabSz="914400" rtl="0" eaLnBrk="1" latinLnBrk="0" hangingPunct="1">
+      <a:lvl9pPr marL="3657600" algn="l" defTabSz="457200" rtl="0" eaLnBrk="1" latinLnBrk="0" hangingPunct="1">
         <a:defRPr sz="1800" kern="1200">
           <a:solidFill>
             <a:schemeClr val="tx1"/>
@@ -3395,7 +5442,7 @@
         </p:spPr>
         <p:txBody>
           <a:bodyPr>
-            <a:normAutofit/>
+            <a:normAutofit lnSpcReduction="10000"/>
           </a:bodyPr>
           <a:lstStyle/>
           <a:p>
@@ -3448,6 +5495,14 @@
 <file path=ppt/slides/slide10.xml><?xml version="1.0" encoding="utf-8"?>
 <p:sld xmlns:a="http://schemas.openxmlformats.org/drawingml/2006/main" xmlns:r="http://schemas.openxmlformats.org/officeDocument/2006/relationships" xmlns:p="http://schemas.openxmlformats.org/presentationml/2006/main">
   <p:cSld>
+    <p:bg>
+      <p:bgPr>
+        <a:solidFill>
+          <a:schemeClr val="bg1"/>
+        </a:solidFill>
+        <a:effectLst/>
+      </p:bgPr>
+    </p:bg>
     <p:spTree>
       <p:nvGrpSpPr>
         <p:cNvPr id="1" name=""/>
@@ -3462,42 +5517,749 @@
           <a:chExt cx="0" cy="0"/>
         </a:xfrm>
       </p:grpSpPr>
+      <p:cxnSp>
+        <p:nvCxnSpPr>
+          <p:cNvPr id="15" name="Straight Connector 14">
+            <a:extLst>
+              <a:ext uri="{FF2B5EF4-FFF2-40B4-BE49-F238E27FC236}">
+                <a16:creationId xmlns:a16="http://schemas.microsoft.com/office/drawing/2014/main" id="{0512F9CB-A1A0-4043-A103-F6A4B94B695A}"/>
+              </a:ext>
+              <a:ext uri="{C183D7F6-B498-43B3-948B-1728B52AA6E4}">
+                <adec:decorative xmlns:adec="http://schemas.microsoft.com/office/drawing/2017/decorative" val="1"/>
+              </a:ext>
+            </a:extLst>
+          </p:cNvPr>
+          <p:cNvCxnSpPr>
+            <a:cxnSpLocks noGrp="1" noRot="1" noChangeAspect="1" noMove="1" noResize="1" noEditPoints="1" noAdjustHandles="1" noChangeArrowheads="1" noChangeShapeType="1"/>
+          </p:cNvCxnSpPr>
+          <p:nvPr>
+            <p:extLst>
+              <p:ext uri="{386F3935-93C4-4BCD-93E2-E3B085C9AB24}">
+                <p16:designElem xmlns:p16="http://schemas.microsoft.com/office/powerpoint/2015/main" val="1"/>
+              </p:ext>
+            </p:extLst>
+          </p:nvPr>
+        </p:nvCxnSpPr>
+        <p:spPr>
+          <a:xfrm flipH="1">
+            <a:off x="8228012" y="8467"/>
+            <a:ext cx="3810000" cy="3810000"/>
+          </a:xfrm>
+          <a:prstGeom prst="line">
+            <a:avLst/>
+          </a:prstGeom>
+          <a:ln w="12700">
+            <a:solidFill>
+              <a:schemeClr val="tx1"/>
+            </a:solidFill>
+          </a:ln>
+        </p:spPr>
+        <p:style>
+          <a:lnRef idx="2">
+            <a:schemeClr val="accent1"/>
+          </a:lnRef>
+          <a:fillRef idx="0">
+            <a:schemeClr val="accent1"/>
+          </a:fillRef>
+          <a:effectRef idx="1">
+            <a:schemeClr val="accent1"/>
+          </a:effectRef>
+          <a:fontRef idx="minor">
+            <a:schemeClr val="tx1"/>
+          </a:fontRef>
+        </p:style>
+      </p:cxnSp>
+      <p:cxnSp>
+        <p:nvCxnSpPr>
+          <p:cNvPr id="17" name="Straight Connector 16">
+            <a:extLst>
+              <a:ext uri="{FF2B5EF4-FFF2-40B4-BE49-F238E27FC236}">
+                <a16:creationId xmlns:a16="http://schemas.microsoft.com/office/drawing/2014/main" id="{ADBE6588-EE16-4389-857C-86A156D49E5D}"/>
+              </a:ext>
+              <a:ext uri="{C183D7F6-B498-43B3-948B-1728B52AA6E4}">
+                <adec:decorative xmlns:adec="http://schemas.microsoft.com/office/drawing/2017/decorative" val="1"/>
+              </a:ext>
+            </a:extLst>
+          </p:cNvPr>
+          <p:cNvCxnSpPr>
+            <a:cxnSpLocks noGrp="1" noRot="1" noChangeAspect="1" noMove="1" noResize="1" noEditPoints="1" noAdjustHandles="1" noChangeArrowheads="1" noChangeShapeType="1"/>
+          </p:cNvCxnSpPr>
+          <p:nvPr>
+            <p:extLst>
+              <p:ext uri="{386F3935-93C4-4BCD-93E2-E3B085C9AB24}">
+                <p16:designElem xmlns:p16="http://schemas.microsoft.com/office/powerpoint/2015/main" val="1"/>
+              </p:ext>
+            </p:extLst>
+          </p:nvPr>
+        </p:nvCxnSpPr>
+        <p:spPr>
+          <a:xfrm flipH="1">
+            <a:off x="6108170" y="91545"/>
+            <a:ext cx="6080655" cy="6080655"/>
+          </a:xfrm>
+          <a:prstGeom prst="line">
+            <a:avLst/>
+          </a:prstGeom>
+          <a:ln w="12700">
+            <a:solidFill>
+              <a:schemeClr val="tx1"/>
+            </a:solidFill>
+          </a:ln>
+        </p:spPr>
+        <p:style>
+          <a:lnRef idx="2">
+            <a:schemeClr val="accent1"/>
+          </a:lnRef>
+          <a:fillRef idx="0">
+            <a:schemeClr val="accent1"/>
+          </a:fillRef>
+          <a:effectRef idx="1">
+            <a:schemeClr val="accent1"/>
+          </a:effectRef>
+          <a:fontRef idx="minor">
+            <a:schemeClr val="tx1"/>
+          </a:fontRef>
+        </p:style>
+      </p:cxnSp>
+      <p:cxnSp>
+        <p:nvCxnSpPr>
+          <p:cNvPr id="19" name="Straight Connector 18">
+            <a:extLst>
+              <a:ext uri="{FF2B5EF4-FFF2-40B4-BE49-F238E27FC236}">
+                <a16:creationId xmlns:a16="http://schemas.microsoft.com/office/drawing/2014/main" id="{17FD48D2-B0A7-413D-B947-AA55AC1296D5}"/>
+              </a:ext>
+              <a:ext uri="{C183D7F6-B498-43B3-948B-1728B52AA6E4}">
+                <adec:decorative xmlns:adec="http://schemas.microsoft.com/office/drawing/2017/decorative" val="1"/>
+              </a:ext>
+            </a:extLst>
+          </p:cNvPr>
+          <p:cNvCxnSpPr>
+            <a:cxnSpLocks noGrp="1" noRot="1" noChangeAspect="1" noMove="1" noResize="1" noEditPoints="1" noAdjustHandles="1" noChangeArrowheads="1" noChangeShapeType="1"/>
+          </p:cNvCxnSpPr>
+          <p:nvPr>
+            <p:extLst>
+              <p:ext uri="{386F3935-93C4-4BCD-93E2-E3B085C9AB24}">
+                <p16:designElem xmlns:p16="http://schemas.microsoft.com/office/powerpoint/2015/main" val="1"/>
+              </p:ext>
+            </p:extLst>
+          </p:nvPr>
+        </p:nvCxnSpPr>
+        <p:spPr>
+          <a:xfrm flipH="1">
+            <a:off x="7235825" y="228600"/>
+            <a:ext cx="4953000" cy="4953000"/>
+          </a:xfrm>
+          <a:prstGeom prst="line">
+            <a:avLst/>
+          </a:prstGeom>
+          <a:ln w="12700">
+            <a:solidFill>
+              <a:schemeClr val="tx1"/>
+            </a:solidFill>
+          </a:ln>
+        </p:spPr>
+        <p:style>
+          <a:lnRef idx="2">
+            <a:schemeClr val="accent1"/>
+          </a:lnRef>
+          <a:fillRef idx="0">
+            <a:schemeClr val="accent1"/>
+          </a:fillRef>
+          <a:effectRef idx="1">
+            <a:schemeClr val="accent1"/>
+          </a:effectRef>
+          <a:fontRef idx="minor">
+            <a:schemeClr val="tx1"/>
+          </a:fontRef>
+        </p:style>
+      </p:cxnSp>
+      <p:cxnSp>
+        <p:nvCxnSpPr>
+          <p:cNvPr id="21" name="Straight Connector 20">
+            <a:extLst>
+              <a:ext uri="{FF2B5EF4-FFF2-40B4-BE49-F238E27FC236}">
+                <a16:creationId xmlns:a16="http://schemas.microsoft.com/office/drawing/2014/main" id="{2BE668D0-D906-4EEE-B32F-8C028624B837}"/>
+              </a:ext>
+              <a:ext uri="{C183D7F6-B498-43B3-948B-1728B52AA6E4}">
+                <adec:decorative xmlns:adec="http://schemas.microsoft.com/office/drawing/2017/decorative" val="1"/>
+              </a:ext>
+            </a:extLst>
+          </p:cNvPr>
+          <p:cNvCxnSpPr>
+            <a:cxnSpLocks noGrp="1" noRot="1" noChangeAspect="1" noMove="1" noResize="1" noEditPoints="1" noAdjustHandles="1" noChangeArrowheads="1" noChangeShapeType="1"/>
+          </p:cNvCxnSpPr>
+          <p:nvPr>
+            <p:extLst>
+              <p:ext uri="{386F3935-93C4-4BCD-93E2-E3B085C9AB24}">
+                <p16:designElem xmlns:p16="http://schemas.microsoft.com/office/powerpoint/2015/main" val="1"/>
+              </p:ext>
+            </p:extLst>
+          </p:nvPr>
+        </p:nvCxnSpPr>
+        <p:spPr>
+          <a:xfrm flipH="1">
+            <a:off x="7335837" y="32278"/>
+            <a:ext cx="4852989" cy="4852989"/>
+          </a:xfrm>
+          <a:prstGeom prst="line">
+            <a:avLst/>
+          </a:prstGeom>
+          <a:ln w="31750">
+            <a:solidFill>
+              <a:schemeClr val="tx1"/>
+            </a:solidFill>
+          </a:ln>
+        </p:spPr>
+        <p:style>
+          <a:lnRef idx="2">
+            <a:schemeClr val="accent1"/>
+          </a:lnRef>
+          <a:fillRef idx="0">
+            <a:schemeClr val="accent1"/>
+          </a:fillRef>
+          <a:effectRef idx="1">
+            <a:schemeClr val="accent1"/>
+          </a:effectRef>
+          <a:fontRef idx="minor">
+            <a:schemeClr val="tx1"/>
+          </a:fontRef>
+        </p:style>
+      </p:cxnSp>
+      <p:cxnSp>
+        <p:nvCxnSpPr>
+          <p:cNvPr id="23" name="Straight Connector 22">
+            <a:extLst>
+              <a:ext uri="{FF2B5EF4-FFF2-40B4-BE49-F238E27FC236}">
+                <a16:creationId xmlns:a16="http://schemas.microsoft.com/office/drawing/2014/main" id="{D1DE67A3-B8F6-4CFD-A8E0-D15200F23152}"/>
+              </a:ext>
+              <a:ext uri="{C183D7F6-B498-43B3-948B-1728B52AA6E4}">
+                <adec:decorative xmlns:adec="http://schemas.microsoft.com/office/drawing/2017/decorative" val="1"/>
+              </a:ext>
+            </a:extLst>
+          </p:cNvPr>
+          <p:cNvCxnSpPr>
+            <a:cxnSpLocks noGrp="1" noRot="1" noChangeAspect="1" noMove="1" noResize="1" noEditPoints="1" noAdjustHandles="1" noChangeArrowheads="1" noChangeShapeType="1"/>
+          </p:cNvCxnSpPr>
+          <p:nvPr>
+            <p:extLst>
+              <p:ext uri="{386F3935-93C4-4BCD-93E2-E3B085C9AB24}">
+                <p16:designElem xmlns:p16="http://schemas.microsoft.com/office/powerpoint/2015/main" val="1"/>
+              </p:ext>
+            </p:extLst>
+          </p:nvPr>
+        </p:nvCxnSpPr>
+        <p:spPr>
+          <a:xfrm flipH="1">
+            <a:off x="7845426" y="609601"/>
+            <a:ext cx="4343399" cy="4343399"/>
+          </a:xfrm>
+          <a:prstGeom prst="line">
+            <a:avLst/>
+          </a:prstGeom>
+          <a:ln w="31750">
+            <a:solidFill>
+              <a:schemeClr val="tx1"/>
+            </a:solidFill>
+          </a:ln>
+        </p:spPr>
+        <p:style>
+          <a:lnRef idx="2">
+            <a:schemeClr val="accent1"/>
+          </a:lnRef>
+          <a:fillRef idx="0">
+            <a:schemeClr val="accent1"/>
+          </a:fillRef>
+          <a:effectRef idx="1">
+            <a:schemeClr val="accent1"/>
+          </a:effectRef>
+          <a:fontRef idx="minor">
+            <a:schemeClr val="tx1"/>
+          </a:fontRef>
+        </p:style>
+      </p:cxnSp>
+      <p:sp>
+        <p:nvSpPr>
+          <p:cNvPr id="25" name="Rectangle 24">
+            <a:extLst>
+              <a:ext uri="{FF2B5EF4-FFF2-40B4-BE49-F238E27FC236}">
+                <a16:creationId xmlns:a16="http://schemas.microsoft.com/office/drawing/2014/main" id="{6DCB64DE-FB3A-4D83-9241-A0D26824BE54}"/>
+              </a:ext>
+              <a:ext uri="{C183D7F6-B498-43B3-948B-1728B52AA6E4}">
+                <adec:decorative xmlns:adec="http://schemas.microsoft.com/office/drawing/2017/decorative" val="1"/>
+              </a:ext>
+            </a:extLst>
+          </p:cNvPr>
+          <p:cNvSpPr>
+            <a:spLocks noGrp="1" noRot="1" noChangeAspect="1" noMove="1" noResize="1" noEditPoints="1" noAdjustHandles="1" noChangeArrowheads="1" noChangeShapeType="1" noTextEdit="1"/>
+          </p:cNvSpPr>
+          <p:nvPr>
+            <p:extLst>
+              <p:ext uri="{386F3935-93C4-4BCD-93E2-E3B085C9AB24}">
+                <p16:designElem xmlns:p16="http://schemas.microsoft.com/office/powerpoint/2015/main" val="1"/>
+              </p:ext>
+            </p:extLst>
+          </p:nvPr>
+        </p:nvSpPr>
+        <p:spPr>
+          <a:xfrm>
+            <a:off x="0" y="0"/>
+            <a:ext cx="12192000" cy="6858000"/>
+          </a:xfrm>
+          <a:prstGeom prst="rect">
+            <a:avLst/>
+          </a:prstGeom>
+          <a:ln>
+            <a:noFill/>
+          </a:ln>
+        </p:spPr>
+        <p:style>
+          <a:lnRef idx="2">
+            <a:schemeClr val="accent1">
+              <a:shade val="50000"/>
+            </a:schemeClr>
+          </a:lnRef>
+          <a:fillRef idx="1002">
+            <a:schemeClr val="dk2"/>
+          </a:fillRef>
+          <a:effectRef idx="0">
+            <a:schemeClr val="accent1"/>
+          </a:effectRef>
+          <a:fontRef idx="minor">
+            <a:schemeClr val="lt1"/>
+          </a:fontRef>
+        </p:style>
+        <p:txBody>
+          <a:bodyPr rtlCol="0" anchor="ctr"/>
+          <a:lstStyle/>
+          <a:p>
+            <a:pPr algn="ctr"/>
+            <a:endParaRPr lang="en-US"/>
+          </a:p>
+        </p:txBody>
+      </p:sp>
+      <p:sp>
+        <p:nvSpPr>
+          <p:cNvPr id="2" name="Title 1">
+            <a:extLst>
+              <a:ext uri="{FF2B5EF4-FFF2-40B4-BE49-F238E27FC236}">
+                <a16:creationId xmlns:a16="http://schemas.microsoft.com/office/drawing/2014/main" id="{B5ABAA28-3D8E-4AD5-8E08-F9BDF2B67709}"/>
+              </a:ext>
+            </a:extLst>
+          </p:cNvPr>
+          <p:cNvSpPr>
+            <a:spLocks noGrp="1"/>
+          </p:cNvSpPr>
+          <p:nvPr>
+            <p:ph type="title"/>
+          </p:nvPr>
+        </p:nvSpPr>
+        <p:spPr>
+          <a:xfrm>
+            <a:off x="665640" y="4414687"/>
+            <a:ext cx="10250013" cy="1233251"/>
+          </a:xfrm>
+        </p:spPr>
+        <p:txBody>
+          <a:bodyPr vert="horz" lIns="91440" tIns="45720" rIns="91440" bIns="45720" rtlCol="0" anchor="b">
+            <a:normAutofit/>
+          </a:bodyPr>
+          <a:lstStyle/>
+          <a:p>
+            <a:r>
+              <a:rPr lang="en-US" sz="4800">
+                <a:solidFill>
+                  <a:srgbClr val="FFFFFF"/>
+                </a:solidFill>
+              </a:rPr>
+              <a:t>Welcome to your dashboard</a:t>
+            </a:r>
+          </a:p>
+        </p:txBody>
+      </p:sp>
+      <p:sp useBgFill="1">
+        <p:nvSpPr>
+          <p:cNvPr id="27" name="Snip Diagonal Corner Rectangle 6">
+            <a:extLst>
+              <a:ext uri="{FF2B5EF4-FFF2-40B4-BE49-F238E27FC236}">
+                <a16:creationId xmlns:a16="http://schemas.microsoft.com/office/drawing/2014/main" id="{5E94C64B-831C-45FA-B484-591F4D577C60}"/>
+              </a:ext>
+              <a:ext uri="{C183D7F6-B498-43B3-948B-1728B52AA6E4}">
+                <adec:decorative xmlns:adec="http://schemas.microsoft.com/office/drawing/2017/decorative" val="1"/>
+              </a:ext>
+            </a:extLst>
+          </p:cNvPr>
+          <p:cNvSpPr>
+            <a:spLocks noGrp="1" noRot="1" noChangeAspect="1" noMove="1" noResize="1" noEditPoints="1" noAdjustHandles="1" noChangeArrowheads="1" noChangeShapeType="1" noTextEdit="1"/>
+          </p:cNvSpPr>
+          <p:nvPr>
+            <p:extLst>
+              <p:ext uri="{386F3935-93C4-4BCD-93E2-E3B085C9AB24}">
+                <p16:designElem xmlns:p16="http://schemas.microsoft.com/office/powerpoint/2015/main" val="1"/>
+              </p:ext>
+            </p:extLst>
+          </p:nvPr>
+        </p:nvSpPr>
+        <p:spPr>
+          <a:xfrm>
+            <a:off x="605702" y="606367"/>
+            <a:ext cx="10948124" cy="3546637"/>
+          </a:xfrm>
+          <a:prstGeom prst="snip2DiagRect">
+            <a:avLst>
+              <a:gd name="adj1" fmla="val 13628"/>
+              <a:gd name="adj2" fmla="val 0"/>
+            </a:avLst>
+          </a:prstGeom>
+          <a:ln>
+            <a:noFill/>
+          </a:ln>
+          <a:effectLst>
+            <a:innerShdw blurRad="57150" dist="38100" dir="14460000">
+              <a:prstClr val="black">
+                <a:alpha val="70000"/>
+              </a:prstClr>
+            </a:innerShdw>
+          </a:effectLst>
+        </p:spPr>
+        <p:style>
+          <a:lnRef idx="2">
+            <a:schemeClr val="accent1">
+              <a:shade val="50000"/>
+            </a:schemeClr>
+          </a:lnRef>
+          <a:fillRef idx="1">
+            <a:schemeClr val="accent1"/>
+          </a:fillRef>
+          <a:effectRef idx="0">
+            <a:schemeClr val="accent1"/>
+          </a:effectRef>
+          <a:fontRef idx="minor">
+            <a:schemeClr val="lt1"/>
+          </a:fontRef>
+        </p:style>
+        <p:txBody>
+          <a:bodyPr rtlCol="0" anchor="ctr"/>
+          <a:lstStyle/>
+          <a:p>
+            <a:pPr algn="ctr"/>
+            <a:endParaRPr lang="en-US"/>
+          </a:p>
+        </p:txBody>
+      </p:sp>
       <p:pic>
         <p:nvPicPr>
-          <p:cNvPr id="5" name="Picture 4" descr="Chart, waterfall chart&#10;&#10;Description automatically generated">
+          <p:cNvPr id="9" name="Content Placeholder 8" descr="A screenshot of a computer&#10;&#10;Description automatically generated with medium confidence">
             <a:extLst>
               <a:ext uri="{FF2B5EF4-FFF2-40B4-BE49-F238E27FC236}">
-                <a16:creationId xmlns:a16="http://schemas.microsoft.com/office/drawing/2014/main" id="{5FFDE442-0C81-41D1-B661-F996A69E7357}"/>
+                <a16:creationId xmlns:a16="http://schemas.microsoft.com/office/drawing/2014/main" id="{CA5322F7-FE6D-4EF7-A301-0148005EFEA7}"/>
               </a:ext>
             </a:extLst>
           </p:cNvPr>
           <p:cNvPicPr>
-            <a:picLocks noChangeAspect="1"/>
+            <a:picLocks noGrp="1" noChangeAspect="1"/>
           </p:cNvPicPr>
-          <p:nvPr/>
+          <p:nvPr>
+            <p:ph idx="1"/>
+          </p:nvPr>
         </p:nvPicPr>
         <p:blipFill>
-          <a:blip r:embed="rId2">
-            <a:extLst>
-              <a:ext uri="{28A0092B-C50C-407E-A947-70E740481C1C}">
-                <a14:useLocalDpi xmlns:a14="http://schemas.microsoft.com/office/drawing/2010/main" val="0"/>
-              </a:ext>
-            </a:extLst>
-          </a:blip>
+          <a:blip r:embed="rId2"/>
           <a:stretch>
             <a:fillRect/>
           </a:stretch>
         </p:blipFill>
         <p:spPr>
           <a:xfrm>
-            <a:off x="442684" y="963385"/>
-            <a:ext cx="11506201" cy="4931229"/>
+            <a:off x="1091381" y="822960"/>
+            <a:ext cx="9977813" cy="3163254"/>
           </a:xfrm>
           <a:prstGeom prst="rect">
             <a:avLst/>
           </a:prstGeom>
         </p:spPr>
       </p:pic>
+      <p:grpSp>
+        <p:nvGrpSpPr>
+          <p:cNvPr id="29" name="Group 28">
+            <a:extLst>
+              <a:ext uri="{FF2B5EF4-FFF2-40B4-BE49-F238E27FC236}">
+                <a16:creationId xmlns:a16="http://schemas.microsoft.com/office/drawing/2014/main" id="{AC96E397-7705-43C9-AC81-FA8EF1951DD2}"/>
+              </a:ext>
+              <a:ext uri="{C183D7F6-B498-43B3-948B-1728B52AA6E4}">
+                <adec:decorative xmlns:adec="http://schemas.microsoft.com/office/drawing/2017/decorative" val="1"/>
+              </a:ext>
+            </a:extLst>
+          </p:cNvPr>
+          <p:cNvGrpSpPr>
+            <a:grpSpLocks noGrp="1" noUngrp="1" noRot="1" noChangeAspect="1" noMove="1" noResize="1"/>
+          </p:cNvGrpSpPr>
+          <p:nvPr>
+            <p:extLst>
+              <p:ext uri="{386F3935-93C4-4BCD-93E2-E3B085C9AB24}">
+                <p16:designElem xmlns:p16="http://schemas.microsoft.com/office/powerpoint/2015/main" val="1"/>
+              </p:ext>
+            </p:extLst>
+          </p:nvPr>
+        </p:nvGrpSpPr>
+        <p:grpSpPr>
+          <a:xfrm>
+            <a:off x="9206969" y="2963333"/>
+            <a:ext cx="2981858" cy="3208867"/>
+            <a:chOff x="9206969" y="2963333"/>
+            <a:chExt cx="2981858" cy="3208867"/>
+          </a:xfrm>
+        </p:grpSpPr>
+        <p:cxnSp>
+          <p:nvCxnSpPr>
+            <p:cNvPr id="30" name="Straight Connector 29">
+              <a:extLst>
+                <a:ext uri="{FF2B5EF4-FFF2-40B4-BE49-F238E27FC236}">
+                  <a16:creationId xmlns:a16="http://schemas.microsoft.com/office/drawing/2014/main" id="{F3610BCA-0EBE-4357-AAC0-13841E7C54F3}"/>
+                </a:ext>
+                <a:ext uri="{C183D7F6-B498-43B3-948B-1728B52AA6E4}">
+                  <adec:decorative xmlns:adec="http://schemas.microsoft.com/office/drawing/2017/decorative" val="1"/>
+                </a:ext>
+              </a:extLst>
+            </p:cNvPr>
+            <p:cNvCxnSpPr/>
+            <p:nvPr>
+              <p:extLst>
+                <p:ext uri="{386F3935-93C4-4BCD-93E2-E3B085C9AB24}">
+                  <p16:designElem xmlns:p16="http://schemas.microsoft.com/office/powerpoint/2015/main" val="1"/>
+                </p:ext>
+              </p:extLst>
+            </p:nvPr>
+          </p:nvCxnSpPr>
+          <p:spPr>
+            <a:xfrm flipH="1">
+              <a:off x="11276012" y="2963333"/>
+              <a:ext cx="912814" cy="912812"/>
+            </a:xfrm>
+            <a:prstGeom prst="line">
+              <a:avLst/>
+            </a:prstGeom>
+            <a:ln w="9525">
+              <a:solidFill>
+                <a:srgbClr val="FFFFFF"/>
+              </a:solidFill>
+            </a:ln>
+          </p:spPr>
+          <p:style>
+            <a:lnRef idx="2">
+              <a:schemeClr val="accent1"/>
+            </a:lnRef>
+            <a:fillRef idx="0">
+              <a:schemeClr val="accent1"/>
+            </a:fillRef>
+            <a:effectRef idx="1">
+              <a:schemeClr val="accent1"/>
+            </a:effectRef>
+            <a:fontRef idx="minor">
+              <a:schemeClr val="tx1"/>
+            </a:fontRef>
+          </p:style>
+        </p:cxnSp>
+        <p:cxnSp>
+          <p:nvCxnSpPr>
+            <p:cNvPr id="31" name="Straight Connector 30">
+              <a:extLst>
+                <a:ext uri="{FF2B5EF4-FFF2-40B4-BE49-F238E27FC236}">
+                  <a16:creationId xmlns:a16="http://schemas.microsoft.com/office/drawing/2014/main" id="{B60E1E24-3D98-4A53-A3AD-CBD84D94FA29}"/>
+                </a:ext>
+                <a:ext uri="{C183D7F6-B498-43B3-948B-1728B52AA6E4}">
+                  <adec:decorative xmlns:adec="http://schemas.microsoft.com/office/drawing/2017/decorative" val="1"/>
+                </a:ext>
+              </a:extLst>
+            </p:cNvPr>
+            <p:cNvCxnSpPr/>
+            <p:nvPr>
+              <p:extLst>
+                <p:ext uri="{386F3935-93C4-4BCD-93E2-E3B085C9AB24}">
+                  <p16:designElem xmlns:p16="http://schemas.microsoft.com/office/powerpoint/2015/main" val="1"/>
+                </p:ext>
+              </p:extLst>
+            </p:nvPr>
+          </p:nvCxnSpPr>
+          <p:spPr>
+            <a:xfrm flipH="1">
+              <a:off x="9206969" y="3190344"/>
+              <a:ext cx="2981857" cy="2981856"/>
+            </a:xfrm>
+            <a:prstGeom prst="line">
+              <a:avLst/>
+            </a:prstGeom>
+            <a:ln w="9525">
+              <a:solidFill>
+                <a:srgbClr val="FFFFFF"/>
+              </a:solidFill>
+            </a:ln>
+          </p:spPr>
+          <p:style>
+            <a:lnRef idx="2">
+              <a:schemeClr val="accent1"/>
+            </a:lnRef>
+            <a:fillRef idx="0">
+              <a:schemeClr val="accent1"/>
+            </a:fillRef>
+            <a:effectRef idx="1">
+              <a:schemeClr val="accent1"/>
+            </a:effectRef>
+            <a:fontRef idx="minor">
+              <a:schemeClr val="tx1"/>
+            </a:fontRef>
+          </p:style>
+        </p:cxnSp>
+        <p:cxnSp>
+          <p:nvCxnSpPr>
+            <p:cNvPr id="32" name="Straight Connector 31">
+              <a:extLst>
+                <a:ext uri="{FF2B5EF4-FFF2-40B4-BE49-F238E27FC236}">
+                  <a16:creationId xmlns:a16="http://schemas.microsoft.com/office/drawing/2014/main" id="{367E51D9-454B-4095-9718-C6B1CDED9737}"/>
+                </a:ext>
+                <a:ext uri="{C183D7F6-B498-43B3-948B-1728B52AA6E4}">
+                  <adec:decorative xmlns:adec="http://schemas.microsoft.com/office/drawing/2017/decorative" val="1"/>
+                </a:ext>
+              </a:extLst>
+            </p:cNvPr>
+            <p:cNvCxnSpPr/>
+            <p:nvPr>
+              <p:extLst>
+                <p:ext uri="{386F3935-93C4-4BCD-93E2-E3B085C9AB24}">
+                  <p16:designElem xmlns:p16="http://schemas.microsoft.com/office/powerpoint/2015/main" val="1"/>
+                </p:ext>
+              </p:extLst>
+            </p:nvPr>
+          </p:nvCxnSpPr>
+          <p:spPr>
+            <a:xfrm flipH="1">
+              <a:off x="10292292" y="3285067"/>
+              <a:ext cx="1896534" cy="1896533"/>
+            </a:xfrm>
+            <a:prstGeom prst="line">
+              <a:avLst/>
+            </a:prstGeom>
+            <a:ln w="9525">
+              <a:solidFill>
+                <a:srgbClr val="FFFFFF"/>
+              </a:solidFill>
+            </a:ln>
+          </p:spPr>
+          <p:style>
+            <a:lnRef idx="2">
+              <a:schemeClr val="accent1"/>
+            </a:lnRef>
+            <a:fillRef idx="0">
+              <a:schemeClr val="accent1"/>
+            </a:fillRef>
+            <a:effectRef idx="1">
+              <a:schemeClr val="accent1"/>
+            </a:effectRef>
+            <a:fontRef idx="minor">
+              <a:schemeClr val="tx1"/>
+            </a:fontRef>
+          </p:style>
+        </p:cxnSp>
+        <p:cxnSp>
+          <p:nvCxnSpPr>
+            <p:cNvPr id="33" name="Straight Connector 32">
+              <a:extLst>
+                <a:ext uri="{FF2B5EF4-FFF2-40B4-BE49-F238E27FC236}">
+                  <a16:creationId xmlns:a16="http://schemas.microsoft.com/office/drawing/2014/main" id="{4A8E8BDB-294C-4025-A6C1-2FFDDA36F869}"/>
+                </a:ext>
+                <a:ext uri="{C183D7F6-B498-43B3-948B-1728B52AA6E4}">
+                  <adec:decorative xmlns:adec="http://schemas.microsoft.com/office/drawing/2017/decorative" val="1"/>
+                </a:ext>
+              </a:extLst>
+            </p:cNvPr>
+            <p:cNvCxnSpPr/>
+            <p:nvPr>
+              <p:extLst>
+                <p:ext uri="{386F3935-93C4-4BCD-93E2-E3B085C9AB24}">
+                  <p16:designElem xmlns:p16="http://schemas.microsoft.com/office/powerpoint/2015/main" val="1"/>
+                </p:ext>
+              </p:extLst>
+            </p:nvPr>
+          </p:nvCxnSpPr>
+          <p:spPr>
+            <a:xfrm flipH="1">
+              <a:off x="10443103" y="3131080"/>
+              <a:ext cx="1745722" cy="1745720"/>
+            </a:xfrm>
+            <a:prstGeom prst="line">
+              <a:avLst/>
+            </a:prstGeom>
+            <a:ln w="28575">
+              <a:solidFill>
+                <a:srgbClr val="FFFFFF"/>
+              </a:solidFill>
+            </a:ln>
+          </p:spPr>
+          <p:style>
+            <a:lnRef idx="2">
+              <a:schemeClr val="accent1"/>
+            </a:lnRef>
+            <a:fillRef idx="0">
+              <a:schemeClr val="accent1"/>
+            </a:fillRef>
+            <a:effectRef idx="1">
+              <a:schemeClr val="accent1"/>
+            </a:effectRef>
+            <a:fontRef idx="minor">
+              <a:schemeClr val="tx1"/>
+            </a:fontRef>
+          </p:style>
+        </p:cxnSp>
+        <p:cxnSp>
+          <p:nvCxnSpPr>
+            <p:cNvPr id="34" name="Straight Connector 33">
+              <a:extLst>
+                <a:ext uri="{FF2B5EF4-FFF2-40B4-BE49-F238E27FC236}">
+                  <a16:creationId xmlns:a16="http://schemas.microsoft.com/office/drawing/2014/main" id="{A0D27BDE-F887-4341-B91A-3145A6142EC7}"/>
+                </a:ext>
+                <a:ext uri="{C183D7F6-B498-43B3-948B-1728B52AA6E4}">
+                  <adec:decorative xmlns:adec="http://schemas.microsoft.com/office/drawing/2017/decorative" val="1"/>
+                </a:ext>
+              </a:extLst>
+            </p:cNvPr>
+            <p:cNvCxnSpPr/>
+            <p:nvPr>
+              <p:extLst>
+                <p:ext uri="{386F3935-93C4-4BCD-93E2-E3B085C9AB24}">
+                  <p16:designElem xmlns:p16="http://schemas.microsoft.com/office/powerpoint/2015/main" val="1"/>
+                </p:ext>
+              </p:extLst>
+            </p:nvPr>
+          </p:nvCxnSpPr>
+          <p:spPr>
+            <a:xfrm flipH="1">
+              <a:off x="10918826" y="3683001"/>
+              <a:ext cx="1270001" cy="1269999"/>
+            </a:xfrm>
+            <a:prstGeom prst="line">
+              <a:avLst/>
+            </a:prstGeom>
+            <a:ln w="28575">
+              <a:solidFill>
+                <a:srgbClr val="FFFFFF"/>
+              </a:solidFill>
+            </a:ln>
+          </p:spPr>
+          <p:style>
+            <a:lnRef idx="2">
+              <a:schemeClr val="accent1"/>
+            </a:lnRef>
+            <a:fillRef idx="0">
+              <a:schemeClr val="accent1"/>
+            </a:fillRef>
+            <a:effectRef idx="1">
+              <a:schemeClr val="accent1"/>
+            </a:effectRef>
+            <a:fontRef idx="minor">
+              <a:schemeClr val="tx1"/>
+            </a:fontRef>
+          </p:style>
+        </p:cxnSp>
+      </p:grpSp>
     </p:spTree>
     <p:extLst>
       <p:ext uri="{BB962C8B-B14F-4D97-AF65-F5344CB8AC3E}">
@@ -3506,7 +6268,7 @@
     </p:extLst>
   </p:cSld>
   <p:clrMapOvr>
-    <a:masterClrMapping/>
+    <a:overrideClrMapping bg1="lt1" tx1="dk1" bg2="lt2" tx2="dk2" accent1="accent1" accent2="accent2" accent3="accent3" accent4="accent4" accent5="accent5" accent6="accent6" hlink="hlink" folHlink="folHlink"/>
   </p:clrMapOvr>
 </p:sld>
 </file>
@@ -3514,6 +6276,31 @@
 <file path=ppt/slides/slide11.xml><?xml version="1.0" encoding="utf-8"?>
 <p:sld xmlns:a="http://schemas.openxmlformats.org/drawingml/2006/main" xmlns:r="http://schemas.openxmlformats.org/officeDocument/2006/relationships" xmlns:p="http://schemas.openxmlformats.org/presentationml/2006/main">
   <p:cSld>
+    <p:bg>
+      <p:bgPr>
+        <a:gradFill rotWithShape="1">
+          <a:gsLst>
+            <a:gs pos="10000">
+              <a:schemeClr val="bg2">
+                <a:tint val="97000"/>
+                <a:hueMod val="92000"/>
+                <a:satMod val="169000"/>
+                <a:lumMod val="164000"/>
+              </a:schemeClr>
+            </a:gs>
+            <a:gs pos="100000">
+              <a:schemeClr val="bg2">
+                <a:shade val="96000"/>
+                <a:satMod val="120000"/>
+                <a:lumMod val="90000"/>
+              </a:schemeClr>
+            </a:gs>
+          </a:gsLst>
+          <a:lin ang="6120000" scaled="1"/>
+        </a:gradFill>
+        <a:effectLst/>
+      </p:bgPr>
+    </p:bg>
     <p:spTree>
       <p:nvGrpSpPr>
         <p:cNvPr id="1" name=""/>
@@ -3528,12 +6315,747 @@
           <a:chExt cx="0" cy="0"/>
         </a:xfrm>
       </p:grpSpPr>
+      <p:grpSp>
+        <p:nvGrpSpPr>
+          <p:cNvPr id="14" name="Group 13">
+            <a:extLst>
+              <a:ext uri="{FF2B5EF4-FFF2-40B4-BE49-F238E27FC236}">
+                <a16:creationId xmlns:a16="http://schemas.microsoft.com/office/drawing/2014/main" id="{8F1EF17D-1B70-428C-8A8A-A2C5B390E1E9}"/>
+              </a:ext>
+              <a:ext uri="{C183D7F6-B498-43B3-948B-1728B52AA6E4}">
+                <adec:decorative xmlns:adec="http://schemas.microsoft.com/office/drawing/2017/decorative" val="1"/>
+              </a:ext>
+            </a:extLst>
+          </p:cNvPr>
+          <p:cNvGrpSpPr>
+            <a:grpSpLocks noGrp="1" noUngrp="1" noRot="1" noChangeAspect="1" noMove="1" noResize="1"/>
+          </p:cNvGrpSpPr>
+          <p:nvPr>
+            <p:extLst>
+              <p:ext uri="{386F3935-93C4-4BCD-93E2-E3B085C9AB24}">
+                <p16:designElem xmlns:p16="http://schemas.microsoft.com/office/powerpoint/2015/main" val="1"/>
+              </p:ext>
+            </p:extLst>
+          </p:nvPr>
+        </p:nvGrpSpPr>
+        <p:grpSpPr>
+          <a:xfrm>
+            <a:off x="9206969" y="2963333"/>
+            <a:ext cx="2981858" cy="3208867"/>
+            <a:chOff x="9206969" y="2963333"/>
+            <a:chExt cx="2981858" cy="3208867"/>
+          </a:xfrm>
+        </p:grpSpPr>
+        <p:cxnSp>
+          <p:nvCxnSpPr>
+            <p:cNvPr id="15" name="Straight Connector 14">
+              <a:extLst>
+                <a:ext uri="{FF2B5EF4-FFF2-40B4-BE49-F238E27FC236}">
+                  <a16:creationId xmlns:a16="http://schemas.microsoft.com/office/drawing/2014/main" id="{12FAEDF3-CEC8-4BF6-8EA7-4079C471838C}"/>
+                </a:ext>
+                <a:ext uri="{C183D7F6-B498-43B3-948B-1728B52AA6E4}">
+                  <adec:decorative xmlns:adec="http://schemas.microsoft.com/office/drawing/2017/decorative" val="1"/>
+                </a:ext>
+              </a:extLst>
+            </p:cNvPr>
+            <p:cNvCxnSpPr/>
+            <p:nvPr>
+              <p:extLst>
+                <p:ext uri="{386F3935-93C4-4BCD-93E2-E3B085C9AB24}">
+                  <p16:designElem xmlns:p16="http://schemas.microsoft.com/office/powerpoint/2015/main" val="1"/>
+                </p:ext>
+              </p:extLst>
+            </p:nvPr>
+          </p:nvCxnSpPr>
+          <p:spPr>
+            <a:xfrm flipH="1">
+              <a:off x="11276012" y="2963333"/>
+              <a:ext cx="912814" cy="912812"/>
+            </a:xfrm>
+            <a:prstGeom prst="line">
+              <a:avLst/>
+            </a:prstGeom>
+            <a:ln w="9525">
+              <a:solidFill>
+                <a:schemeClr val="tx1"/>
+              </a:solidFill>
+            </a:ln>
+          </p:spPr>
+          <p:style>
+            <a:lnRef idx="2">
+              <a:schemeClr val="accent1"/>
+            </a:lnRef>
+            <a:fillRef idx="0">
+              <a:schemeClr val="accent1"/>
+            </a:fillRef>
+            <a:effectRef idx="1">
+              <a:schemeClr val="accent1"/>
+            </a:effectRef>
+            <a:fontRef idx="minor">
+              <a:schemeClr val="tx1"/>
+            </a:fontRef>
+          </p:style>
+        </p:cxnSp>
+        <p:cxnSp>
+          <p:nvCxnSpPr>
+            <p:cNvPr id="16" name="Straight Connector 15">
+              <a:extLst>
+                <a:ext uri="{FF2B5EF4-FFF2-40B4-BE49-F238E27FC236}">
+                  <a16:creationId xmlns:a16="http://schemas.microsoft.com/office/drawing/2014/main" id="{398DB8F4-CD77-4FCC-8544-ADE8B478C151}"/>
+                </a:ext>
+                <a:ext uri="{C183D7F6-B498-43B3-948B-1728B52AA6E4}">
+                  <adec:decorative xmlns:adec="http://schemas.microsoft.com/office/drawing/2017/decorative" val="1"/>
+                </a:ext>
+              </a:extLst>
+            </p:cNvPr>
+            <p:cNvCxnSpPr/>
+            <p:nvPr>
+              <p:extLst>
+                <p:ext uri="{386F3935-93C4-4BCD-93E2-E3B085C9AB24}">
+                  <p16:designElem xmlns:p16="http://schemas.microsoft.com/office/powerpoint/2015/main" val="1"/>
+                </p:ext>
+              </p:extLst>
+            </p:nvPr>
+          </p:nvCxnSpPr>
+          <p:spPr>
+            <a:xfrm flipH="1">
+              <a:off x="9206969" y="3190344"/>
+              <a:ext cx="2981857" cy="2981856"/>
+            </a:xfrm>
+            <a:prstGeom prst="line">
+              <a:avLst/>
+            </a:prstGeom>
+            <a:ln w="9525">
+              <a:solidFill>
+                <a:schemeClr val="tx1"/>
+              </a:solidFill>
+            </a:ln>
+          </p:spPr>
+          <p:style>
+            <a:lnRef idx="2">
+              <a:schemeClr val="accent1"/>
+            </a:lnRef>
+            <a:fillRef idx="0">
+              <a:schemeClr val="accent1"/>
+            </a:fillRef>
+            <a:effectRef idx="1">
+              <a:schemeClr val="accent1"/>
+            </a:effectRef>
+            <a:fontRef idx="minor">
+              <a:schemeClr val="tx1"/>
+            </a:fontRef>
+          </p:style>
+        </p:cxnSp>
+        <p:cxnSp>
+          <p:nvCxnSpPr>
+            <p:cNvPr id="17" name="Straight Connector 16">
+              <a:extLst>
+                <a:ext uri="{FF2B5EF4-FFF2-40B4-BE49-F238E27FC236}">
+                  <a16:creationId xmlns:a16="http://schemas.microsoft.com/office/drawing/2014/main" id="{22202DFE-039D-48E4-8536-FA30F2489475}"/>
+                </a:ext>
+                <a:ext uri="{C183D7F6-B498-43B3-948B-1728B52AA6E4}">
+                  <adec:decorative xmlns:adec="http://schemas.microsoft.com/office/drawing/2017/decorative" val="1"/>
+                </a:ext>
+              </a:extLst>
+            </p:cNvPr>
+            <p:cNvCxnSpPr/>
+            <p:nvPr>
+              <p:extLst>
+                <p:ext uri="{386F3935-93C4-4BCD-93E2-E3B085C9AB24}">
+                  <p16:designElem xmlns:p16="http://schemas.microsoft.com/office/powerpoint/2015/main" val="1"/>
+                </p:ext>
+              </p:extLst>
+            </p:nvPr>
+          </p:nvCxnSpPr>
+          <p:spPr>
+            <a:xfrm flipH="1">
+              <a:off x="10292292" y="3285067"/>
+              <a:ext cx="1896534" cy="1896533"/>
+            </a:xfrm>
+            <a:prstGeom prst="line">
+              <a:avLst/>
+            </a:prstGeom>
+            <a:ln w="9525">
+              <a:solidFill>
+                <a:schemeClr val="tx1"/>
+              </a:solidFill>
+            </a:ln>
+          </p:spPr>
+          <p:style>
+            <a:lnRef idx="2">
+              <a:schemeClr val="accent1"/>
+            </a:lnRef>
+            <a:fillRef idx="0">
+              <a:schemeClr val="accent1"/>
+            </a:fillRef>
+            <a:effectRef idx="1">
+              <a:schemeClr val="accent1"/>
+            </a:effectRef>
+            <a:fontRef idx="minor">
+              <a:schemeClr val="tx1"/>
+            </a:fontRef>
+          </p:style>
+        </p:cxnSp>
+        <p:cxnSp>
+          <p:nvCxnSpPr>
+            <p:cNvPr id="18" name="Straight Connector 17">
+              <a:extLst>
+                <a:ext uri="{FF2B5EF4-FFF2-40B4-BE49-F238E27FC236}">
+                  <a16:creationId xmlns:a16="http://schemas.microsoft.com/office/drawing/2014/main" id="{81F05E26-510E-4164-83C7-28E4FE9D7EA3}"/>
+                </a:ext>
+                <a:ext uri="{C183D7F6-B498-43B3-948B-1728B52AA6E4}">
+                  <adec:decorative xmlns:adec="http://schemas.microsoft.com/office/drawing/2017/decorative" val="1"/>
+                </a:ext>
+              </a:extLst>
+            </p:cNvPr>
+            <p:cNvCxnSpPr/>
+            <p:nvPr>
+              <p:extLst>
+                <p:ext uri="{386F3935-93C4-4BCD-93E2-E3B085C9AB24}">
+                  <p16:designElem xmlns:p16="http://schemas.microsoft.com/office/powerpoint/2015/main" val="1"/>
+                </p:ext>
+              </p:extLst>
+            </p:nvPr>
+          </p:nvCxnSpPr>
+          <p:spPr>
+            <a:xfrm flipH="1">
+              <a:off x="10443103" y="3131080"/>
+              <a:ext cx="1745722" cy="1745720"/>
+            </a:xfrm>
+            <a:prstGeom prst="line">
+              <a:avLst/>
+            </a:prstGeom>
+            <a:ln w="28575">
+              <a:solidFill>
+                <a:schemeClr val="tx1"/>
+              </a:solidFill>
+            </a:ln>
+          </p:spPr>
+          <p:style>
+            <a:lnRef idx="2">
+              <a:schemeClr val="accent1"/>
+            </a:lnRef>
+            <a:fillRef idx="0">
+              <a:schemeClr val="accent1"/>
+            </a:fillRef>
+            <a:effectRef idx="1">
+              <a:schemeClr val="accent1"/>
+            </a:effectRef>
+            <a:fontRef idx="minor">
+              <a:schemeClr val="tx1"/>
+            </a:fontRef>
+          </p:style>
+        </p:cxnSp>
+        <p:cxnSp>
+          <p:nvCxnSpPr>
+            <p:cNvPr id="19" name="Straight Connector 18">
+              <a:extLst>
+                <a:ext uri="{FF2B5EF4-FFF2-40B4-BE49-F238E27FC236}">
+                  <a16:creationId xmlns:a16="http://schemas.microsoft.com/office/drawing/2014/main" id="{E632161A-50D4-4D96-887A-98FC9209310C}"/>
+                </a:ext>
+                <a:ext uri="{C183D7F6-B498-43B3-948B-1728B52AA6E4}">
+                  <adec:decorative xmlns:adec="http://schemas.microsoft.com/office/drawing/2017/decorative" val="1"/>
+                </a:ext>
+              </a:extLst>
+            </p:cNvPr>
+            <p:cNvCxnSpPr/>
+            <p:nvPr>
+              <p:extLst>
+                <p:ext uri="{386F3935-93C4-4BCD-93E2-E3B085C9AB24}">
+                  <p16:designElem xmlns:p16="http://schemas.microsoft.com/office/powerpoint/2015/main" val="1"/>
+                </p:ext>
+              </p:extLst>
+            </p:nvPr>
+          </p:nvCxnSpPr>
+          <p:spPr>
+            <a:xfrm flipH="1">
+              <a:off x="10918826" y="3683001"/>
+              <a:ext cx="1270001" cy="1269999"/>
+            </a:xfrm>
+            <a:prstGeom prst="line">
+              <a:avLst/>
+            </a:prstGeom>
+            <a:ln w="28575">
+              <a:solidFill>
+                <a:schemeClr val="tx1"/>
+              </a:solidFill>
+            </a:ln>
+          </p:spPr>
+          <p:style>
+            <a:lnRef idx="2">
+              <a:schemeClr val="accent1"/>
+            </a:lnRef>
+            <a:fillRef idx="0">
+              <a:schemeClr val="accent1"/>
+            </a:fillRef>
+            <a:effectRef idx="1">
+              <a:schemeClr val="accent1"/>
+            </a:effectRef>
+            <a:fontRef idx="minor">
+              <a:schemeClr val="tx1"/>
+            </a:fontRef>
+          </p:style>
+        </p:cxnSp>
+      </p:grpSp>
+      <p:sp useBgFill="1">
+        <p:nvSpPr>
+          <p:cNvPr id="21" name="Rectangle 20">
+            <a:extLst>
+              <a:ext uri="{FF2B5EF4-FFF2-40B4-BE49-F238E27FC236}">
+                <a16:creationId xmlns:a16="http://schemas.microsoft.com/office/drawing/2014/main" id="{B9403C7F-76AE-4587-92A2-D4E41EBE68BD}"/>
+              </a:ext>
+              <a:ext uri="{C183D7F6-B498-43B3-948B-1728B52AA6E4}">
+                <adec:decorative xmlns:adec="http://schemas.microsoft.com/office/drawing/2017/decorative" val="1"/>
+              </a:ext>
+            </a:extLst>
+          </p:cNvPr>
+          <p:cNvSpPr>
+            <a:spLocks noGrp="1" noRot="1" noChangeAspect="1" noMove="1" noResize="1" noEditPoints="1" noAdjustHandles="1" noChangeArrowheads="1" noChangeShapeType="1" noTextEdit="1"/>
+          </p:cNvSpPr>
+          <p:nvPr>
+            <p:extLst>
+              <p:ext uri="{386F3935-93C4-4BCD-93E2-E3B085C9AB24}">
+                <p16:designElem xmlns:p16="http://schemas.microsoft.com/office/powerpoint/2015/main" val="1"/>
+              </p:ext>
+            </p:extLst>
+          </p:nvPr>
+        </p:nvSpPr>
+        <p:spPr>
+          <a:xfrm>
+            <a:off x="0" y="0"/>
+            <a:ext cx="12192000" cy="6858000"/>
+          </a:xfrm>
+          <a:prstGeom prst="rect">
+            <a:avLst/>
+          </a:prstGeom>
+          <a:ln>
+            <a:noFill/>
+          </a:ln>
+        </p:spPr>
+        <p:style>
+          <a:lnRef idx="2">
+            <a:schemeClr val="accent1">
+              <a:shade val="50000"/>
+            </a:schemeClr>
+          </a:lnRef>
+          <a:fillRef idx="1">
+            <a:schemeClr val="accent1"/>
+          </a:fillRef>
+          <a:effectRef idx="0">
+            <a:schemeClr val="accent1"/>
+          </a:effectRef>
+          <a:fontRef idx="minor">
+            <a:schemeClr val="lt1"/>
+          </a:fontRef>
+        </p:style>
+        <p:txBody>
+          <a:bodyPr rtlCol="0" anchor="ctr"/>
+          <a:lstStyle/>
+          <a:p>
+            <a:pPr algn="ctr"/>
+            <a:endParaRPr lang="en-US"/>
+          </a:p>
+        </p:txBody>
+      </p:sp>
+      <p:sp>
+        <p:nvSpPr>
+          <p:cNvPr id="6" name="Title 5">
+            <a:extLst>
+              <a:ext uri="{FF2B5EF4-FFF2-40B4-BE49-F238E27FC236}">
+                <a16:creationId xmlns:a16="http://schemas.microsoft.com/office/drawing/2014/main" id="{5699E6B3-443A-45C5-8546-5CA6EC0C350F}"/>
+              </a:ext>
+            </a:extLst>
+          </p:cNvPr>
+          <p:cNvSpPr>
+            <a:spLocks noGrp="1"/>
+          </p:cNvSpPr>
+          <p:nvPr>
+            <p:ph type="title"/>
+          </p:nvPr>
+        </p:nvSpPr>
+        <p:spPr>
+          <a:xfrm>
+            <a:off x="3978579" y="4487332"/>
+            <a:ext cx="5627158" cy="1507067"/>
+          </a:xfrm>
+        </p:spPr>
+        <p:txBody>
+          <a:bodyPr vert="horz" lIns="91440" tIns="45720" rIns="91440" bIns="45720" rtlCol="0" anchor="ctr">
+            <a:normAutofit/>
+          </a:bodyPr>
+          <a:lstStyle/>
+          <a:p>
+            <a:r>
+              <a:rPr lang="en-US" dirty="0"/>
+              <a:t>Cumulative Returns</a:t>
+            </a:r>
+            <a:br>
+              <a:rPr lang="en-US" dirty="0"/>
+            </a:br>
+            <a:endParaRPr lang="en-US" dirty="0"/>
+          </a:p>
+        </p:txBody>
+      </p:sp>
       <p:pic>
         <p:nvPicPr>
-          <p:cNvPr id="5" name="Picture 4" descr="Chart, line chart&#10;&#10;Description automatically generated">
+          <p:cNvPr id="10" name="Picture 9">
             <a:extLst>
               <a:ext uri="{FF2B5EF4-FFF2-40B4-BE49-F238E27FC236}">
-                <a16:creationId xmlns:a16="http://schemas.microsoft.com/office/drawing/2014/main" id="{673FB01A-C8BD-4D6A-A07B-814218525628}"/>
+                <a16:creationId xmlns:a16="http://schemas.microsoft.com/office/drawing/2014/main" id="{C9DF1556-2CE5-4920-A4FE-C5902E2B9972}"/>
+              </a:ext>
+            </a:extLst>
+          </p:cNvPr>
+          <p:cNvPicPr>
+            <a:picLocks noChangeAspect="1"/>
+          </p:cNvPicPr>
+          <p:nvPr/>
+        </p:nvPicPr>
+        <p:blipFill rotWithShape="1">
+          <a:blip r:embed="rId2"/>
+          <a:srcRect l="40619" r="18529" b="-1"/>
+          <a:stretch/>
+        </p:blipFill>
+        <p:spPr>
+          <a:xfrm>
+            <a:off x="831" y="10"/>
+            <a:ext cx="3502025" cy="6857990"/>
+          </a:xfrm>
+          <a:prstGeom prst="rect">
+            <a:avLst/>
+          </a:prstGeom>
+          <a:effectLst>
+            <a:innerShdw blurRad="57150" dist="38100" dir="14460000">
+              <a:prstClr val="black">
+                <a:alpha val="70000"/>
+              </a:prstClr>
+            </a:innerShdw>
+          </a:effectLst>
+        </p:spPr>
+      </p:pic>
+      <p:sp>
+        <p:nvSpPr>
+          <p:cNvPr id="8" name="Text Placeholder 7">
+            <a:extLst>
+              <a:ext uri="{FF2B5EF4-FFF2-40B4-BE49-F238E27FC236}">
+                <a16:creationId xmlns:a16="http://schemas.microsoft.com/office/drawing/2014/main" id="{FA0866A5-453E-4D9C-92DC-C464A825A3BB}"/>
+              </a:ext>
+            </a:extLst>
+          </p:cNvPr>
+          <p:cNvSpPr>
+            <a:spLocks noGrp="1"/>
+          </p:cNvSpPr>
+          <p:nvPr>
+            <p:ph type="body" sz="quarter" idx="14"/>
+          </p:nvPr>
+        </p:nvSpPr>
+        <p:spPr>
+          <a:xfrm>
+            <a:off x="3884612" y="685800"/>
+            <a:ext cx="6626072" cy="3615267"/>
+          </a:xfrm>
+        </p:spPr>
+        <p:txBody>
+          <a:bodyPr vert="horz" lIns="91440" tIns="45720" rIns="91440" bIns="45720" rtlCol="0" anchor="ctr">
+            <a:normAutofit/>
+          </a:bodyPr>
+          <a:lstStyle/>
+          <a:p>
+            <a:pPr>
+              <a:buFont typeface="Wingdings 3" panose="05040102010807070707" pitchFamily="18" charset="2"/>
+              <a:buChar char=""/>
+            </a:pPr>
+            <a:endParaRPr lang="en-US" dirty="0"/>
+          </a:p>
+        </p:txBody>
+      </p:sp>
+      <p:grpSp>
+        <p:nvGrpSpPr>
+          <p:cNvPr id="23" name="Group 22">
+            <a:extLst>
+              <a:ext uri="{FF2B5EF4-FFF2-40B4-BE49-F238E27FC236}">
+                <a16:creationId xmlns:a16="http://schemas.microsoft.com/office/drawing/2014/main" id="{D6C71778-3DDA-4748-AEBB-2A4B75016325}"/>
+              </a:ext>
+              <a:ext uri="{C183D7F6-B498-43B3-948B-1728B52AA6E4}">
+                <adec:decorative xmlns:adec="http://schemas.microsoft.com/office/drawing/2017/decorative" val="1"/>
+              </a:ext>
+            </a:extLst>
+          </p:cNvPr>
+          <p:cNvGrpSpPr>
+            <a:grpSpLocks noGrp="1" noUngrp="1" noRot="1" noChangeAspect="1" noMove="1" noResize="1"/>
+          </p:cNvGrpSpPr>
+          <p:nvPr>
+            <p:extLst>
+              <p:ext uri="{386F3935-93C4-4BCD-93E2-E3B085C9AB24}">
+                <p16:designElem xmlns:p16="http://schemas.microsoft.com/office/powerpoint/2015/main" val="1"/>
+              </p:ext>
+            </p:extLst>
+          </p:nvPr>
+        </p:nvGrpSpPr>
+        <p:grpSpPr>
+          <a:xfrm>
+            <a:off x="9206969" y="2963333"/>
+            <a:ext cx="2981858" cy="3208867"/>
+            <a:chOff x="9206969" y="2963333"/>
+            <a:chExt cx="2981858" cy="3208867"/>
+          </a:xfrm>
+        </p:grpSpPr>
+        <p:cxnSp>
+          <p:nvCxnSpPr>
+            <p:cNvPr id="24" name="Straight Connector 23">
+              <a:extLst>
+                <a:ext uri="{FF2B5EF4-FFF2-40B4-BE49-F238E27FC236}">
+                  <a16:creationId xmlns:a16="http://schemas.microsoft.com/office/drawing/2014/main" id="{BA1F5C7D-5183-424E-BD72-BBFC59C5A263}"/>
+                </a:ext>
+                <a:ext uri="{C183D7F6-B498-43B3-948B-1728B52AA6E4}">
+                  <adec:decorative xmlns:adec="http://schemas.microsoft.com/office/drawing/2017/decorative" val="1"/>
+                </a:ext>
+              </a:extLst>
+            </p:cNvPr>
+            <p:cNvCxnSpPr/>
+            <p:nvPr>
+              <p:extLst>
+                <p:ext uri="{386F3935-93C4-4BCD-93E2-E3B085C9AB24}">
+                  <p16:designElem xmlns:p16="http://schemas.microsoft.com/office/powerpoint/2015/main" val="1"/>
+                </p:ext>
+              </p:extLst>
+            </p:nvPr>
+          </p:nvCxnSpPr>
+          <p:spPr>
+            <a:xfrm flipH="1">
+              <a:off x="11276012" y="2963333"/>
+              <a:ext cx="912814" cy="912812"/>
+            </a:xfrm>
+            <a:prstGeom prst="line">
+              <a:avLst/>
+            </a:prstGeom>
+            <a:ln w="9525">
+              <a:solidFill>
+                <a:schemeClr val="tx1"/>
+              </a:solidFill>
+            </a:ln>
+          </p:spPr>
+          <p:style>
+            <a:lnRef idx="2">
+              <a:schemeClr val="accent1"/>
+            </a:lnRef>
+            <a:fillRef idx="0">
+              <a:schemeClr val="accent1"/>
+            </a:fillRef>
+            <a:effectRef idx="1">
+              <a:schemeClr val="accent1"/>
+            </a:effectRef>
+            <a:fontRef idx="minor">
+              <a:schemeClr val="tx1"/>
+            </a:fontRef>
+          </p:style>
+        </p:cxnSp>
+        <p:cxnSp>
+          <p:nvCxnSpPr>
+            <p:cNvPr id="25" name="Straight Connector 24">
+              <a:extLst>
+                <a:ext uri="{FF2B5EF4-FFF2-40B4-BE49-F238E27FC236}">
+                  <a16:creationId xmlns:a16="http://schemas.microsoft.com/office/drawing/2014/main" id="{B848F76E-D8DE-4826-901B-4E4090240E52}"/>
+                </a:ext>
+                <a:ext uri="{C183D7F6-B498-43B3-948B-1728B52AA6E4}">
+                  <adec:decorative xmlns:adec="http://schemas.microsoft.com/office/drawing/2017/decorative" val="1"/>
+                </a:ext>
+              </a:extLst>
+            </p:cNvPr>
+            <p:cNvCxnSpPr/>
+            <p:nvPr>
+              <p:extLst>
+                <p:ext uri="{386F3935-93C4-4BCD-93E2-E3B085C9AB24}">
+                  <p16:designElem xmlns:p16="http://schemas.microsoft.com/office/powerpoint/2015/main" val="1"/>
+                </p:ext>
+              </p:extLst>
+            </p:nvPr>
+          </p:nvCxnSpPr>
+          <p:spPr>
+            <a:xfrm flipH="1">
+              <a:off x="9206969" y="3190344"/>
+              <a:ext cx="2981857" cy="2981856"/>
+            </a:xfrm>
+            <a:prstGeom prst="line">
+              <a:avLst/>
+            </a:prstGeom>
+            <a:ln w="9525">
+              <a:solidFill>
+                <a:schemeClr val="tx1"/>
+              </a:solidFill>
+            </a:ln>
+          </p:spPr>
+          <p:style>
+            <a:lnRef idx="2">
+              <a:schemeClr val="accent1"/>
+            </a:lnRef>
+            <a:fillRef idx="0">
+              <a:schemeClr val="accent1"/>
+            </a:fillRef>
+            <a:effectRef idx="1">
+              <a:schemeClr val="accent1"/>
+            </a:effectRef>
+            <a:fontRef idx="minor">
+              <a:schemeClr val="tx1"/>
+            </a:fontRef>
+          </p:style>
+        </p:cxnSp>
+        <p:cxnSp>
+          <p:nvCxnSpPr>
+            <p:cNvPr id="26" name="Straight Connector 25">
+              <a:extLst>
+                <a:ext uri="{FF2B5EF4-FFF2-40B4-BE49-F238E27FC236}">
+                  <a16:creationId xmlns:a16="http://schemas.microsoft.com/office/drawing/2014/main" id="{FAE84420-E672-4A16-8384-42BDDC4A9627}"/>
+                </a:ext>
+                <a:ext uri="{C183D7F6-B498-43B3-948B-1728B52AA6E4}">
+                  <adec:decorative xmlns:adec="http://schemas.microsoft.com/office/drawing/2017/decorative" val="1"/>
+                </a:ext>
+              </a:extLst>
+            </p:cNvPr>
+            <p:cNvCxnSpPr/>
+            <p:nvPr>
+              <p:extLst>
+                <p:ext uri="{386F3935-93C4-4BCD-93E2-E3B085C9AB24}">
+                  <p16:designElem xmlns:p16="http://schemas.microsoft.com/office/powerpoint/2015/main" val="1"/>
+                </p:ext>
+              </p:extLst>
+            </p:nvPr>
+          </p:nvCxnSpPr>
+          <p:spPr>
+            <a:xfrm flipH="1">
+              <a:off x="10292292" y="3285067"/>
+              <a:ext cx="1896534" cy="1896533"/>
+            </a:xfrm>
+            <a:prstGeom prst="line">
+              <a:avLst/>
+            </a:prstGeom>
+            <a:ln w="9525">
+              <a:solidFill>
+                <a:schemeClr val="tx1"/>
+              </a:solidFill>
+            </a:ln>
+          </p:spPr>
+          <p:style>
+            <a:lnRef idx="2">
+              <a:schemeClr val="accent1"/>
+            </a:lnRef>
+            <a:fillRef idx="0">
+              <a:schemeClr val="accent1"/>
+            </a:fillRef>
+            <a:effectRef idx="1">
+              <a:schemeClr val="accent1"/>
+            </a:effectRef>
+            <a:fontRef idx="minor">
+              <a:schemeClr val="tx1"/>
+            </a:fontRef>
+          </p:style>
+        </p:cxnSp>
+        <p:cxnSp>
+          <p:nvCxnSpPr>
+            <p:cNvPr id="27" name="Straight Connector 26">
+              <a:extLst>
+                <a:ext uri="{FF2B5EF4-FFF2-40B4-BE49-F238E27FC236}">
+                  <a16:creationId xmlns:a16="http://schemas.microsoft.com/office/drawing/2014/main" id="{044D91EB-FA8D-4FD3-88F8-053F9962BD40}"/>
+                </a:ext>
+                <a:ext uri="{C183D7F6-B498-43B3-948B-1728B52AA6E4}">
+                  <adec:decorative xmlns:adec="http://schemas.microsoft.com/office/drawing/2017/decorative" val="1"/>
+                </a:ext>
+              </a:extLst>
+            </p:cNvPr>
+            <p:cNvCxnSpPr/>
+            <p:nvPr>
+              <p:extLst>
+                <p:ext uri="{386F3935-93C4-4BCD-93E2-E3B085C9AB24}">
+                  <p16:designElem xmlns:p16="http://schemas.microsoft.com/office/powerpoint/2015/main" val="1"/>
+                </p:ext>
+              </p:extLst>
+            </p:nvPr>
+          </p:nvCxnSpPr>
+          <p:spPr>
+            <a:xfrm flipH="1">
+              <a:off x="10443103" y="3131080"/>
+              <a:ext cx="1745722" cy="1745720"/>
+            </a:xfrm>
+            <a:prstGeom prst="line">
+              <a:avLst/>
+            </a:prstGeom>
+            <a:ln w="28575">
+              <a:solidFill>
+                <a:schemeClr val="tx1"/>
+              </a:solidFill>
+            </a:ln>
+          </p:spPr>
+          <p:style>
+            <a:lnRef idx="2">
+              <a:schemeClr val="accent1"/>
+            </a:lnRef>
+            <a:fillRef idx="0">
+              <a:schemeClr val="accent1"/>
+            </a:fillRef>
+            <a:effectRef idx="1">
+              <a:schemeClr val="accent1"/>
+            </a:effectRef>
+            <a:fontRef idx="minor">
+              <a:schemeClr val="tx1"/>
+            </a:fontRef>
+          </p:style>
+        </p:cxnSp>
+        <p:cxnSp>
+          <p:nvCxnSpPr>
+            <p:cNvPr id="28" name="Straight Connector 27">
+              <a:extLst>
+                <a:ext uri="{FF2B5EF4-FFF2-40B4-BE49-F238E27FC236}">
+                  <a16:creationId xmlns:a16="http://schemas.microsoft.com/office/drawing/2014/main" id="{756B711F-46BD-4789-926C-CF2F01F71D68}"/>
+                </a:ext>
+                <a:ext uri="{C183D7F6-B498-43B3-948B-1728B52AA6E4}">
+                  <adec:decorative xmlns:adec="http://schemas.microsoft.com/office/drawing/2017/decorative" val="1"/>
+                </a:ext>
+              </a:extLst>
+            </p:cNvPr>
+            <p:cNvCxnSpPr/>
+            <p:nvPr>
+              <p:extLst>
+                <p:ext uri="{386F3935-93C4-4BCD-93E2-E3B085C9AB24}">
+                  <p16:designElem xmlns:p16="http://schemas.microsoft.com/office/powerpoint/2015/main" val="1"/>
+                </p:ext>
+              </p:extLst>
+            </p:nvPr>
+          </p:nvCxnSpPr>
+          <p:spPr>
+            <a:xfrm flipH="1">
+              <a:off x="10918826" y="3683001"/>
+              <a:ext cx="1270001" cy="1269999"/>
+            </a:xfrm>
+            <a:prstGeom prst="line">
+              <a:avLst/>
+            </a:prstGeom>
+            <a:ln w="28575">
+              <a:solidFill>
+                <a:schemeClr val="tx1"/>
+              </a:solidFill>
+            </a:ln>
+          </p:spPr>
+          <p:style>
+            <a:lnRef idx="2">
+              <a:schemeClr val="accent1"/>
+            </a:lnRef>
+            <a:fillRef idx="0">
+              <a:schemeClr val="accent1"/>
+            </a:fillRef>
+            <a:effectRef idx="1">
+              <a:schemeClr val="accent1"/>
+            </a:effectRef>
+            <a:fontRef idx="minor">
+              <a:schemeClr val="tx1"/>
+            </a:fontRef>
+          </p:style>
+        </p:cxnSp>
+      </p:grpSp>
+      <p:pic>
+        <p:nvPicPr>
+          <p:cNvPr id="11" name="Picture 10" descr="Chart, line chart&#10;&#10;Description automatically generated">
+            <a:extLst>
+              <a:ext uri="{FF2B5EF4-FFF2-40B4-BE49-F238E27FC236}">
+                <a16:creationId xmlns:a16="http://schemas.microsoft.com/office/drawing/2014/main" id="{35031976-4554-4B6A-AC1F-74B6B1133CCB}"/>
               </a:ext>
             </a:extLst>
           </p:cNvPr>
@@ -3543,21 +7065,15 @@
           <p:nvPr/>
         </p:nvPicPr>
         <p:blipFill>
-          <a:blip r:embed="rId2">
-            <a:extLst>
-              <a:ext uri="{28A0092B-C50C-407E-A947-70E740481C1C}">
-                <a14:useLocalDpi xmlns:a14="http://schemas.microsoft.com/office/drawing/2010/main" val="0"/>
-              </a:ext>
-            </a:extLst>
-          </a:blip>
+          <a:blip r:embed="rId3"/>
           <a:stretch>
             <a:fillRect/>
           </a:stretch>
         </p:blipFill>
         <p:spPr>
           <a:xfrm>
-            <a:off x="473691" y="515487"/>
-            <a:ext cx="11170122" cy="5585061"/>
+            <a:off x="3860042" y="406400"/>
+            <a:ext cx="8331958" cy="3469745"/>
           </a:xfrm>
           <a:prstGeom prst="rect">
             <a:avLst/>
@@ -3594,12 +7110,45 @@
           <a:chExt cx="0" cy="0"/>
         </a:xfrm>
       </p:grpSpPr>
+      <p:sp>
+        <p:nvSpPr>
+          <p:cNvPr id="9" name="Title 8">
+            <a:extLst>
+              <a:ext uri="{FF2B5EF4-FFF2-40B4-BE49-F238E27FC236}">
+                <a16:creationId xmlns:a16="http://schemas.microsoft.com/office/drawing/2014/main" id="{44420C1C-86F8-45F6-8725-48CC3C5CE62A}"/>
+              </a:ext>
+            </a:extLst>
+          </p:cNvPr>
+          <p:cNvSpPr>
+            <a:spLocks noGrp="1"/>
+          </p:cNvSpPr>
+          <p:nvPr>
+            <p:ph type="title"/>
+          </p:nvPr>
+        </p:nvSpPr>
+        <p:spPr>
+          <a:xfrm>
+            <a:off x="4420922" y="4665133"/>
+            <a:ext cx="2401888" cy="1507067"/>
+          </a:xfrm>
+        </p:spPr>
+        <p:txBody>
+          <a:bodyPr/>
+          <a:lstStyle/>
+          <a:p>
+            <a:r>
+              <a:rPr lang="en-US" dirty="0"/>
+              <a:t>08 crash </a:t>
+            </a:r>
+          </a:p>
+        </p:txBody>
+      </p:sp>
       <p:pic>
         <p:nvPicPr>
-          <p:cNvPr id="5" name="Content Placeholder 4" descr="Chart&#10;&#10;Description automatically generated">
+          <p:cNvPr id="14" name="Content Placeholder 13">
             <a:extLst>
               <a:ext uri="{FF2B5EF4-FFF2-40B4-BE49-F238E27FC236}">
-                <a16:creationId xmlns:a16="http://schemas.microsoft.com/office/drawing/2014/main" id="{E50A7DB9-E2FB-40F7-9E1B-7AADC79AF4C2}"/>
+                <a16:creationId xmlns:a16="http://schemas.microsoft.com/office/drawing/2014/main" id="{1AFDE085-BE26-4544-AD00-78C82011C5E3}"/>
               </a:ext>
             </a:extLst>
           </p:cNvPr>
@@ -3607,25 +7156,51 @@
             <a:picLocks noGrp="1" noChangeAspect="1"/>
           </p:cNvPicPr>
           <p:nvPr>
-            <p:ph idx="1"/>
+            <p:ph sz="half" idx="1"/>
           </p:nvPr>
         </p:nvPicPr>
         <p:blipFill>
-          <a:blip r:embed="rId2">
-            <a:extLst>
-              <a:ext uri="{28A0092B-C50C-407E-A947-70E740481C1C}">
-                <a14:useLocalDpi xmlns:a14="http://schemas.microsoft.com/office/drawing/2010/main" val="0"/>
-              </a:ext>
-            </a:extLst>
-          </a:blip>
+          <a:blip r:embed="rId2"/>
           <a:stretch>
             <a:fillRect/>
           </a:stretch>
         </p:blipFill>
         <p:spPr>
           <a:xfrm>
-            <a:off x="438150" y="301512"/>
-            <a:ext cx="11719604" cy="5859802"/>
+            <a:off x="173355" y="847410"/>
+            <a:ext cx="2438400" cy="2972010"/>
+          </a:xfrm>
+          <a:prstGeom prst="rect">
+            <a:avLst/>
+          </a:prstGeom>
+        </p:spPr>
+      </p:pic>
+      <p:pic>
+        <p:nvPicPr>
+          <p:cNvPr id="13" name="Content Placeholder 12" descr="Chart, histogram&#10;&#10;Description automatically generated">
+            <a:extLst>
+              <a:ext uri="{FF2B5EF4-FFF2-40B4-BE49-F238E27FC236}">
+                <a16:creationId xmlns:a16="http://schemas.microsoft.com/office/drawing/2014/main" id="{459E4045-54A5-41FC-B060-C76F9C2ED0CC}"/>
+              </a:ext>
+            </a:extLst>
+          </p:cNvPr>
+          <p:cNvPicPr>
+            <a:picLocks noGrp="1" noChangeAspect="1"/>
+          </p:cNvPicPr>
+          <p:nvPr>
+            <p:ph sz="half" idx="2"/>
+          </p:nvPr>
+        </p:nvPicPr>
+        <p:blipFill>
+          <a:blip r:embed="rId3"/>
+          <a:stretch>
+            <a:fillRect/>
+          </a:stretch>
+        </p:blipFill>
+        <p:spPr>
+          <a:xfrm>
+            <a:off x="2898547" y="525781"/>
+            <a:ext cx="9293453" cy="3615268"/>
           </a:xfrm>
         </p:spPr>
       </p:pic>
@@ -3659,17 +7234,50 @@
           <a:chExt cx="0" cy="0"/>
         </a:xfrm>
       </p:grpSpPr>
+      <p:sp>
+        <p:nvSpPr>
+          <p:cNvPr id="2" name="Title 1">
+            <a:extLst>
+              <a:ext uri="{FF2B5EF4-FFF2-40B4-BE49-F238E27FC236}">
+                <a16:creationId xmlns:a16="http://schemas.microsoft.com/office/drawing/2014/main" id="{9CD07F14-372D-42CC-BE29-01FA7870863F}"/>
+              </a:ext>
+            </a:extLst>
+          </p:cNvPr>
+          <p:cNvSpPr>
+            <a:spLocks noGrp="1"/>
+          </p:cNvSpPr>
+          <p:nvPr>
+            <p:ph type="title"/>
+          </p:nvPr>
+        </p:nvSpPr>
+        <p:spPr>
+          <a:xfrm>
+            <a:off x="4288794" y="5116397"/>
+            <a:ext cx="3614412" cy="859200"/>
+          </a:xfrm>
+        </p:spPr>
+        <p:txBody>
+          <a:bodyPr/>
+          <a:lstStyle/>
+          <a:p>
+            <a:r>
+              <a:rPr lang="en-US" dirty="0"/>
+              <a:t>Bull Market</a:t>
+            </a:r>
+          </a:p>
+        </p:txBody>
+      </p:sp>
       <p:pic>
         <p:nvPicPr>
-          <p:cNvPr id="5" name="Picture 4" descr="Chart&#10;&#10;Description automatically generated">
+          <p:cNvPr id="1026" name="Picture 2" descr="Cashing Out a 401k? Why It May Not Be The Best Emergency Fund Option">
             <a:extLst>
               <a:ext uri="{FF2B5EF4-FFF2-40B4-BE49-F238E27FC236}">
-                <a16:creationId xmlns:a16="http://schemas.microsoft.com/office/drawing/2014/main" id="{F325298B-E8E4-4742-A455-9A8DD1BF3160}"/>
+                <a16:creationId xmlns:a16="http://schemas.microsoft.com/office/drawing/2014/main" id="{688FB467-BD4A-44D6-AE35-662EA3232150}"/>
               </a:ext>
             </a:extLst>
           </p:cNvPr>
           <p:cNvPicPr>
-            <a:picLocks noChangeAspect="1"/>
+            <a:picLocks noChangeAspect="1" noChangeArrowheads="1"/>
           </p:cNvPicPr>
           <p:nvPr/>
         </p:nvPicPr>
@@ -3681,14 +7289,55 @@
               </a:ext>
             </a:extLst>
           </a:blip>
+          <a:srcRect/>
+          <a:stretch>
+            <a:fillRect/>
+          </a:stretch>
+        </p:blipFill>
+        <p:spPr bwMode="auto">
+          <a:xfrm>
+            <a:off x="214313" y="1517333"/>
+            <a:ext cx="2619375" cy="2540317"/>
+          </a:xfrm>
+          <a:prstGeom prst="rect">
+            <a:avLst/>
+          </a:prstGeom>
+          <a:noFill/>
+          <a:extLst>
+            <a:ext uri="{909E8E84-426E-40DD-AFC4-6F175D3DCCD1}">
+              <a14:hiddenFill xmlns:a14="http://schemas.microsoft.com/office/drawing/2010/main">
+                <a:solidFill>
+                  <a:srgbClr val="FFFFFF"/>
+                </a:solidFill>
+              </a14:hiddenFill>
+            </a:ext>
+          </a:extLst>
+        </p:spPr>
+      </p:pic>
+      <p:pic>
+        <p:nvPicPr>
+          <p:cNvPr id="6" name="Picture 5" descr="Graphical user interface&#10;&#10;Description automatically generated">
+            <a:extLst>
+              <a:ext uri="{FF2B5EF4-FFF2-40B4-BE49-F238E27FC236}">
+                <a16:creationId xmlns:a16="http://schemas.microsoft.com/office/drawing/2014/main" id="{07BE7E83-1C49-4224-AA4E-77C28CB53C9D}"/>
+              </a:ext>
+            </a:extLst>
+          </p:cNvPr>
+          <p:cNvPicPr>
+            <a:picLocks noChangeAspect="1"/>
+          </p:cNvPicPr>
+          <p:nvPr/>
+        </p:nvPicPr>
+        <p:blipFill>
+          <a:blip r:embed="rId3"/>
           <a:stretch>
             <a:fillRect/>
           </a:stretch>
         </p:blipFill>
         <p:spPr>
           <a:xfrm>
-            <a:off x="175533" y="360589"/>
-            <a:ext cx="11840934" cy="5920467"/>
+            <a:off x="3314700" y="882403"/>
+            <a:ext cx="8321040" cy="3175247"/>
           </a:xfrm>
           <a:prstGeom prst="rect">
             <a:avLst/>
@@ -3725,40 +7374,98 @@
           <a:chExt cx="0" cy="0"/>
         </a:xfrm>
       </p:grpSpPr>
+      <p:sp>
+        <p:nvSpPr>
+          <p:cNvPr id="2" name="Title 1">
+            <a:extLst>
+              <a:ext uri="{FF2B5EF4-FFF2-40B4-BE49-F238E27FC236}">
+                <a16:creationId xmlns:a16="http://schemas.microsoft.com/office/drawing/2014/main" id="{DD48D404-B98E-426B-BD37-C97DD6AE255D}"/>
+              </a:ext>
+            </a:extLst>
+          </p:cNvPr>
+          <p:cNvSpPr>
+            <a:spLocks noGrp="1"/>
+          </p:cNvSpPr>
+          <p:nvPr>
+            <p:ph type="title"/>
+          </p:nvPr>
+        </p:nvSpPr>
+        <p:spPr>
+          <a:xfrm>
+            <a:off x="4686300" y="4761652"/>
+            <a:ext cx="3053398" cy="1507067"/>
+          </a:xfrm>
+        </p:spPr>
+        <p:txBody>
+          <a:bodyPr/>
+          <a:lstStyle/>
+          <a:p>
+            <a:r>
+              <a:rPr lang="en-US" dirty="0"/>
+              <a:t>2020 insight</a:t>
+            </a:r>
+          </a:p>
+        </p:txBody>
+      </p:sp>
       <p:pic>
         <p:nvPicPr>
-          <p:cNvPr id="5" name="Picture 4" descr="Chart&#10;&#10;Description automatically generated">
+          <p:cNvPr id="8" name="Content Placeholder 7">
             <a:extLst>
               <a:ext uri="{FF2B5EF4-FFF2-40B4-BE49-F238E27FC236}">
-                <a16:creationId xmlns:a16="http://schemas.microsoft.com/office/drawing/2014/main" id="{CE7725CD-BECE-423B-A5F8-EAEE1B072323}"/>
+                <a16:creationId xmlns:a16="http://schemas.microsoft.com/office/drawing/2014/main" id="{03B9C4F2-AC8F-49F0-891E-1E01E9E76A28}"/>
               </a:ext>
             </a:extLst>
           </p:cNvPr>
           <p:cNvPicPr>
-            <a:picLocks noChangeAspect="1"/>
+            <a:picLocks noGrp="1" noChangeAspect="1"/>
           </p:cNvPicPr>
-          <p:nvPr/>
+          <p:nvPr>
+            <p:ph sz="half" idx="1"/>
+          </p:nvPr>
         </p:nvPicPr>
         <p:blipFill>
-          <a:blip r:embed="rId2">
-            <a:extLst>
-              <a:ext uri="{28A0092B-C50C-407E-A947-70E740481C1C}">
-                <a14:useLocalDpi xmlns:a14="http://schemas.microsoft.com/office/drawing/2010/main" val="0"/>
-              </a:ext>
-            </a:extLst>
-          </a:blip>
+          <a:blip r:embed="rId2"/>
           <a:stretch>
             <a:fillRect/>
           </a:stretch>
         </p:blipFill>
         <p:spPr>
           <a:xfrm>
-            <a:off x="131075" y="371474"/>
-            <a:ext cx="11867582" cy="5933791"/>
+            <a:off x="357188" y="1828800"/>
+            <a:ext cx="3871912" cy="1600200"/>
           </a:xfrm>
           <a:prstGeom prst="rect">
             <a:avLst/>
           </a:prstGeom>
+        </p:spPr>
+      </p:pic>
+      <p:pic>
+        <p:nvPicPr>
+          <p:cNvPr id="7" name="Content Placeholder 6" descr="A picture containing text, indoor, screenshot&#10;&#10;Description automatically generated">
+            <a:extLst>
+              <a:ext uri="{FF2B5EF4-FFF2-40B4-BE49-F238E27FC236}">
+                <a16:creationId xmlns:a16="http://schemas.microsoft.com/office/drawing/2014/main" id="{9571A7C0-3A4D-4863-A1D4-837D3ED6C9CB}"/>
+              </a:ext>
+            </a:extLst>
+          </p:cNvPr>
+          <p:cNvPicPr>
+            <a:picLocks noGrp="1" noChangeAspect="1"/>
+          </p:cNvPicPr>
+          <p:nvPr>
+            <p:ph sz="half" idx="2"/>
+          </p:nvPr>
+        </p:nvPicPr>
+        <p:blipFill>
+          <a:blip r:embed="rId3"/>
+          <a:stretch>
+            <a:fillRect/>
+          </a:stretch>
+        </p:blipFill>
+        <p:spPr>
+          <a:xfrm>
+            <a:off x="4686300" y="1040129"/>
+            <a:ext cx="7395209" cy="3260937"/>
+          </a:xfrm>
         </p:spPr>
       </p:pic>
     </p:spTree>
@@ -3777,6 +7484,31 @@
 <file path=ppt/slides/slide15.xml><?xml version="1.0" encoding="utf-8"?>
 <p:sld xmlns:a="http://schemas.openxmlformats.org/drawingml/2006/main" xmlns:r="http://schemas.openxmlformats.org/officeDocument/2006/relationships" xmlns:p="http://schemas.openxmlformats.org/presentationml/2006/main">
   <p:cSld>
+    <p:bg>
+      <p:bgPr>
+        <a:gradFill rotWithShape="1">
+          <a:gsLst>
+            <a:gs pos="10000">
+              <a:schemeClr val="bg2">
+                <a:tint val="97000"/>
+                <a:hueMod val="92000"/>
+                <a:satMod val="169000"/>
+                <a:lumMod val="164000"/>
+              </a:schemeClr>
+            </a:gs>
+            <a:gs pos="100000">
+              <a:schemeClr val="bg2">
+                <a:shade val="96000"/>
+                <a:satMod val="120000"/>
+                <a:lumMod val="90000"/>
+              </a:schemeClr>
+            </a:gs>
+          </a:gsLst>
+          <a:lin ang="6120000" scaled="1"/>
+        </a:gradFill>
+        <a:effectLst/>
+      </p:bgPr>
+    </p:bg>
     <p:spTree>
       <p:nvGrpSpPr>
         <p:cNvPr id="1" name=""/>
@@ -3791,6 +7523,66 @@
           <a:chExt cx="0" cy="0"/>
         </a:xfrm>
       </p:grpSpPr>
+      <p:sp useBgFill="1">
+        <p:nvSpPr>
+          <p:cNvPr id="10" name="Rectangle 9">
+            <a:extLst>
+              <a:ext uri="{FF2B5EF4-FFF2-40B4-BE49-F238E27FC236}">
+                <a16:creationId xmlns:a16="http://schemas.microsoft.com/office/drawing/2014/main" id="{B9403C7F-76AE-4587-92A2-D4E41EBE68BD}"/>
+              </a:ext>
+              <a:ext uri="{C183D7F6-B498-43B3-948B-1728B52AA6E4}">
+                <adec:decorative xmlns:adec="http://schemas.microsoft.com/office/drawing/2017/decorative" val="1"/>
+              </a:ext>
+            </a:extLst>
+          </p:cNvPr>
+          <p:cNvSpPr>
+            <a:spLocks noGrp="1" noRot="1" noChangeAspect="1" noMove="1" noResize="1" noEditPoints="1" noAdjustHandles="1" noChangeArrowheads="1" noChangeShapeType="1" noTextEdit="1"/>
+          </p:cNvSpPr>
+          <p:nvPr>
+            <p:extLst>
+              <p:ext uri="{386F3935-93C4-4BCD-93E2-E3B085C9AB24}">
+                <p16:designElem xmlns:p16="http://schemas.microsoft.com/office/powerpoint/2015/main" val="1"/>
+              </p:ext>
+            </p:extLst>
+          </p:nvPr>
+        </p:nvSpPr>
+        <p:spPr>
+          <a:xfrm>
+            <a:off x="0" y="0"/>
+            <a:ext cx="12192000" cy="6858000"/>
+          </a:xfrm>
+          <a:prstGeom prst="rect">
+            <a:avLst/>
+          </a:prstGeom>
+          <a:ln>
+            <a:noFill/>
+          </a:ln>
+        </p:spPr>
+        <p:style>
+          <a:lnRef idx="2">
+            <a:schemeClr val="accent1">
+              <a:shade val="50000"/>
+            </a:schemeClr>
+          </a:lnRef>
+          <a:fillRef idx="1">
+            <a:schemeClr val="accent1"/>
+          </a:fillRef>
+          <a:effectRef idx="0">
+            <a:schemeClr val="accent1"/>
+          </a:effectRef>
+          <a:fontRef idx="minor">
+            <a:schemeClr val="lt1"/>
+          </a:fontRef>
+        </p:style>
+        <p:txBody>
+          <a:bodyPr rtlCol="0" anchor="ctr"/>
+          <a:lstStyle/>
+          <a:p>
+            <a:pPr algn="ctr"/>
+            <a:endParaRPr lang="en-US"/>
+          </a:p>
+        </p:txBody>
+      </p:sp>
       <p:sp>
         <p:nvSpPr>
           <p:cNvPr id="2" name="Title 1">
@@ -3807,53 +7599,390 @@
             <p:ph type="title"/>
           </p:nvPr>
         </p:nvSpPr>
-        <p:spPr/>
-        <p:txBody>
-          <a:bodyPr/>
+        <p:spPr>
+          <a:xfrm>
+            <a:off x="3978579" y="4487332"/>
+            <a:ext cx="5627158" cy="1507067"/>
+          </a:xfrm>
+        </p:spPr>
+        <p:txBody>
+          <a:bodyPr>
+            <a:normAutofit/>
+          </a:bodyPr>
           <a:lstStyle/>
           <a:p>
             <a:r>
               <a:rPr lang="en-US" dirty="0"/>
-              <a:t>Dash Output</a:t>
+              <a:t>Dash next steps</a:t>
             </a:r>
           </a:p>
         </p:txBody>
       </p:sp>
       <p:pic>
         <p:nvPicPr>
-          <p:cNvPr id="5" name="Content Placeholder 4" descr="Graphical user interface, application, Teams&#10;&#10;Description automatically generated">
+          <p:cNvPr id="6" name="Picture 5" descr="Stock exchange numbers">
             <a:extLst>
               <a:ext uri="{FF2B5EF4-FFF2-40B4-BE49-F238E27FC236}">
-                <a16:creationId xmlns:a16="http://schemas.microsoft.com/office/drawing/2014/main" id="{8517A3C5-5A58-424C-9C49-7935B4C779D3}"/>
+                <a16:creationId xmlns:a16="http://schemas.microsoft.com/office/drawing/2014/main" id="{22B2FCB6-3BA8-4B5D-997B-DA67E0FD1A7B}"/>
               </a:ext>
             </a:extLst>
           </p:cNvPr>
           <p:cNvPicPr>
-            <a:picLocks noGrp="1" noChangeAspect="1"/>
+            <a:picLocks noChangeAspect="1"/>
           </p:cNvPicPr>
-          <p:nvPr>
-            <p:ph idx="1"/>
-          </p:nvPr>
+          <p:nvPr/>
         </p:nvPicPr>
-        <p:blipFill>
-          <a:blip r:embed="rId2">
-            <a:extLst>
-              <a:ext uri="{28A0092B-C50C-407E-A947-70E740481C1C}">
-                <a14:useLocalDpi xmlns:a14="http://schemas.microsoft.com/office/drawing/2010/main" val="0"/>
-              </a:ext>
-            </a:extLst>
-          </a:blip>
-          <a:stretch>
-            <a:fillRect/>
-          </a:stretch>
+        <p:blipFill rotWithShape="1">
+          <a:blip r:embed="rId2"/>
+          <a:srcRect l="33698" r="32216" b="-1"/>
+          <a:stretch/>
         </p:blipFill>
         <p:spPr>
           <a:xfrm>
-            <a:off x="838200" y="1799870"/>
-            <a:ext cx="9202659" cy="4351338"/>
-          </a:xfrm>
+            <a:off x="831" y="10"/>
+            <a:ext cx="3502025" cy="6857990"/>
+          </a:xfrm>
+          <a:prstGeom prst="rect">
+            <a:avLst/>
+          </a:prstGeom>
+          <a:effectLst>
+            <a:innerShdw blurRad="57150" dist="38100" dir="14460000">
+              <a:prstClr val="black">
+                <a:alpha val="70000"/>
+              </a:prstClr>
+            </a:innerShdw>
+          </a:effectLst>
         </p:spPr>
       </p:pic>
+      <p:sp>
+        <p:nvSpPr>
+          <p:cNvPr id="4" name="Content Placeholder 3">
+            <a:extLst>
+              <a:ext uri="{FF2B5EF4-FFF2-40B4-BE49-F238E27FC236}">
+                <a16:creationId xmlns:a16="http://schemas.microsoft.com/office/drawing/2014/main" id="{6131F640-8F15-42AB-BE29-869F4A4256E9}"/>
+              </a:ext>
+            </a:extLst>
+          </p:cNvPr>
+          <p:cNvSpPr>
+            <a:spLocks noGrp="1"/>
+          </p:cNvSpPr>
+          <p:nvPr>
+            <p:ph idx="1"/>
+          </p:nvPr>
+        </p:nvSpPr>
+        <p:spPr>
+          <a:xfrm>
+            <a:off x="3884612" y="685800"/>
+            <a:ext cx="6626072" cy="3615267"/>
+          </a:xfrm>
+        </p:spPr>
+        <p:txBody>
+          <a:bodyPr>
+            <a:normAutofit/>
+          </a:bodyPr>
+          <a:lstStyle/>
+          <a:p>
+            <a:r>
+              <a:rPr lang="en-US" dirty="0"/>
+              <a:t>Launching full web application</a:t>
+            </a:r>
+          </a:p>
+          <a:p>
+            <a:r>
+              <a:rPr lang="en-US" dirty="0"/>
+              <a:t>Integrating questions from our questionary</a:t>
+            </a:r>
+          </a:p>
+          <a:p>
+            <a:r>
+              <a:rPr lang="en-US" dirty="0"/>
+              <a:t>Making daily updates on ratios</a:t>
+            </a:r>
+          </a:p>
+        </p:txBody>
+      </p:sp>
+      <p:grpSp>
+        <p:nvGrpSpPr>
+          <p:cNvPr id="12" name="Group 11">
+            <a:extLst>
+              <a:ext uri="{FF2B5EF4-FFF2-40B4-BE49-F238E27FC236}">
+                <a16:creationId xmlns:a16="http://schemas.microsoft.com/office/drawing/2014/main" id="{D6C71778-3DDA-4748-AEBB-2A4B75016325}"/>
+              </a:ext>
+              <a:ext uri="{C183D7F6-B498-43B3-948B-1728B52AA6E4}">
+                <adec:decorative xmlns:adec="http://schemas.microsoft.com/office/drawing/2017/decorative" val="1"/>
+              </a:ext>
+            </a:extLst>
+          </p:cNvPr>
+          <p:cNvGrpSpPr>
+            <a:grpSpLocks noGrp="1" noUngrp="1" noRot="1" noChangeAspect="1" noMove="1" noResize="1"/>
+          </p:cNvGrpSpPr>
+          <p:nvPr>
+            <p:extLst>
+              <p:ext uri="{386F3935-93C4-4BCD-93E2-E3B085C9AB24}">
+                <p16:designElem xmlns:p16="http://schemas.microsoft.com/office/powerpoint/2015/main" val="1"/>
+              </p:ext>
+            </p:extLst>
+          </p:nvPr>
+        </p:nvGrpSpPr>
+        <p:grpSpPr>
+          <a:xfrm>
+            <a:off x="9206969" y="2963333"/>
+            <a:ext cx="2981858" cy="3208867"/>
+            <a:chOff x="9206969" y="2963333"/>
+            <a:chExt cx="2981858" cy="3208867"/>
+          </a:xfrm>
+        </p:grpSpPr>
+        <p:cxnSp>
+          <p:nvCxnSpPr>
+            <p:cNvPr id="13" name="Straight Connector 12">
+              <a:extLst>
+                <a:ext uri="{FF2B5EF4-FFF2-40B4-BE49-F238E27FC236}">
+                  <a16:creationId xmlns:a16="http://schemas.microsoft.com/office/drawing/2014/main" id="{BA1F5C7D-5183-424E-BD72-BBFC59C5A263}"/>
+                </a:ext>
+                <a:ext uri="{C183D7F6-B498-43B3-948B-1728B52AA6E4}">
+                  <adec:decorative xmlns:adec="http://schemas.microsoft.com/office/drawing/2017/decorative" val="1"/>
+                </a:ext>
+              </a:extLst>
+            </p:cNvPr>
+            <p:cNvCxnSpPr/>
+            <p:nvPr>
+              <p:extLst>
+                <p:ext uri="{386F3935-93C4-4BCD-93E2-E3B085C9AB24}">
+                  <p16:designElem xmlns:p16="http://schemas.microsoft.com/office/powerpoint/2015/main" val="1"/>
+                </p:ext>
+              </p:extLst>
+            </p:nvPr>
+          </p:nvCxnSpPr>
+          <p:spPr>
+            <a:xfrm flipH="1">
+              <a:off x="11276012" y="2963333"/>
+              <a:ext cx="912814" cy="912812"/>
+            </a:xfrm>
+            <a:prstGeom prst="line">
+              <a:avLst/>
+            </a:prstGeom>
+            <a:ln w="9525">
+              <a:solidFill>
+                <a:schemeClr val="tx1"/>
+              </a:solidFill>
+            </a:ln>
+          </p:spPr>
+          <p:style>
+            <a:lnRef idx="2">
+              <a:schemeClr val="accent1"/>
+            </a:lnRef>
+            <a:fillRef idx="0">
+              <a:schemeClr val="accent1"/>
+            </a:fillRef>
+            <a:effectRef idx="1">
+              <a:schemeClr val="accent1"/>
+            </a:effectRef>
+            <a:fontRef idx="minor">
+              <a:schemeClr val="tx1"/>
+            </a:fontRef>
+          </p:style>
+        </p:cxnSp>
+        <p:cxnSp>
+          <p:nvCxnSpPr>
+            <p:cNvPr id="14" name="Straight Connector 13">
+              <a:extLst>
+                <a:ext uri="{FF2B5EF4-FFF2-40B4-BE49-F238E27FC236}">
+                  <a16:creationId xmlns:a16="http://schemas.microsoft.com/office/drawing/2014/main" id="{B848F76E-D8DE-4826-901B-4E4090240E52}"/>
+                </a:ext>
+                <a:ext uri="{C183D7F6-B498-43B3-948B-1728B52AA6E4}">
+                  <adec:decorative xmlns:adec="http://schemas.microsoft.com/office/drawing/2017/decorative" val="1"/>
+                </a:ext>
+              </a:extLst>
+            </p:cNvPr>
+            <p:cNvCxnSpPr/>
+            <p:nvPr>
+              <p:extLst>
+                <p:ext uri="{386F3935-93C4-4BCD-93E2-E3B085C9AB24}">
+                  <p16:designElem xmlns:p16="http://schemas.microsoft.com/office/powerpoint/2015/main" val="1"/>
+                </p:ext>
+              </p:extLst>
+            </p:nvPr>
+          </p:nvCxnSpPr>
+          <p:spPr>
+            <a:xfrm flipH="1">
+              <a:off x="9206969" y="3190344"/>
+              <a:ext cx="2981857" cy="2981856"/>
+            </a:xfrm>
+            <a:prstGeom prst="line">
+              <a:avLst/>
+            </a:prstGeom>
+            <a:ln w="9525">
+              <a:solidFill>
+                <a:schemeClr val="tx1"/>
+              </a:solidFill>
+            </a:ln>
+          </p:spPr>
+          <p:style>
+            <a:lnRef idx="2">
+              <a:schemeClr val="accent1"/>
+            </a:lnRef>
+            <a:fillRef idx="0">
+              <a:schemeClr val="accent1"/>
+            </a:fillRef>
+            <a:effectRef idx="1">
+              <a:schemeClr val="accent1"/>
+            </a:effectRef>
+            <a:fontRef idx="minor">
+              <a:schemeClr val="tx1"/>
+            </a:fontRef>
+          </p:style>
+        </p:cxnSp>
+        <p:cxnSp>
+          <p:nvCxnSpPr>
+            <p:cNvPr id="15" name="Straight Connector 14">
+              <a:extLst>
+                <a:ext uri="{FF2B5EF4-FFF2-40B4-BE49-F238E27FC236}">
+                  <a16:creationId xmlns:a16="http://schemas.microsoft.com/office/drawing/2014/main" id="{FAE84420-E672-4A16-8384-42BDDC4A9627}"/>
+                </a:ext>
+                <a:ext uri="{C183D7F6-B498-43B3-948B-1728B52AA6E4}">
+                  <adec:decorative xmlns:adec="http://schemas.microsoft.com/office/drawing/2017/decorative" val="1"/>
+                </a:ext>
+              </a:extLst>
+            </p:cNvPr>
+            <p:cNvCxnSpPr/>
+            <p:nvPr>
+              <p:extLst>
+                <p:ext uri="{386F3935-93C4-4BCD-93E2-E3B085C9AB24}">
+                  <p16:designElem xmlns:p16="http://schemas.microsoft.com/office/powerpoint/2015/main" val="1"/>
+                </p:ext>
+              </p:extLst>
+            </p:nvPr>
+          </p:nvCxnSpPr>
+          <p:spPr>
+            <a:xfrm flipH="1">
+              <a:off x="10292292" y="3285067"/>
+              <a:ext cx="1896534" cy="1896533"/>
+            </a:xfrm>
+            <a:prstGeom prst="line">
+              <a:avLst/>
+            </a:prstGeom>
+            <a:ln w="9525">
+              <a:solidFill>
+                <a:schemeClr val="tx1"/>
+              </a:solidFill>
+            </a:ln>
+          </p:spPr>
+          <p:style>
+            <a:lnRef idx="2">
+              <a:schemeClr val="accent1"/>
+            </a:lnRef>
+            <a:fillRef idx="0">
+              <a:schemeClr val="accent1"/>
+            </a:fillRef>
+            <a:effectRef idx="1">
+              <a:schemeClr val="accent1"/>
+            </a:effectRef>
+            <a:fontRef idx="minor">
+              <a:schemeClr val="tx1"/>
+            </a:fontRef>
+          </p:style>
+        </p:cxnSp>
+        <p:cxnSp>
+          <p:nvCxnSpPr>
+            <p:cNvPr id="16" name="Straight Connector 15">
+              <a:extLst>
+                <a:ext uri="{FF2B5EF4-FFF2-40B4-BE49-F238E27FC236}">
+                  <a16:creationId xmlns:a16="http://schemas.microsoft.com/office/drawing/2014/main" id="{044D91EB-FA8D-4FD3-88F8-053F9962BD40}"/>
+                </a:ext>
+                <a:ext uri="{C183D7F6-B498-43B3-948B-1728B52AA6E4}">
+                  <adec:decorative xmlns:adec="http://schemas.microsoft.com/office/drawing/2017/decorative" val="1"/>
+                </a:ext>
+              </a:extLst>
+            </p:cNvPr>
+            <p:cNvCxnSpPr/>
+            <p:nvPr>
+              <p:extLst>
+                <p:ext uri="{386F3935-93C4-4BCD-93E2-E3B085C9AB24}">
+                  <p16:designElem xmlns:p16="http://schemas.microsoft.com/office/powerpoint/2015/main" val="1"/>
+                </p:ext>
+              </p:extLst>
+            </p:nvPr>
+          </p:nvCxnSpPr>
+          <p:spPr>
+            <a:xfrm flipH="1">
+              <a:off x="10443103" y="3131080"/>
+              <a:ext cx="1745722" cy="1745720"/>
+            </a:xfrm>
+            <a:prstGeom prst="line">
+              <a:avLst/>
+            </a:prstGeom>
+            <a:ln w="28575">
+              <a:solidFill>
+                <a:schemeClr val="tx1"/>
+              </a:solidFill>
+            </a:ln>
+          </p:spPr>
+          <p:style>
+            <a:lnRef idx="2">
+              <a:schemeClr val="accent1"/>
+            </a:lnRef>
+            <a:fillRef idx="0">
+              <a:schemeClr val="accent1"/>
+            </a:fillRef>
+            <a:effectRef idx="1">
+              <a:schemeClr val="accent1"/>
+            </a:effectRef>
+            <a:fontRef idx="minor">
+              <a:schemeClr val="tx1"/>
+            </a:fontRef>
+          </p:style>
+        </p:cxnSp>
+        <p:cxnSp>
+          <p:nvCxnSpPr>
+            <p:cNvPr id="17" name="Straight Connector 16">
+              <a:extLst>
+                <a:ext uri="{FF2B5EF4-FFF2-40B4-BE49-F238E27FC236}">
+                  <a16:creationId xmlns:a16="http://schemas.microsoft.com/office/drawing/2014/main" id="{756B711F-46BD-4789-926C-CF2F01F71D68}"/>
+                </a:ext>
+                <a:ext uri="{C183D7F6-B498-43B3-948B-1728B52AA6E4}">
+                  <adec:decorative xmlns:adec="http://schemas.microsoft.com/office/drawing/2017/decorative" val="1"/>
+                </a:ext>
+              </a:extLst>
+            </p:cNvPr>
+            <p:cNvCxnSpPr/>
+            <p:nvPr>
+              <p:extLst>
+                <p:ext uri="{386F3935-93C4-4BCD-93E2-E3B085C9AB24}">
+                  <p16:designElem xmlns:p16="http://schemas.microsoft.com/office/powerpoint/2015/main" val="1"/>
+                </p:ext>
+              </p:extLst>
+            </p:nvPr>
+          </p:nvCxnSpPr>
+          <p:spPr>
+            <a:xfrm flipH="1">
+              <a:off x="10918826" y="3683001"/>
+              <a:ext cx="1270001" cy="1269999"/>
+            </a:xfrm>
+            <a:prstGeom prst="line">
+              <a:avLst/>
+            </a:prstGeom>
+            <a:ln w="28575">
+              <a:solidFill>
+                <a:schemeClr val="tx1"/>
+              </a:solidFill>
+            </a:ln>
+          </p:spPr>
+          <p:style>
+            <a:lnRef idx="2">
+              <a:schemeClr val="accent1"/>
+            </a:lnRef>
+            <a:fillRef idx="0">
+              <a:schemeClr val="accent1"/>
+            </a:fillRef>
+            <a:effectRef idx="1">
+              <a:schemeClr val="accent1"/>
+            </a:effectRef>
+            <a:fontRef idx="minor">
+              <a:schemeClr val="tx1"/>
+            </a:fontRef>
+          </p:style>
+        </p:cxnSp>
+      </p:grpSp>
     </p:spTree>
     <p:extLst>
       <p:ext uri="{BB962C8B-B14F-4D97-AF65-F5344CB8AC3E}">
@@ -3898,7 +8027,7 @@
           </p:cNvPicPr>
           <p:nvPr/>
         </p:nvPicPr>
-        <p:blipFill>
+        <p:blipFill rotWithShape="1">
           <a:blip r:embed="rId2">
             <a:extLst>
               <a:ext uri="{28A0092B-C50C-407E-A947-70E740481C1C}">
@@ -3906,540 +8035,150 @@
               </a:ext>
             </a:extLst>
           </a:blip>
+          <a:srcRect l="20808" t="7460" r="16428" b="1330"/>
+          <a:stretch/>
+        </p:blipFill>
+        <p:spPr>
+          <a:xfrm>
+            <a:off x="0" y="160257"/>
+            <a:ext cx="5335571" cy="3878907"/>
+          </a:xfrm>
+          <a:prstGeom prst="rect">
+            <a:avLst/>
+          </a:prstGeom>
+        </p:spPr>
+      </p:pic>
+      <p:sp>
+        <p:nvSpPr>
+          <p:cNvPr id="2" name="Title 1">
+            <a:extLst>
+              <a:ext uri="{FF2B5EF4-FFF2-40B4-BE49-F238E27FC236}">
+                <a16:creationId xmlns:a16="http://schemas.microsoft.com/office/drawing/2014/main" id="{E571B0B2-BE2D-4458-9475-617970EFDBF1}"/>
+              </a:ext>
+            </a:extLst>
+          </p:cNvPr>
+          <p:cNvSpPr>
+            <a:spLocks noGrp="1"/>
+          </p:cNvSpPr>
+          <p:nvPr>
+            <p:ph type="title"/>
+          </p:nvPr>
+        </p:nvSpPr>
+        <p:spPr>
+          <a:xfrm>
+            <a:off x="150829" y="5230411"/>
+            <a:ext cx="11774078" cy="1312816"/>
+          </a:xfrm>
+        </p:spPr>
+        <p:txBody>
+          <a:bodyPr>
+            <a:normAutofit/>
+          </a:bodyPr>
+          <a:lstStyle/>
+          <a:p>
+            <a:r>
+              <a:rPr lang="en-US" dirty="0"/>
+              <a:t>Forecasting for the next five years internal graph vs clients graph</a:t>
+            </a:r>
+          </a:p>
+        </p:txBody>
+      </p:sp>
+      <p:sp>
+        <p:nvSpPr>
+          <p:cNvPr id="3" name="Content Placeholder 2">
+            <a:extLst>
+              <a:ext uri="{FF2B5EF4-FFF2-40B4-BE49-F238E27FC236}">
+                <a16:creationId xmlns:a16="http://schemas.microsoft.com/office/drawing/2014/main" id="{5F7AE9BD-23EF-42CE-9988-A1A59FA6C9ED}"/>
+              </a:ext>
+            </a:extLst>
+          </p:cNvPr>
+          <p:cNvSpPr>
+            <a:spLocks noGrp="1"/>
+          </p:cNvSpPr>
+          <p:nvPr>
+            <p:ph sz="half" idx="1"/>
+          </p:nvPr>
+        </p:nvSpPr>
+        <p:spPr>
+          <a:xfrm>
+            <a:off x="231724" y="4060462"/>
+            <a:ext cx="4937655" cy="902529"/>
+          </a:xfrm>
+        </p:spPr>
+        <p:txBody>
+          <a:bodyPr/>
+          <a:lstStyle/>
+          <a:p>
+            <a:r>
+              <a:rPr lang="en-US" dirty="0"/>
+              <a:t>Internal</a:t>
+            </a:r>
+          </a:p>
+        </p:txBody>
+      </p:sp>
+      <p:sp>
+        <p:nvSpPr>
+          <p:cNvPr id="4" name="Content Placeholder 3">
+            <a:extLst>
+              <a:ext uri="{FF2B5EF4-FFF2-40B4-BE49-F238E27FC236}">
+                <a16:creationId xmlns:a16="http://schemas.microsoft.com/office/drawing/2014/main" id="{D55D1637-C5A7-47E3-9488-7C71CB8000FA}"/>
+              </a:ext>
+            </a:extLst>
+          </p:cNvPr>
+          <p:cNvSpPr>
+            <a:spLocks noGrp="1"/>
+          </p:cNvSpPr>
+          <p:nvPr>
+            <p:ph sz="half" idx="2"/>
+          </p:nvPr>
+        </p:nvSpPr>
+        <p:spPr>
+          <a:xfrm>
+            <a:off x="6328876" y="4060463"/>
+            <a:ext cx="4934479" cy="902528"/>
+          </a:xfrm>
+        </p:spPr>
+        <p:txBody>
+          <a:bodyPr/>
+          <a:lstStyle/>
+          <a:p>
+            <a:r>
+              <a:rPr lang="en-US" dirty="0"/>
+              <a:t>Client Facing</a:t>
+            </a:r>
+          </a:p>
+        </p:txBody>
+      </p:sp>
+      <p:pic>
+        <p:nvPicPr>
+          <p:cNvPr id="7" name="Picture 6" descr="A screenshot of a computer&#10;&#10;Description automatically generated with medium confidence">
+            <a:extLst>
+              <a:ext uri="{FF2B5EF4-FFF2-40B4-BE49-F238E27FC236}">
+                <a16:creationId xmlns:a16="http://schemas.microsoft.com/office/drawing/2014/main" id="{273AA536-5CA7-4466-B8C6-5B43F31953AB}"/>
+              </a:ext>
+            </a:extLst>
+          </p:cNvPr>
+          <p:cNvPicPr>
+            <a:picLocks noChangeAspect="1"/>
+          </p:cNvPicPr>
+          <p:nvPr/>
+        </p:nvPicPr>
+        <p:blipFill>
+          <a:blip r:embed="rId3"/>
           <a:stretch>
             <a:fillRect/>
           </a:stretch>
         </p:blipFill>
         <p:spPr>
           <a:xfrm>
-            <a:off x="2401778" y="266735"/>
-            <a:ext cx="9326996" cy="4252723"/>
+            <a:off x="5039394" y="138959"/>
+            <a:ext cx="7067765" cy="3900205"/>
           </a:xfrm>
           <a:prstGeom prst="rect">
             <a:avLst/>
           </a:prstGeom>
         </p:spPr>
       </p:pic>
-      <p:sp>
-        <p:nvSpPr>
-          <p:cNvPr id="8" name="Rectangle 2">
-            <a:extLst>
-              <a:ext uri="{FF2B5EF4-FFF2-40B4-BE49-F238E27FC236}">
-                <a16:creationId xmlns:a16="http://schemas.microsoft.com/office/drawing/2014/main" id="{961112B1-22AF-4B41-B736-AA86970B59AC}"/>
-              </a:ext>
-            </a:extLst>
-          </p:cNvPr>
-          <p:cNvSpPr>
-            <a:spLocks noChangeArrowheads="1"/>
-          </p:cNvSpPr>
-          <p:nvPr/>
-        </p:nvSpPr>
-        <p:spPr bwMode="auto">
-          <a:xfrm>
-            <a:off x="403859" y="1081052"/>
-            <a:ext cx="1997919" cy="2462213"/>
-          </a:xfrm>
-          <a:prstGeom prst="rect">
-            <a:avLst/>
-          </a:prstGeom>
-          <a:solidFill>
-            <a:srgbClr val="FFFFFF"/>
-          </a:solidFill>
-          <a:ln>
-            <a:noFill/>
-          </a:ln>
-          <a:effectLst/>
-          <a:extLst>
-            <a:ext uri="{91240B29-F687-4F45-9708-019B960494DF}">
-              <a14:hiddenLine xmlns:a14="http://schemas.microsoft.com/office/drawing/2010/main" w="9525">
-                <a:solidFill>
-                  <a:schemeClr val="tx1"/>
-                </a:solidFill>
-                <a:miter lim="800000"/>
-                <a:headEnd/>
-                <a:tailEnd/>
-              </a14:hiddenLine>
-            </a:ext>
-            <a:ext uri="{AF507438-7753-43E0-B8FC-AC1667EBCBE1}">
-              <a14:hiddenEffects xmlns:a14="http://schemas.microsoft.com/office/drawing/2010/main">
-                <a:effectLst>
-                  <a:outerShdw dist="35921" dir="2700000" algn="ctr" rotWithShape="0">
-                    <a:schemeClr val="bg2"/>
-                  </a:outerShdw>
-                </a:effectLst>
-              </a14:hiddenEffects>
-            </a:ext>
-          </a:extLst>
-        </p:spPr>
-        <p:txBody>
-          <a:bodyPr vert="horz" wrap="none" lIns="0" tIns="0" rIns="0" bIns="0" numCol="1" anchor="ctr" anchorCtr="0" compatLnSpc="1">
-            <a:prstTxWarp prst="textNoShape">
-              <a:avLst/>
-            </a:prstTxWarp>
-            <a:spAutoFit/>
-          </a:bodyPr>
-          <a:lstStyle/>
-          <a:p>
-            <a:pPr marL="0" marR="0" lvl="0" indent="0" algn="l" defTabSz="914400" rtl="0" eaLnBrk="0" fontAlgn="base" latinLnBrk="0" hangingPunct="0">
-              <a:lnSpc>
-                <a:spcPct val="100000"/>
-              </a:lnSpc>
-              <a:spcBef>
-                <a:spcPct val="0"/>
-              </a:spcBef>
-              <a:spcAft>
-                <a:spcPct val="0"/>
-              </a:spcAft>
-              <a:buClrTx/>
-              <a:buSzTx/>
-              <a:buFontTx/>
-              <a:buNone/>
-              <a:tabLst/>
-            </a:pPr>
-            <a:r>
-              <a:rPr kumimoji="0" lang="en-US" altLang="en-US" sz="1600" b="0" i="0" u="none" strike="noStrike" cap="none" normalizeH="0" baseline="0" dirty="0">
-                <a:ln>
-                  <a:noFill/>
-                </a:ln>
-                <a:solidFill>
-                  <a:schemeClr val="tx1"/>
-                </a:solidFill>
-                <a:effectLst/>
-                <a:latin typeface="var(--jp-code-font-family)"/>
-              </a:rPr>
-              <a:t>count 500.000000 </a:t>
-            </a:r>
-          </a:p>
-          <a:p>
-            <a:pPr marL="0" marR="0" lvl="0" indent="0" algn="l" defTabSz="914400" rtl="0" eaLnBrk="0" fontAlgn="base" latinLnBrk="0" hangingPunct="0">
-              <a:lnSpc>
-                <a:spcPct val="100000"/>
-              </a:lnSpc>
-              <a:spcBef>
-                <a:spcPct val="0"/>
-              </a:spcBef>
-              <a:spcAft>
-                <a:spcPct val="0"/>
-              </a:spcAft>
-              <a:buClrTx/>
-              <a:buSzTx/>
-              <a:buFontTx/>
-              <a:buNone/>
-              <a:tabLst/>
-            </a:pPr>
-            <a:r>
-              <a:rPr kumimoji="0" lang="en-US" altLang="en-US" sz="1600" b="0" i="0" u="none" strike="noStrike" cap="none" normalizeH="0" baseline="0" dirty="0">
-                <a:ln>
-                  <a:noFill/>
-                </a:ln>
-                <a:solidFill>
-                  <a:schemeClr val="tx1"/>
-                </a:solidFill>
-                <a:effectLst/>
-                <a:latin typeface="var(--jp-code-font-family)"/>
-              </a:rPr>
-              <a:t>mean 1.523473 </a:t>
-            </a:r>
-          </a:p>
-          <a:p>
-            <a:pPr marL="0" marR="0" lvl="0" indent="0" algn="l" defTabSz="914400" rtl="0" eaLnBrk="0" fontAlgn="base" latinLnBrk="0" hangingPunct="0">
-              <a:lnSpc>
-                <a:spcPct val="100000"/>
-              </a:lnSpc>
-              <a:spcBef>
-                <a:spcPct val="0"/>
-              </a:spcBef>
-              <a:spcAft>
-                <a:spcPct val="0"/>
-              </a:spcAft>
-              <a:buClrTx/>
-              <a:buSzTx/>
-              <a:buFontTx/>
-              <a:buNone/>
-              <a:tabLst/>
-            </a:pPr>
-            <a:r>
-              <a:rPr kumimoji="0" lang="en-US" altLang="en-US" sz="1600" b="0" i="0" u="none" strike="noStrike" cap="none" normalizeH="0" baseline="0" dirty="0">
-                <a:ln>
-                  <a:noFill/>
-                </a:ln>
-                <a:solidFill>
-                  <a:schemeClr val="tx1"/>
-                </a:solidFill>
-                <a:effectLst/>
-                <a:latin typeface="var(--jp-code-font-family)"/>
-              </a:rPr>
-              <a:t>std 0.359308 </a:t>
-            </a:r>
-          </a:p>
-          <a:p>
-            <a:pPr marL="0" marR="0" lvl="0" indent="0" algn="l" defTabSz="914400" rtl="0" eaLnBrk="0" fontAlgn="base" latinLnBrk="0" hangingPunct="0">
-              <a:lnSpc>
-                <a:spcPct val="100000"/>
-              </a:lnSpc>
-              <a:spcBef>
-                <a:spcPct val="0"/>
-              </a:spcBef>
-              <a:spcAft>
-                <a:spcPct val="0"/>
-              </a:spcAft>
-              <a:buClrTx/>
-              <a:buSzTx/>
-              <a:buFontTx/>
-              <a:buNone/>
-              <a:tabLst/>
-            </a:pPr>
-            <a:r>
-              <a:rPr kumimoji="0" lang="en-US" altLang="en-US" sz="1600" b="0" i="0" u="none" strike="noStrike" cap="none" normalizeH="0" baseline="0" dirty="0">
-                <a:ln>
-                  <a:noFill/>
-                </a:ln>
-                <a:solidFill>
-                  <a:schemeClr val="tx1"/>
-                </a:solidFill>
-                <a:effectLst/>
-                <a:latin typeface="var(--jp-code-font-family)"/>
-              </a:rPr>
-              <a:t>min 0.823825 </a:t>
-            </a:r>
-          </a:p>
-          <a:p>
-            <a:pPr marL="0" marR="0" lvl="0" indent="0" algn="l" defTabSz="914400" rtl="0" eaLnBrk="0" fontAlgn="base" latinLnBrk="0" hangingPunct="0">
-              <a:lnSpc>
-                <a:spcPct val="100000"/>
-              </a:lnSpc>
-              <a:spcBef>
-                <a:spcPct val="0"/>
-              </a:spcBef>
-              <a:spcAft>
-                <a:spcPct val="0"/>
-              </a:spcAft>
-              <a:buClrTx/>
-              <a:buSzTx/>
-              <a:buFontTx/>
-              <a:buNone/>
-              <a:tabLst/>
-            </a:pPr>
-            <a:r>
-              <a:rPr kumimoji="0" lang="en-US" altLang="en-US" sz="1600" b="0" i="0" u="none" strike="noStrike" cap="none" normalizeH="0" baseline="0" dirty="0">
-                <a:ln>
-                  <a:noFill/>
-                </a:ln>
-                <a:solidFill>
-                  <a:schemeClr val="tx1"/>
-                </a:solidFill>
-                <a:effectLst/>
-                <a:latin typeface="var(--jp-code-font-family)"/>
-              </a:rPr>
-              <a:t>25% 1.264320 </a:t>
-            </a:r>
-          </a:p>
-          <a:p>
-            <a:pPr marL="0" marR="0" lvl="0" indent="0" algn="l" defTabSz="914400" rtl="0" eaLnBrk="0" fontAlgn="base" latinLnBrk="0" hangingPunct="0">
-              <a:lnSpc>
-                <a:spcPct val="100000"/>
-              </a:lnSpc>
-              <a:spcBef>
-                <a:spcPct val="0"/>
-              </a:spcBef>
-              <a:spcAft>
-                <a:spcPct val="0"/>
-              </a:spcAft>
-              <a:buClrTx/>
-              <a:buSzTx/>
-              <a:buFontTx/>
-              <a:buNone/>
-              <a:tabLst/>
-            </a:pPr>
-            <a:r>
-              <a:rPr kumimoji="0" lang="en-US" altLang="en-US" sz="1600" b="0" i="0" u="none" strike="noStrike" cap="none" normalizeH="0" baseline="0" dirty="0">
-                <a:ln>
-                  <a:noFill/>
-                </a:ln>
-                <a:solidFill>
-                  <a:schemeClr val="tx1"/>
-                </a:solidFill>
-                <a:effectLst/>
-                <a:latin typeface="var(--jp-code-font-family)"/>
-              </a:rPr>
-              <a:t>50% 1.498127 </a:t>
-            </a:r>
-          </a:p>
-          <a:p>
-            <a:pPr marL="0" marR="0" lvl="0" indent="0" algn="l" defTabSz="914400" rtl="0" eaLnBrk="0" fontAlgn="base" latinLnBrk="0" hangingPunct="0">
-              <a:lnSpc>
-                <a:spcPct val="100000"/>
-              </a:lnSpc>
-              <a:spcBef>
-                <a:spcPct val="0"/>
-              </a:spcBef>
-              <a:spcAft>
-                <a:spcPct val="0"/>
-              </a:spcAft>
-              <a:buClrTx/>
-              <a:buSzTx/>
-              <a:buFontTx/>
-              <a:buNone/>
-              <a:tabLst/>
-            </a:pPr>
-            <a:r>
-              <a:rPr kumimoji="0" lang="en-US" altLang="en-US" sz="1600" b="0" i="0" u="none" strike="noStrike" cap="none" normalizeH="0" baseline="0" dirty="0">
-                <a:ln>
-                  <a:noFill/>
-                </a:ln>
-                <a:solidFill>
-                  <a:schemeClr val="tx1"/>
-                </a:solidFill>
-                <a:effectLst/>
-                <a:latin typeface="var(--jp-code-font-family)"/>
-              </a:rPr>
-              <a:t>75% 1.737534 </a:t>
-            </a:r>
-          </a:p>
-          <a:p>
-            <a:pPr marL="0" marR="0" lvl="0" indent="0" algn="l" defTabSz="914400" rtl="0" eaLnBrk="0" fontAlgn="base" latinLnBrk="0" hangingPunct="0">
-              <a:lnSpc>
-                <a:spcPct val="100000"/>
-              </a:lnSpc>
-              <a:spcBef>
-                <a:spcPct val="0"/>
-              </a:spcBef>
-              <a:spcAft>
-                <a:spcPct val="0"/>
-              </a:spcAft>
-              <a:buClrTx/>
-              <a:buSzTx/>
-              <a:buFontTx/>
-              <a:buNone/>
-              <a:tabLst/>
-            </a:pPr>
-            <a:r>
-              <a:rPr kumimoji="0" lang="en-US" altLang="en-US" sz="1600" b="0" i="0" u="none" strike="noStrike" cap="none" normalizeH="0" baseline="0" dirty="0">
-                <a:ln>
-                  <a:noFill/>
-                </a:ln>
-                <a:solidFill>
-                  <a:schemeClr val="tx1"/>
-                </a:solidFill>
-                <a:effectLst/>
-                <a:latin typeface="var(--jp-code-font-family)"/>
-              </a:rPr>
-              <a:t>max 3.029722 95% </a:t>
-            </a:r>
-          </a:p>
-          <a:p>
-            <a:pPr marL="0" marR="0" lvl="0" indent="0" algn="l" defTabSz="914400" rtl="0" eaLnBrk="0" fontAlgn="base" latinLnBrk="0" hangingPunct="0">
-              <a:lnSpc>
-                <a:spcPct val="100000"/>
-              </a:lnSpc>
-              <a:spcBef>
-                <a:spcPct val="0"/>
-              </a:spcBef>
-              <a:spcAft>
-                <a:spcPct val="0"/>
-              </a:spcAft>
-              <a:buClrTx/>
-              <a:buSzTx/>
-              <a:buFontTx/>
-              <a:buNone/>
-              <a:tabLst/>
-            </a:pPr>
-            <a:r>
-              <a:rPr kumimoji="0" lang="en-US" altLang="en-US" sz="1600" b="0" i="0" u="none" strike="noStrike" cap="none" normalizeH="0" baseline="0" dirty="0">
-                <a:ln>
-                  <a:noFill/>
-                </a:ln>
-                <a:solidFill>
-                  <a:schemeClr val="tx1"/>
-                </a:solidFill>
-                <a:effectLst/>
-                <a:latin typeface="var(--jp-code-font-family)"/>
-              </a:rPr>
-              <a:t>CI Lower 0.943032 95% </a:t>
-            </a:r>
-          </a:p>
-          <a:p>
-            <a:pPr marL="0" marR="0" lvl="0" indent="0" algn="l" defTabSz="914400" rtl="0" eaLnBrk="0" fontAlgn="base" latinLnBrk="0" hangingPunct="0">
-              <a:lnSpc>
-                <a:spcPct val="100000"/>
-              </a:lnSpc>
-              <a:spcBef>
-                <a:spcPct val="0"/>
-              </a:spcBef>
-              <a:spcAft>
-                <a:spcPct val="0"/>
-              </a:spcAft>
-              <a:buClrTx/>
-              <a:buSzTx/>
-              <a:buFontTx/>
-              <a:buNone/>
-              <a:tabLst/>
-            </a:pPr>
-            <a:r>
-              <a:rPr kumimoji="0" lang="en-US" altLang="en-US" sz="1600" b="0" i="0" u="none" strike="noStrike" cap="none" normalizeH="0" baseline="0" dirty="0">
-                <a:ln>
-                  <a:noFill/>
-                </a:ln>
-                <a:solidFill>
-                  <a:schemeClr val="tx1"/>
-                </a:solidFill>
-                <a:effectLst/>
-                <a:latin typeface="var(--jp-code-font-family)"/>
-              </a:rPr>
-              <a:t>CI Upper 2.314443</a:t>
-            </a:r>
-            <a:r>
-              <a:rPr kumimoji="0" lang="en-US" altLang="en-US" sz="1600" b="0" i="0" u="none" strike="noStrike" cap="none" normalizeH="0" baseline="0" dirty="0">
-                <a:ln>
-                  <a:noFill/>
-                </a:ln>
-                <a:solidFill>
-                  <a:schemeClr val="tx1"/>
-                </a:solidFill>
-                <a:effectLst/>
-              </a:rPr>
-              <a:t> </a:t>
-            </a:r>
-            <a:endParaRPr kumimoji="0" lang="en-US" altLang="en-US" sz="1600" b="0" i="0" u="none" strike="noStrike" cap="none" normalizeH="0" baseline="0" dirty="0">
-              <a:ln>
-                <a:noFill/>
-              </a:ln>
-              <a:solidFill>
-                <a:schemeClr val="tx1"/>
-              </a:solidFill>
-              <a:effectLst/>
-              <a:latin typeface="Arial" panose="020B0604020202020204" pitchFamily="34" charset="0"/>
-            </a:endParaRPr>
-          </a:p>
-        </p:txBody>
-      </p:sp>
-      <p:sp>
-        <p:nvSpPr>
-          <p:cNvPr id="9" name="Rectangle 3">
-            <a:extLst>
-              <a:ext uri="{FF2B5EF4-FFF2-40B4-BE49-F238E27FC236}">
-                <a16:creationId xmlns:a16="http://schemas.microsoft.com/office/drawing/2014/main" id="{D7234067-148F-46BF-B20A-0A6B397C0C60}"/>
-              </a:ext>
-            </a:extLst>
-          </p:cNvPr>
-          <p:cNvSpPr>
-            <a:spLocks noChangeArrowheads="1"/>
-          </p:cNvSpPr>
-          <p:nvPr/>
-        </p:nvSpPr>
-        <p:spPr bwMode="auto">
-          <a:xfrm>
-            <a:off x="1088571" y="5333775"/>
-            <a:ext cx="8371587" cy="246221"/>
-          </a:xfrm>
-          <a:prstGeom prst="rect">
-            <a:avLst/>
-          </a:prstGeom>
-          <a:solidFill>
-            <a:srgbClr val="FFFFFF"/>
-          </a:solidFill>
-          <a:ln>
-            <a:noFill/>
-          </a:ln>
-          <a:effectLst/>
-          <a:extLst>
-            <a:ext uri="{91240B29-F687-4F45-9708-019B960494DF}">
-              <a14:hiddenLine xmlns:a14="http://schemas.microsoft.com/office/drawing/2010/main" w="9525">
-                <a:solidFill>
-                  <a:schemeClr val="tx1"/>
-                </a:solidFill>
-                <a:miter lim="800000"/>
-                <a:headEnd/>
-                <a:tailEnd/>
-              </a14:hiddenLine>
-            </a:ext>
-            <a:ext uri="{AF507438-7753-43E0-B8FC-AC1667EBCBE1}">
-              <a14:hiddenEffects xmlns:a14="http://schemas.microsoft.com/office/drawing/2010/main">
-                <a:effectLst>
-                  <a:outerShdw dist="35921" dir="2700000" algn="ctr" rotWithShape="0">
-                    <a:schemeClr val="bg2"/>
-                  </a:outerShdw>
-                </a:effectLst>
-              </a14:hiddenEffects>
-            </a:ext>
-          </a:extLst>
-        </p:spPr>
-        <p:txBody>
-          <a:bodyPr vert="horz" wrap="none" lIns="0" tIns="0" rIns="0" bIns="0" numCol="1" anchor="ctr" anchorCtr="0" compatLnSpc="1">
-            <a:prstTxWarp prst="textNoShape">
-              <a:avLst/>
-            </a:prstTxWarp>
-            <a:spAutoFit/>
-          </a:bodyPr>
-          <a:lstStyle/>
-          <a:p>
-            <a:pPr marL="0" marR="0" lvl="0" indent="0" algn="l" defTabSz="914400" rtl="0" eaLnBrk="0" fontAlgn="base" latinLnBrk="0" hangingPunct="0">
-              <a:lnSpc>
-                <a:spcPct val="100000"/>
-              </a:lnSpc>
-              <a:spcBef>
-                <a:spcPct val="0"/>
-              </a:spcBef>
-              <a:spcAft>
-                <a:spcPct val="0"/>
-              </a:spcAft>
-              <a:buClrTx/>
-              <a:buSzTx/>
-              <a:buFontTx/>
-              <a:buNone/>
-              <a:tabLst/>
-            </a:pPr>
-            <a:r>
-              <a:rPr kumimoji="0" lang="en-US" altLang="en-US" sz="1600" b="0" i="0" u="none" strike="noStrike" cap="none" normalizeH="0" baseline="0" dirty="0">
-                <a:ln>
-                  <a:noFill/>
-                </a:ln>
-                <a:solidFill>
-                  <a:schemeClr val="tx1"/>
-                </a:solidFill>
-                <a:effectLst/>
-                <a:latin typeface="var(--jp-code-font-family)"/>
-              </a:rPr>
-              <a:t>There is a 95% chance that an initial investment of $10,000 in the portfolio $9430.32 and $23144.43</a:t>
-            </a:r>
-            <a:r>
-              <a:rPr kumimoji="0" lang="en-US" altLang="en-US" sz="1000" b="0" i="0" u="none" strike="noStrike" cap="none" normalizeH="0" baseline="0" dirty="0">
-                <a:ln>
-                  <a:noFill/>
-                </a:ln>
-                <a:solidFill>
-                  <a:schemeClr val="tx1"/>
-                </a:solidFill>
-                <a:effectLst/>
-                <a:latin typeface="var(--jp-code-font-family)"/>
-              </a:rPr>
-              <a:t>.</a:t>
-            </a:r>
-            <a:r>
-              <a:rPr kumimoji="0" lang="en-US" altLang="en-US" sz="800" b="0" i="0" u="none" strike="noStrike" cap="none" normalizeH="0" baseline="0" dirty="0">
-                <a:ln>
-                  <a:noFill/>
-                </a:ln>
-                <a:solidFill>
-                  <a:schemeClr val="tx1"/>
-                </a:solidFill>
-                <a:effectLst/>
-              </a:rPr>
-              <a:t> </a:t>
-            </a:r>
-            <a:endParaRPr kumimoji="0" lang="en-US" altLang="en-US" sz="1800" b="0" i="0" u="none" strike="noStrike" cap="none" normalizeH="0" baseline="0" dirty="0">
-              <a:ln>
-                <a:noFill/>
-              </a:ln>
-              <a:solidFill>
-                <a:schemeClr val="tx1"/>
-              </a:solidFill>
-              <a:effectLst/>
-              <a:latin typeface="Arial" panose="020B0604020202020204" pitchFamily="34" charset="0"/>
-            </a:endParaRPr>
-          </a:p>
-        </p:txBody>
-      </p:sp>
     </p:spTree>
     <p:extLst>
       <p:ext uri="{BB962C8B-B14F-4D97-AF65-F5344CB8AC3E}">
@@ -5330,9 +9069,9 @@
 </file>
 
 <file path=ppt/theme/theme1.xml><?xml version="1.0" encoding="utf-8"?>
-<a:theme xmlns:a="http://schemas.openxmlformats.org/drawingml/2006/main" name="Office Theme">
+<a:theme xmlns:a="http://schemas.openxmlformats.org/drawingml/2006/main" name="Slice">
   <a:themeElements>
-    <a:clrScheme name="Office">
+    <a:clrScheme name="Slice">
       <a:dk1>
         <a:sysClr val="windowText" lastClr="000000"/>
       </a:dk1>
@@ -5340,100 +9079,48 @@
         <a:sysClr val="window" lastClr="FFFFFF"/>
       </a:lt1>
       <a:dk2>
-        <a:srgbClr val="44546A"/>
+        <a:srgbClr val="146194"/>
       </a:dk2>
       <a:lt2>
-        <a:srgbClr val="E7E6E6"/>
+        <a:srgbClr val="76DBF4"/>
       </a:lt2>
       <a:accent1>
-        <a:srgbClr val="4472C4"/>
+        <a:srgbClr val="052F61"/>
       </a:accent1>
       <a:accent2>
-        <a:srgbClr val="ED7D31"/>
+        <a:srgbClr val="A50E82"/>
       </a:accent2>
       <a:accent3>
-        <a:srgbClr val="A5A5A5"/>
+        <a:srgbClr val="14967C"/>
       </a:accent3>
       <a:accent4>
-        <a:srgbClr val="FFC000"/>
+        <a:srgbClr val="6A9E1F"/>
       </a:accent4>
       <a:accent5>
-        <a:srgbClr val="5B9BD5"/>
+        <a:srgbClr val="E87D37"/>
       </a:accent5>
       <a:accent6>
-        <a:srgbClr val="70AD47"/>
+        <a:srgbClr val="C62324"/>
       </a:accent6>
       <a:hlink>
-        <a:srgbClr val="0563C1"/>
+        <a:srgbClr val="0D2E46"/>
       </a:hlink>
       <a:folHlink>
-        <a:srgbClr val="954F72"/>
+        <a:srgbClr val="356A95"/>
       </a:folHlink>
     </a:clrScheme>
-    <a:fontScheme name="Office">
+    <a:fontScheme name="Slice">
       <a:majorFont>
-        <a:latin typeface="Calibri Light" panose="020F0302020204030204"/>
+        <a:latin typeface="Century Gothic" panose="020B0502020202020204"/>
         <a:ea typeface=""/>
         <a:cs typeface=""/>
-        <a:font script="Jpan" typeface="游ゴシック Light"/>
-        <a:font script="Hang" typeface="맑은 고딕"/>
-        <a:font script="Hans" typeface="等线 Light"/>
-        <a:font script="Hant" typeface="新細明體"/>
-        <a:font script="Arab" typeface="Times New Roman"/>
-        <a:font script="Hebr" typeface="Times New Roman"/>
-        <a:font script="Thai" typeface="Angsana New"/>
-        <a:font script="Ethi" typeface="Nyala"/>
-        <a:font script="Beng" typeface="Vrinda"/>
-        <a:font script="Gujr" typeface="Shruti"/>
-        <a:font script="Khmr" typeface="MoolBoran"/>
-        <a:font script="Knda" typeface="Tunga"/>
-        <a:font script="Guru" typeface="Raavi"/>
-        <a:font script="Cans" typeface="Euphemia"/>
-        <a:font script="Cher" typeface="Plantagenet Cherokee"/>
-        <a:font script="Yiii" typeface="Microsoft Yi Baiti"/>
-        <a:font script="Tibt" typeface="Microsoft Himalaya"/>
-        <a:font script="Thaa" typeface="MV Boli"/>
-        <a:font script="Deva" typeface="Mangal"/>
-        <a:font script="Telu" typeface="Gautami"/>
-        <a:font script="Taml" typeface="Latha"/>
-        <a:font script="Syrc" typeface="Estrangelo Edessa"/>
-        <a:font script="Orya" typeface="Kalinga"/>
-        <a:font script="Mlym" typeface="Kartika"/>
-        <a:font script="Laoo" typeface="DokChampa"/>
-        <a:font script="Sinh" typeface="Iskoola Pota"/>
-        <a:font script="Mong" typeface="Mongolian Baiti"/>
-        <a:font script="Viet" typeface="Times New Roman"/>
-        <a:font script="Uigh" typeface="Microsoft Uighur"/>
-        <a:font script="Geor" typeface="Sylfaen"/>
-        <a:font script="Armn" typeface="Arial"/>
-        <a:font script="Bugi" typeface="Leelawadee UI"/>
-        <a:font script="Bopo" typeface="Microsoft JhengHei"/>
-        <a:font script="Java" typeface="Javanese Text"/>
-        <a:font script="Lisu" typeface="Segoe UI"/>
-        <a:font script="Mymr" typeface="Myanmar Text"/>
-        <a:font script="Nkoo" typeface="Ebrima"/>
-        <a:font script="Olck" typeface="Nirmala UI"/>
-        <a:font script="Osma" typeface="Ebrima"/>
-        <a:font script="Phag" typeface="Phagspa"/>
-        <a:font script="Syrn" typeface="Estrangelo Edessa"/>
-        <a:font script="Syrj" typeface="Estrangelo Edessa"/>
-        <a:font script="Syre" typeface="Estrangelo Edessa"/>
-        <a:font script="Sora" typeface="Nirmala UI"/>
-        <a:font script="Tale" typeface="Microsoft Tai Le"/>
-        <a:font script="Talu" typeface="Microsoft New Tai Lue"/>
-        <a:font script="Tfng" typeface="Ebrima"/>
-      </a:majorFont>
-      <a:minorFont>
-        <a:latin typeface="Calibri" panose="020F0502020204030204"/>
-        <a:ea typeface=""/>
-        <a:cs typeface=""/>
-        <a:font script="Jpan" typeface="游ゴシック"/>
-        <a:font script="Hang" typeface="맑은 고딕"/>
-        <a:font script="Hans" typeface="等线"/>
-        <a:font script="Hant" typeface="新細明體"/>
-        <a:font script="Arab" typeface="Arial"/>
-        <a:font script="Hebr" typeface="Arial"/>
-        <a:font script="Thai" typeface="Cordia New"/>
+        <a:font script="Jpan" typeface="メイリオ"/>
+        <a:font script="Hang" typeface="HY중고딕"/>
+        <a:font script="Hans" typeface="幼圆"/>
+        <a:font script="Hant" typeface="微軟正黑體"/>
+        <a:font script="Arab" typeface="Tahoma"/>
+        <a:font script="Hebr" typeface="Gisha"/>
+        <a:font script="Thai" typeface="DilleniaUPC"/>
         <a:font script="Ethi" typeface="Nyala"/>
         <a:font script="Beng" typeface="Vrinda"/>
         <a:font script="Gujr" typeface="Shruti"/>
@@ -5454,29 +9141,47 @@
         <a:font script="Laoo" typeface="DokChampa"/>
         <a:font script="Sinh" typeface="Iskoola Pota"/>
         <a:font script="Mong" typeface="Mongolian Baiti"/>
-        <a:font script="Viet" typeface="Arial"/>
+        <a:font script="Viet" typeface="Tahoma"/>
         <a:font script="Uigh" typeface="Microsoft Uighur"/>
         <a:font script="Geor" typeface="Sylfaen"/>
-        <a:font script="Armn" typeface="Arial"/>
-        <a:font script="Bugi" typeface="Leelawadee UI"/>
-        <a:font script="Bopo" typeface="Microsoft JhengHei"/>
-        <a:font script="Java" typeface="Javanese Text"/>
-        <a:font script="Lisu" typeface="Segoe UI"/>
-        <a:font script="Mymr" typeface="Myanmar Text"/>
-        <a:font script="Nkoo" typeface="Ebrima"/>
-        <a:font script="Olck" typeface="Nirmala UI"/>
-        <a:font script="Osma" typeface="Ebrima"/>
-        <a:font script="Phag" typeface="Phagspa"/>
-        <a:font script="Syrn" typeface="Estrangelo Edessa"/>
-        <a:font script="Syrj" typeface="Estrangelo Edessa"/>
-        <a:font script="Syre" typeface="Estrangelo Edessa"/>
-        <a:font script="Sora" typeface="Nirmala UI"/>
-        <a:font script="Tale" typeface="Microsoft Tai Le"/>
-        <a:font script="Talu" typeface="Microsoft New Tai Lue"/>
-        <a:font script="Tfng" typeface="Ebrima"/>
+      </a:majorFont>
+      <a:minorFont>
+        <a:latin typeface="Century Gothic" panose="020B0502020202020204"/>
+        <a:ea typeface=""/>
+        <a:cs typeface=""/>
+        <a:font script="Jpan" typeface="メイリオ"/>
+        <a:font script="Hang" typeface="HY중고딕"/>
+        <a:font script="Hans" typeface="幼圆"/>
+        <a:font script="Hant" typeface="微軟正黑體"/>
+        <a:font script="Arab" typeface="Tahoma"/>
+        <a:font script="Hebr" typeface="Gisha"/>
+        <a:font script="Thai" typeface="DilleniaUPC"/>
+        <a:font script="Ethi" typeface="Nyala"/>
+        <a:font script="Beng" typeface="Vrinda"/>
+        <a:font script="Gujr" typeface="Shruti"/>
+        <a:font script="Khmr" typeface="DaunPenh"/>
+        <a:font script="Knda" typeface="Tunga"/>
+        <a:font script="Guru" typeface="Raavi"/>
+        <a:font script="Cans" typeface="Euphemia"/>
+        <a:font script="Cher" typeface="Plantagenet Cherokee"/>
+        <a:font script="Yiii" typeface="Microsoft Yi Baiti"/>
+        <a:font script="Tibt" typeface="Microsoft Himalaya"/>
+        <a:font script="Thaa" typeface="MV Boli"/>
+        <a:font script="Deva" typeface="Mangal"/>
+        <a:font script="Telu" typeface="Gautami"/>
+        <a:font script="Taml" typeface="Latha"/>
+        <a:font script="Syrc" typeface="Estrangelo Edessa"/>
+        <a:font script="Orya" typeface="Kalinga"/>
+        <a:font script="Mlym" typeface="Kartika"/>
+        <a:font script="Laoo" typeface="DokChampa"/>
+        <a:font script="Sinh" typeface="Iskoola Pota"/>
+        <a:font script="Mong" typeface="Mongolian Baiti"/>
+        <a:font script="Viet" typeface="Tahoma"/>
+        <a:font script="Uigh" typeface="Microsoft Uighur"/>
+        <a:font script="Geor" typeface="Sylfaen"/>
       </a:minorFont>
     </a:fontScheme>
-    <a:fmtScheme name="Office">
+    <a:fmtScheme name="Slice">
       <a:fillStyleLst>
         <a:solidFill>
           <a:schemeClr val="phClr"/>
@@ -5485,23 +9190,16 @@
           <a:gsLst>
             <a:gs pos="0">
               <a:schemeClr val="phClr">
+                <a:tint val="62000"/>
+                <a:hueMod val="94000"/>
+                <a:satMod val="140000"/>
                 <a:lumMod val="110000"/>
-                <a:satMod val="105000"/>
-                <a:tint val="67000"/>
-              </a:schemeClr>
-            </a:gs>
-            <a:gs pos="50000">
-              <a:schemeClr val="phClr">
-                <a:lumMod val="105000"/>
-                <a:satMod val="103000"/>
-                <a:tint val="73000"/>
               </a:schemeClr>
             </a:gs>
             <a:gs pos="100000">
               <a:schemeClr val="phClr">
-                <a:lumMod val="105000"/>
-                <a:satMod val="109000"/>
-                <a:tint val="81000"/>
+                <a:tint val="84000"/>
+                <a:satMod val="160000"/>
               </a:schemeClr>
             </a:gs>
           </a:gsLst>
@@ -5511,23 +9209,16 @@
           <a:gsLst>
             <a:gs pos="0">
               <a:schemeClr val="phClr">
-                <a:satMod val="103000"/>
-                <a:lumMod val="102000"/>
-                <a:tint val="94000"/>
-              </a:schemeClr>
-            </a:gs>
-            <a:gs pos="50000">
-              <a:schemeClr val="phClr">
-                <a:satMod val="110000"/>
-                <a:lumMod val="100000"/>
-                <a:shade val="100000"/>
+                <a:tint val="98000"/>
+                <a:hueMod val="94000"/>
+                <a:satMod val="130000"/>
+                <a:lumMod val="128000"/>
               </a:schemeClr>
             </a:gs>
             <a:gs pos="100000">
               <a:schemeClr val="phClr">
-                <a:lumMod val="99000"/>
-                <a:satMod val="120000"/>
-                <a:shade val="78000"/>
+                <a:shade val="94000"/>
+                <a:lumMod val="88000"/>
               </a:schemeClr>
             </a:gs>
           </a:gsLst>
@@ -5535,26 +9226,29 @@
         </a:gradFill>
       </a:fillStyleLst>
       <a:lnStyleLst>
-        <a:ln w="6350" cap="flat" cmpd="sng" algn="ctr">
+        <a:ln w="9525" cap="rnd" cmpd="sng" algn="ctr">
+          <a:solidFill>
+            <a:schemeClr val="phClr">
+              <a:tint val="76000"/>
+              <a:alpha val="60000"/>
+              <a:hueMod val="94000"/>
+            </a:schemeClr>
+          </a:solidFill>
+          <a:prstDash val="solid"/>
+        </a:ln>
+        <a:ln w="15875" cap="rnd" cmpd="sng" algn="ctr">
+          <a:solidFill>
+            <a:schemeClr val="phClr">
+              <a:hueMod val="94000"/>
+            </a:schemeClr>
+          </a:solidFill>
+          <a:prstDash val="solid"/>
+        </a:ln>
+        <a:ln w="28575" cap="rnd" cmpd="sng" algn="ctr">
           <a:solidFill>
             <a:schemeClr val="phClr"/>
           </a:solidFill>
           <a:prstDash val="solid"/>
-          <a:miter lim="800000"/>
-        </a:ln>
-        <a:ln w="12700" cap="flat" cmpd="sng" algn="ctr">
-          <a:solidFill>
-            <a:schemeClr val="phClr"/>
-          </a:solidFill>
-          <a:prstDash val="solid"/>
-          <a:miter lim="800000"/>
-        </a:ln>
-        <a:ln w="19050" cap="flat" cmpd="sng" algn="ctr">
-          <a:solidFill>
-            <a:schemeClr val="phClr"/>
-          </a:solidFill>
-          <a:prstDash val="solid"/>
-          <a:miter lim="800000"/>
         </a:ln>
       </a:lnStyleLst>
       <a:effectStyleLst>
@@ -5562,54 +9256,78 @@
           <a:effectLst/>
         </a:effectStyle>
         <a:effectStyle>
-          <a:effectLst/>
+          <a:effectLst>
+            <a:innerShdw blurRad="25400" dist="12700" dir="13500000">
+              <a:srgbClr val="000000">
+                <a:alpha val="45000"/>
+              </a:srgbClr>
+            </a:innerShdw>
+          </a:effectLst>
         </a:effectStyle>
         <a:effectStyle>
           <a:effectLst>
-            <a:outerShdw blurRad="57150" dist="19050" dir="5400000" algn="ctr" rotWithShape="0">
+            <a:outerShdw blurRad="50800" dist="38100" dir="5400000" rotWithShape="0">
               <a:srgbClr val="000000">
-                <a:alpha val="63000"/>
+                <a:alpha val="46000"/>
               </a:srgbClr>
             </a:outerShdw>
           </a:effectLst>
+          <a:scene3d>
+            <a:camera prst="orthographicFront">
+              <a:rot lat="0" lon="0" rev="0"/>
+            </a:camera>
+            <a:lightRig rig="threePt" dir="t"/>
+          </a:scene3d>
+          <a:sp3d prstMaterial="plastic">
+            <a:bevelT w="25400" h="25400"/>
+          </a:sp3d>
         </a:effectStyle>
       </a:effectStyleLst>
       <a:bgFillStyleLst>
         <a:solidFill>
           <a:schemeClr val="phClr"/>
         </a:solidFill>
-        <a:solidFill>
-          <a:schemeClr val="phClr">
-            <a:tint val="95000"/>
-            <a:satMod val="170000"/>
-          </a:schemeClr>
-        </a:solidFill>
+        <a:gradFill rotWithShape="1">
+          <a:gsLst>
+            <a:gs pos="10000">
+              <a:schemeClr val="phClr">
+                <a:tint val="97000"/>
+                <a:hueMod val="92000"/>
+                <a:satMod val="169000"/>
+                <a:lumMod val="164000"/>
+              </a:schemeClr>
+            </a:gs>
+            <a:gs pos="100000">
+              <a:schemeClr val="phClr">
+                <a:shade val="96000"/>
+                <a:satMod val="120000"/>
+                <a:lumMod val="90000"/>
+              </a:schemeClr>
+            </a:gs>
+          </a:gsLst>
+          <a:lin ang="6120000" scaled="1"/>
+        </a:gradFill>
         <a:gradFill rotWithShape="1">
           <a:gsLst>
             <a:gs pos="0">
               <a:schemeClr val="phClr">
-                <a:tint val="93000"/>
-                <a:satMod val="150000"/>
-                <a:shade val="98000"/>
-                <a:lumMod val="102000"/>
-              </a:schemeClr>
-            </a:gs>
-            <a:gs pos="50000">
-              <a:schemeClr val="phClr">
-                <a:tint val="98000"/>
-                <a:satMod val="130000"/>
-                <a:shade val="90000"/>
-                <a:lumMod val="103000"/>
+                <a:tint val="97000"/>
+                <a:hueMod val="92000"/>
+                <a:satMod val="169000"/>
+                <a:lumMod val="164000"/>
               </a:schemeClr>
             </a:gs>
             <a:gs pos="100000">
               <a:schemeClr val="phClr">
-                <a:shade val="63000"/>
+                <a:shade val="96000"/>
                 <a:satMod val="120000"/>
+                <a:lumMod val="90000"/>
               </a:schemeClr>
             </a:gs>
           </a:gsLst>
-          <a:lin ang="5400000" scaled="0"/>
+          <a:path path="circle">
+            <a:fillToRect b="100000"/>
+          </a:path>
         </a:gradFill>
       </a:bgFillStyleLst>
     </a:fmtScheme>
@@ -5618,7 +9336,7 @@
   <a:extraClrSchemeLst/>
   <a:extLst>
     <a:ext uri="{05A4C25C-085E-4340-85A3-A5531E510DB2}">
-      <thm15:themeFamily xmlns:thm15="http://schemas.microsoft.com/office/thememl/2012/main" name="Office Theme" id="{62F939B6-93AF-4DB8-9C6B-D6C7DFDC589F}" vid="{4A3C46E8-61CC-4603-A589-7422A47A8E4A}"/>
+      <thm15:themeFamily xmlns:thm15="http://schemas.microsoft.com/office/thememl/2012/main" name="Slice" id="{0507925B-6AC9-4358-8E18-C330545D08F8}" vid="{13FEC7C6-62A9-40C4-99D2-581AACACAA2F}"/>
     </a:ext>
   </a:extLst>
 </a:theme>
